--- a/하계특훈 발표/200720_하계특훈_2014180011_김영범.pptx
+++ b/하계특훈 발표/200720_하계특훈_2014180011_김영범.pptx
@@ -128,7 +128,7 @@
   </p:defaultTextStyle>
   <p:extLst>
     <p:ext uri="{EFAFB233-063F-42B5-8137-9DF3F51BA10A}">
-      <p15:sldGuideLst xmlns:p15="http://schemas.microsoft.com/office/powerpoint/2012/main" xmlns="">
+      <p15:sldGuideLst xmlns:p15="http://schemas.microsoft.com/office/powerpoint/2012/main">
         <p15:guide id="1" orient="horz" pos="2160">
           <p15:clr>
             <a:srgbClr val="A4A3A4"/>
@@ -142,7 +142,7 @@
       </p15:sldGuideLst>
     </p:ext>
     <p:ext uri="{2D200454-40CA-4A62-9FC3-DE9A4176ACB9}">
-      <p15:notesGuideLst xmlns:p15="http://schemas.microsoft.com/office/powerpoint/2012/main" xmlns=""/>
+      <p15:notesGuideLst xmlns:p15="http://schemas.microsoft.com/office/powerpoint/2012/main"/>
     </p:ext>
   </p:extLst>
 </p:presentation>
@@ -153,7 +153,7 @@
   <p:cmAuthor id="1" name="Kim YoungBum" initials="KY" lastIdx="1" clrIdx="0">
     <p:extLst>
       <p:ext uri="{19B8F6BF-5375-455C-9EA6-DF929625EA0E}">
-        <p15:presenceInfo xmlns:p15="http://schemas.microsoft.com/office/powerpoint/2012/main" xmlns="" userId="58bde64b80528bfe" providerId="Windows Live"/>
+        <p15:presenceInfo xmlns:p15="http://schemas.microsoft.com/office/powerpoint/2012/main" userId="58bde64b80528bfe" providerId="Windows Live"/>
       </p:ext>
     </p:extLst>
   </p:cmAuthor>
@@ -161,7 +161,7 @@
 </file>
 
 <file path=ppt/charts/chart1.xml><?xml version="1.0" encoding="utf-8"?>
-<c:chartSpace xmlns:c="http://schemas.openxmlformats.org/drawingml/2006/chart" xmlns:a="http://schemas.openxmlformats.org/drawingml/2006/main" xmlns:r="http://schemas.openxmlformats.org/officeDocument/2006/relationships">
+<c:chartSpace xmlns:c="http://schemas.openxmlformats.org/drawingml/2006/chart" xmlns:a="http://schemas.openxmlformats.org/drawingml/2006/main" xmlns:r="http://schemas.openxmlformats.org/officeDocument/2006/relationships" xmlns:c16r2="http://schemas.microsoft.com/office/drawing/2015/06/chart">
   <c:date1904 val="0"/>
   <c:lang val="ko-KR"/>
   <c:roundedCorners val="0"/>
@@ -207,6 +207,11 @@
               </a:ln>
               <a:effectLst/>
             </c:spPr>
+            <c:extLst>
+              <c:ext xmlns:c16="http://schemas.microsoft.com/office/drawing/2014/chart" uri="{C3380CC4-5D6E-409C-BE32-E72D297353CC}">
+                <c16:uniqueId val="{00000001-4531-452D-B1FD-CF1F21AD5F53}"/>
+              </c:ext>
+            </c:extLst>
           </c:dPt>
           <c:dPt>
             <c:idx val="1"/>
@@ -222,7 +227,7 @@
               </a:ln>
               <a:effectLst/>
             </c:spPr>
-            <c:extLst xmlns:c16r2="http://schemas.microsoft.com/office/drawing/2015/06/chart">
+            <c:extLst>
               <c:ext xmlns:c16="http://schemas.microsoft.com/office/drawing/2014/chart" uri="{C3380CC4-5D6E-409C-BE32-E72D297353CC}">
                 <c16:uniqueId val="{00000002-3A15-4291-A251-CD3857ACFEB1}"/>
               </c:ext>
@@ -242,7 +247,7 @@
               </a:ln>
               <a:effectLst/>
             </c:spPr>
-            <c:extLst xmlns:c16r2="http://schemas.microsoft.com/office/drawing/2015/06/chart">
+            <c:extLst>
               <c:ext xmlns:c16="http://schemas.microsoft.com/office/drawing/2014/chart" uri="{C3380CC4-5D6E-409C-BE32-E72D297353CC}">
                 <c16:uniqueId val="{00000001-3A15-4291-A251-CD3857ACFEB1}"/>
               </c:ext>
@@ -262,6 +267,11 @@
               </a:ln>
               <a:effectLst/>
             </c:spPr>
+            <c:extLst>
+              <c:ext xmlns:c16="http://schemas.microsoft.com/office/drawing/2014/chart" uri="{C3380CC4-5D6E-409C-BE32-E72D297353CC}">
+                <c16:uniqueId val="{00000007-4531-452D-B1FD-CF1F21AD5F53}"/>
+              </c:ext>
+            </c:extLst>
           </c:dPt>
           <c:dLbls>
             <c:spPr>
@@ -308,7 +318,7 @@
             <c:showPercent val="1"/>
             <c:showBubbleSize val="0"/>
             <c:showLeaderLines val="0"/>
-            <c:extLst xmlns:c16r2="http://schemas.microsoft.com/office/drawing/2015/06/chart">
+            <c:extLst>
               <c:ext xmlns:c15="http://schemas.microsoft.com/office/drawing/2012/chart" uri="{CE6537A1-D6FC-4f65-9D91-7224C49458BB}">
                 <c15:spPr xmlns:c15="http://schemas.microsoft.com/office/drawing/2012/chart">
                   <a:prstGeom prst="wedgeRectCallout">
@@ -364,7 +374,7 @@
               </c:numCache>
             </c:numRef>
           </c:val>
-          <c:extLst xmlns:c16r2="http://schemas.microsoft.com/office/drawing/2015/06/chart">
+          <c:extLst>
             <c:ext xmlns:c16="http://schemas.microsoft.com/office/drawing/2014/chart" uri="{C3380CC4-5D6E-409C-BE32-E72D297353CC}">
               <c16:uniqueId val="{00000000-3A15-4291-A251-CD3857ACFEB1}"/>
             </c:ext>
@@ -410,14 +420,14 @@
       <a:endParaRPr lang="ko-KR"/>
     </a:p>
   </c:txPr>
-  <c:externalData r:id="rId1">
+  <c:externalData r:id="rId3">
     <c:autoUpdate val="0"/>
   </c:externalData>
 </c:chartSpace>
 </file>
 
 <file path=ppt/charts/chart10.xml><?xml version="1.0" encoding="utf-8"?>
-<c:chartSpace xmlns:c="http://schemas.openxmlformats.org/drawingml/2006/chart" xmlns:a="http://schemas.openxmlformats.org/drawingml/2006/main" xmlns:r="http://schemas.openxmlformats.org/officeDocument/2006/relationships">
+<c:chartSpace xmlns:c="http://schemas.openxmlformats.org/drawingml/2006/chart" xmlns:a="http://schemas.openxmlformats.org/drawingml/2006/main" xmlns:r="http://schemas.openxmlformats.org/officeDocument/2006/relationships" xmlns:c16r2="http://schemas.microsoft.com/office/drawing/2015/06/chart">
   <c:date1904 val="0"/>
   <c:lang val="ko-KR"/>
   <c:roundedCorners val="0"/>
@@ -463,7 +473,7 @@
               </a:ln>
               <a:effectLst/>
             </c:spPr>
-            <c:extLst xmlns:c16r2="http://schemas.microsoft.com/office/drawing/2015/06/chart">
+            <c:extLst>
               <c:ext xmlns:c16="http://schemas.microsoft.com/office/drawing/2014/chart" uri="{C3380CC4-5D6E-409C-BE32-E72D297353CC}">
                 <c16:uniqueId val="{00000001-6B1F-44B1-A765-9B881837AE05}"/>
               </c:ext>
@@ -483,7 +493,7 @@
               </a:ln>
               <a:effectLst/>
             </c:spPr>
-            <c:extLst xmlns:c16r2="http://schemas.microsoft.com/office/drawing/2015/06/chart">
+            <c:extLst>
               <c:ext xmlns:c16="http://schemas.microsoft.com/office/drawing/2014/chart" uri="{C3380CC4-5D6E-409C-BE32-E72D297353CC}">
                 <c16:uniqueId val="{00000003-6B1F-44B1-A765-9B881837AE05}"/>
               </c:ext>
@@ -503,7 +513,7 @@
               </a:ln>
               <a:effectLst/>
             </c:spPr>
-            <c:extLst xmlns:c16r2="http://schemas.microsoft.com/office/drawing/2015/06/chart">
+            <c:extLst>
               <c:ext xmlns:c16="http://schemas.microsoft.com/office/drawing/2014/chart" uri="{C3380CC4-5D6E-409C-BE32-E72D297353CC}">
                 <c16:uniqueId val="{00000005-6B1F-44B1-A765-9B881837AE05}"/>
               </c:ext>
@@ -523,7 +533,7 @@
               </a:ln>
               <a:effectLst/>
             </c:spPr>
-            <c:extLst xmlns:c16r2="http://schemas.microsoft.com/office/drawing/2015/06/chart">
+            <c:extLst>
               <c:ext xmlns:c16="http://schemas.microsoft.com/office/drawing/2014/chart" uri="{C3380CC4-5D6E-409C-BE32-E72D297353CC}">
                 <c16:uniqueId val="{00000007-6B1F-44B1-A765-9B881837AE05}"/>
               </c:ext>
@@ -574,7 +584,7 @@
             <c:showPercent val="1"/>
             <c:showBubbleSize val="0"/>
             <c:showLeaderLines val="0"/>
-            <c:extLst xmlns:c16r2="http://schemas.microsoft.com/office/drawing/2015/06/chart">
+            <c:extLst>
               <c:ext xmlns:c15="http://schemas.microsoft.com/office/drawing/2012/chart" uri="{CE6537A1-D6FC-4f65-9D91-7224C49458BB}">
                 <c15:spPr xmlns:c15="http://schemas.microsoft.com/office/drawing/2012/chart">
                   <a:prstGeom prst="wedgeRectCallout">
@@ -585,7 +595,6 @@
                     <a:noFill/>
                   </a:ln>
                 </c15:spPr>
-                <c15:layout/>
               </c:ext>
             </c:extLst>
           </c:dLbls>
@@ -630,7 +639,7 @@
               </c:numCache>
             </c:numRef>
           </c:val>
-          <c:extLst xmlns:c16r2="http://schemas.microsoft.com/office/drawing/2015/06/chart">
+          <c:extLst>
             <c:ext xmlns:c16="http://schemas.microsoft.com/office/drawing/2014/chart" uri="{C3380CC4-5D6E-409C-BE32-E72D297353CC}">
               <c16:uniqueId val="{00000008-6B1F-44B1-A765-9B881837AE05}"/>
             </c:ext>
@@ -676,14 +685,14 @@
       <a:endParaRPr lang="ko-KR"/>
     </a:p>
   </c:txPr>
-  <c:externalData r:id="rId1">
+  <c:externalData r:id="rId3">
     <c:autoUpdate val="0"/>
   </c:externalData>
 </c:chartSpace>
 </file>
 
 <file path=ppt/charts/chart11.xml><?xml version="1.0" encoding="utf-8"?>
-<c:chartSpace xmlns:c="http://schemas.openxmlformats.org/drawingml/2006/chart" xmlns:a="http://schemas.openxmlformats.org/drawingml/2006/main" xmlns:r="http://schemas.openxmlformats.org/officeDocument/2006/relationships">
+<c:chartSpace xmlns:c="http://schemas.openxmlformats.org/drawingml/2006/chart" xmlns:a="http://schemas.openxmlformats.org/drawingml/2006/main" xmlns:r="http://schemas.openxmlformats.org/officeDocument/2006/relationships" xmlns:c16r2="http://schemas.microsoft.com/office/drawing/2015/06/chart">
   <c:date1904 val="0"/>
   <c:lang val="ko-KR"/>
   <c:roundedCorners val="0"/>
@@ -729,6 +738,11 @@
               </a:ln>
               <a:effectLst/>
             </c:spPr>
+            <c:extLst>
+              <c:ext xmlns:c16="http://schemas.microsoft.com/office/drawing/2014/chart" uri="{C3380CC4-5D6E-409C-BE32-E72D297353CC}">
+                <c16:uniqueId val="{00000001-C742-4414-9FBF-FF6FB0324AAA}"/>
+              </c:ext>
+            </c:extLst>
           </c:dPt>
           <c:dPt>
             <c:idx val="1"/>
@@ -744,7 +758,7 @@
               </a:ln>
               <a:effectLst/>
             </c:spPr>
-            <c:extLst xmlns:c16r2="http://schemas.microsoft.com/office/drawing/2015/06/chart">
+            <c:extLst>
               <c:ext xmlns:c16="http://schemas.microsoft.com/office/drawing/2014/chart" uri="{C3380CC4-5D6E-409C-BE32-E72D297353CC}">
                 <c16:uniqueId val="{00000000-8B2A-41A8-B9C3-41C5906FC940}"/>
               </c:ext>
@@ -764,7 +778,7 @@
               </a:ln>
               <a:effectLst/>
             </c:spPr>
-            <c:extLst xmlns:c16r2="http://schemas.microsoft.com/office/drawing/2015/06/chart">
+            <c:extLst>
               <c:ext xmlns:c16="http://schemas.microsoft.com/office/drawing/2014/chart" uri="{C3380CC4-5D6E-409C-BE32-E72D297353CC}">
                 <c16:uniqueId val="{00000000-3E92-4B80-8669-4477F4AC9CF7}"/>
               </c:ext>
@@ -784,6 +798,11 @@
               </a:ln>
               <a:effectLst/>
             </c:spPr>
+            <c:extLst>
+              <c:ext xmlns:c16="http://schemas.microsoft.com/office/drawing/2014/chart" uri="{C3380CC4-5D6E-409C-BE32-E72D297353CC}">
+                <c16:uniqueId val="{00000007-C742-4414-9FBF-FF6FB0324AAA}"/>
+              </c:ext>
+            </c:extLst>
           </c:dPt>
           <c:dLbls>
             <c:spPr>
@@ -830,7 +849,7 @@
             <c:showPercent val="1"/>
             <c:showBubbleSize val="0"/>
             <c:showLeaderLines val="0"/>
-            <c:extLst xmlns:c16r2="http://schemas.microsoft.com/office/drawing/2015/06/chart">
+            <c:extLst>
               <c:ext xmlns:c15="http://schemas.microsoft.com/office/drawing/2012/chart" uri="{CE6537A1-D6FC-4f65-9D91-7224C49458BB}">
                 <c15:spPr xmlns:c15="http://schemas.microsoft.com/office/drawing/2012/chart">
                   <a:prstGeom prst="wedgeRectCallout">
@@ -841,7 +860,6 @@
                     <a:noFill/>
                   </a:ln>
                 </c15:spPr>
-                <c15:layout/>
               </c:ext>
             </c:extLst>
           </c:dLbls>
@@ -886,7 +904,7 @@
               </c:numCache>
             </c:numRef>
           </c:val>
-          <c:extLst xmlns:c16r2="http://schemas.microsoft.com/office/drawing/2015/06/chart">
+          <c:extLst>
             <c:ext xmlns:c16="http://schemas.microsoft.com/office/drawing/2014/chart" uri="{C3380CC4-5D6E-409C-BE32-E72D297353CC}">
               <c16:uniqueId val="{00000000-3A15-4291-A251-CD3857ACFEB1}"/>
             </c:ext>
@@ -932,14 +950,14 @@
       <a:endParaRPr lang="ko-KR"/>
     </a:p>
   </c:txPr>
-  <c:externalData r:id="rId1">
+  <c:externalData r:id="rId3">
     <c:autoUpdate val="0"/>
   </c:externalData>
 </c:chartSpace>
 </file>
 
 <file path=ppt/charts/chart12.xml><?xml version="1.0" encoding="utf-8"?>
-<c:chartSpace xmlns:c="http://schemas.openxmlformats.org/drawingml/2006/chart" xmlns:a="http://schemas.openxmlformats.org/drawingml/2006/main" xmlns:r="http://schemas.openxmlformats.org/officeDocument/2006/relationships">
+<c:chartSpace xmlns:c="http://schemas.openxmlformats.org/drawingml/2006/chart" xmlns:a="http://schemas.openxmlformats.org/drawingml/2006/main" xmlns:r="http://schemas.openxmlformats.org/officeDocument/2006/relationships" xmlns:c16r2="http://schemas.microsoft.com/office/drawing/2015/06/chart">
   <c:date1904 val="0"/>
   <c:lang val="ko-KR"/>
   <c:roundedCorners val="0"/>
@@ -985,7 +1003,7 @@
               </a:ln>
               <a:effectLst/>
             </c:spPr>
-            <c:extLst xmlns:c16r2="http://schemas.microsoft.com/office/drawing/2015/06/chart">
+            <c:extLst>
               <c:ext xmlns:c16="http://schemas.microsoft.com/office/drawing/2014/chart" uri="{C3380CC4-5D6E-409C-BE32-E72D297353CC}">
                 <c16:uniqueId val="{00000001-6B1F-44B1-A765-9B881837AE05}"/>
               </c:ext>
@@ -1005,7 +1023,7 @@
               </a:ln>
               <a:effectLst/>
             </c:spPr>
-            <c:extLst xmlns:c16r2="http://schemas.microsoft.com/office/drawing/2015/06/chart">
+            <c:extLst>
               <c:ext xmlns:c16="http://schemas.microsoft.com/office/drawing/2014/chart" uri="{C3380CC4-5D6E-409C-BE32-E72D297353CC}">
                 <c16:uniqueId val="{00000003-6B1F-44B1-A765-9B881837AE05}"/>
               </c:ext>
@@ -1025,7 +1043,7 @@
               </a:ln>
               <a:effectLst/>
             </c:spPr>
-            <c:extLst xmlns:c16r2="http://schemas.microsoft.com/office/drawing/2015/06/chart">
+            <c:extLst>
               <c:ext xmlns:c16="http://schemas.microsoft.com/office/drawing/2014/chart" uri="{C3380CC4-5D6E-409C-BE32-E72D297353CC}">
                 <c16:uniqueId val="{00000005-6B1F-44B1-A765-9B881837AE05}"/>
               </c:ext>
@@ -1045,7 +1063,7 @@
               </a:ln>
               <a:effectLst/>
             </c:spPr>
-            <c:extLst xmlns:c16r2="http://schemas.microsoft.com/office/drawing/2015/06/chart">
+            <c:extLst>
               <c:ext xmlns:c16="http://schemas.microsoft.com/office/drawing/2014/chart" uri="{C3380CC4-5D6E-409C-BE32-E72D297353CC}">
                 <c16:uniqueId val="{00000007-6B1F-44B1-A765-9B881837AE05}"/>
               </c:ext>
@@ -1096,7 +1114,7 @@
             <c:showPercent val="1"/>
             <c:showBubbleSize val="0"/>
             <c:showLeaderLines val="0"/>
-            <c:extLst xmlns:c16r2="http://schemas.microsoft.com/office/drawing/2015/06/chart">
+            <c:extLst>
               <c:ext xmlns:c15="http://schemas.microsoft.com/office/drawing/2012/chart" uri="{CE6537A1-D6FC-4f65-9D91-7224C49458BB}">
                 <c15:spPr xmlns:c15="http://schemas.microsoft.com/office/drawing/2012/chart">
                   <a:prstGeom prst="wedgeRectCallout">
@@ -1107,7 +1125,6 @@
                     <a:noFill/>
                   </a:ln>
                 </c15:spPr>
-                <c15:layout/>
               </c:ext>
             </c:extLst>
           </c:dLbls>
@@ -1152,7 +1169,7 @@
               </c:numCache>
             </c:numRef>
           </c:val>
-          <c:extLst xmlns:c16r2="http://schemas.microsoft.com/office/drawing/2015/06/chart">
+          <c:extLst>
             <c:ext xmlns:c16="http://schemas.microsoft.com/office/drawing/2014/chart" uri="{C3380CC4-5D6E-409C-BE32-E72D297353CC}">
               <c16:uniqueId val="{00000008-6B1F-44B1-A765-9B881837AE05}"/>
             </c:ext>
@@ -1198,14 +1215,14 @@
       <a:endParaRPr lang="ko-KR"/>
     </a:p>
   </c:txPr>
-  <c:externalData r:id="rId1">
+  <c:externalData r:id="rId3">
     <c:autoUpdate val="0"/>
   </c:externalData>
 </c:chartSpace>
 </file>
 
 <file path=ppt/charts/chart2.xml><?xml version="1.0" encoding="utf-8"?>
-<c:chartSpace xmlns:c="http://schemas.openxmlformats.org/drawingml/2006/chart" xmlns:a="http://schemas.openxmlformats.org/drawingml/2006/main" xmlns:r="http://schemas.openxmlformats.org/officeDocument/2006/relationships">
+<c:chartSpace xmlns:c="http://schemas.openxmlformats.org/drawingml/2006/chart" xmlns:a="http://schemas.openxmlformats.org/drawingml/2006/main" xmlns:r="http://schemas.openxmlformats.org/officeDocument/2006/relationships" xmlns:c16r2="http://schemas.microsoft.com/office/drawing/2015/06/chart">
   <c:date1904 val="0"/>
   <c:lang val="ko-KR"/>
   <c:roundedCorners val="0"/>
@@ -1251,7 +1268,7 @@
               </a:ln>
               <a:effectLst/>
             </c:spPr>
-            <c:extLst xmlns:c16r2="http://schemas.microsoft.com/office/drawing/2015/06/chart">
+            <c:extLst>
               <c:ext xmlns:c16="http://schemas.microsoft.com/office/drawing/2014/chart" uri="{C3380CC4-5D6E-409C-BE32-E72D297353CC}">
                 <c16:uniqueId val="{00000001-9190-4958-B1FF-8494FACA5513}"/>
               </c:ext>
@@ -1271,7 +1288,7 @@
               </a:ln>
               <a:effectLst/>
             </c:spPr>
-            <c:extLst xmlns:c16r2="http://schemas.microsoft.com/office/drawing/2015/06/chart">
+            <c:extLst>
               <c:ext xmlns:c16="http://schemas.microsoft.com/office/drawing/2014/chart" uri="{C3380CC4-5D6E-409C-BE32-E72D297353CC}">
                 <c16:uniqueId val="{00000003-9190-4958-B1FF-8494FACA5513}"/>
               </c:ext>
@@ -1291,7 +1308,7 @@
               </a:ln>
               <a:effectLst/>
             </c:spPr>
-            <c:extLst xmlns:c16r2="http://schemas.microsoft.com/office/drawing/2015/06/chart">
+            <c:extLst>
               <c:ext xmlns:c16="http://schemas.microsoft.com/office/drawing/2014/chart" uri="{C3380CC4-5D6E-409C-BE32-E72D297353CC}">
                 <c16:uniqueId val="{00000005-9190-4958-B1FF-8494FACA5513}"/>
               </c:ext>
@@ -1311,7 +1328,7 @@
               </a:ln>
               <a:effectLst/>
             </c:spPr>
-            <c:extLst xmlns:c16r2="http://schemas.microsoft.com/office/drawing/2015/06/chart">
+            <c:extLst>
               <c:ext xmlns:c16="http://schemas.microsoft.com/office/drawing/2014/chart" uri="{C3380CC4-5D6E-409C-BE32-E72D297353CC}">
                 <c16:uniqueId val="{00000007-9190-4958-B1FF-8494FACA5513}"/>
               </c:ext>
@@ -1362,7 +1379,7 @@
             <c:showPercent val="1"/>
             <c:showBubbleSize val="0"/>
             <c:showLeaderLines val="0"/>
-            <c:extLst xmlns:c16r2="http://schemas.microsoft.com/office/drawing/2015/06/chart">
+            <c:extLst>
               <c:ext xmlns:c15="http://schemas.microsoft.com/office/drawing/2012/chart" uri="{CE6537A1-D6FC-4f65-9D91-7224C49458BB}">
                 <c15:spPr xmlns:c15="http://schemas.microsoft.com/office/drawing/2012/chart">
                   <a:prstGeom prst="wedgeRectCallout">
@@ -1418,7 +1435,7 @@
               </c:numCache>
             </c:numRef>
           </c:val>
-          <c:extLst xmlns:c16r2="http://schemas.microsoft.com/office/drawing/2015/06/chart">
+          <c:extLst>
             <c:ext xmlns:c16="http://schemas.microsoft.com/office/drawing/2014/chart" uri="{C3380CC4-5D6E-409C-BE32-E72D297353CC}">
               <c16:uniqueId val="{00000008-9190-4958-B1FF-8494FACA5513}"/>
             </c:ext>
@@ -1464,14 +1481,14 @@
       <a:endParaRPr lang="ko-KR"/>
     </a:p>
   </c:txPr>
-  <c:externalData r:id="rId1">
+  <c:externalData r:id="rId3">
     <c:autoUpdate val="0"/>
   </c:externalData>
 </c:chartSpace>
 </file>
 
 <file path=ppt/charts/chart3.xml><?xml version="1.0" encoding="utf-8"?>
-<c:chartSpace xmlns:c="http://schemas.openxmlformats.org/drawingml/2006/chart" xmlns:a="http://schemas.openxmlformats.org/drawingml/2006/main" xmlns:r="http://schemas.openxmlformats.org/officeDocument/2006/relationships">
+<c:chartSpace xmlns:c="http://schemas.openxmlformats.org/drawingml/2006/chart" xmlns:a="http://schemas.openxmlformats.org/drawingml/2006/main" xmlns:r="http://schemas.openxmlformats.org/officeDocument/2006/relationships" xmlns:c16r2="http://schemas.microsoft.com/office/drawing/2015/06/chart">
   <c:date1904 val="0"/>
   <c:lang val="ko-KR"/>
   <c:roundedCorners val="0"/>
@@ -1517,6 +1534,11 @@
               </a:ln>
               <a:effectLst/>
             </c:spPr>
+            <c:extLst>
+              <c:ext xmlns:c16="http://schemas.microsoft.com/office/drawing/2014/chart" uri="{C3380CC4-5D6E-409C-BE32-E72D297353CC}">
+                <c16:uniqueId val="{00000001-8166-40B9-8346-465C8B48CE38}"/>
+              </c:ext>
+            </c:extLst>
           </c:dPt>
           <c:dPt>
             <c:idx val="1"/>
@@ -1532,7 +1554,7 @@
               </a:ln>
               <a:effectLst/>
             </c:spPr>
-            <c:extLst xmlns:c16r2="http://schemas.microsoft.com/office/drawing/2015/06/chart">
+            <c:extLst>
               <c:ext xmlns:c16="http://schemas.microsoft.com/office/drawing/2014/chart" uri="{C3380CC4-5D6E-409C-BE32-E72D297353CC}">
                 <c16:uniqueId val="{00000000-8B2A-41A8-B9C3-41C5906FC940}"/>
               </c:ext>
@@ -1552,6 +1574,11 @@
               </a:ln>
               <a:effectLst/>
             </c:spPr>
+            <c:extLst>
+              <c:ext xmlns:c16="http://schemas.microsoft.com/office/drawing/2014/chart" uri="{C3380CC4-5D6E-409C-BE32-E72D297353CC}">
+                <c16:uniqueId val="{00000005-8166-40B9-8346-465C8B48CE38}"/>
+              </c:ext>
+            </c:extLst>
           </c:dPt>
           <c:dPt>
             <c:idx val="3"/>
@@ -1567,6 +1594,11 @@
               </a:ln>
               <a:effectLst/>
             </c:spPr>
+            <c:extLst>
+              <c:ext xmlns:c16="http://schemas.microsoft.com/office/drawing/2014/chart" uri="{C3380CC4-5D6E-409C-BE32-E72D297353CC}">
+                <c16:uniqueId val="{00000007-8166-40B9-8346-465C8B48CE38}"/>
+              </c:ext>
+            </c:extLst>
           </c:dPt>
           <c:dLbls>
             <c:spPr>
@@ -1613,7 +1645,7 @@
             <c:showPercent val="1"/>
             <c:showBubbleSize val="0"/>
             <c:showLeaderLines val="0"/>
-            <c:extLst xmlns:c16r2="http://schemas.microsoft.com/office/drawing/2015/06/chart">
+            <c:extLst>
               <c:ext xmlns:c15="http://schemas.microsoft.com/office/drawing/2012/chart" uri="{CE6537A1-D6FC-4f65-9D91-7224C49458BB}">
                 <c15:spPr xmlns:c15="http://schemas.microsoft.com/office/drawing/2012/chart">
                   <a:prstGeom prst="wedgeRectCallout">
@@ -1624,7 +1656,6 @@
                     <a:noFill/>
                   </a:ln>
                 </c15:spPr>
-                <c15:layout/>
               </c:ext>
             </c:extLst>
           </c:dLbls>
@@ -1669,7 +1700,7 @@
               </c:numCache>
             </c:numRef>
           </c:val>
-          <c:extLst xmlns:c16r2="http://schemas.microsoft.com/office/drawing/2015/06/chart">
+          <c:extLst>
             <c:ext xmlns:c16="http://schemas.microsoft.com/office/drawing/2014/chart" uri="{C3380CC4-5D6E-409C-BE32-E72D297353CC}">
               <c16:uniqueId val="{00000000-3A15-4291-A251-CD3857ACFEB1}"/>
             </c:ext>
@@ -1715,14 +1746,14 @@
       <a:endParaRPr lang="ko-KR"/>
     </a:p>
   </c:txPr>
-  <c:externalData r:id="rId1">
+  <c:externalData r:id="rId3">
     <c:autoUpdate val="0"/>
   </c:externalData>
 </c:chartSpace>
 </file>
 
 <file path=ppt/charts/chart4.xml><?xml version="1.0" encoding="utf-8"?>
-<c:chartSpace xmlns:c="http://schemas.openxmlformats.org/drawingml/2006/chart" xmlns:a="http://schemas.openxmlformats.org/drawingml/2006/main" xmlns:r="http://schemas.openxmlformats.org/officeDocument/2006/relationships">
+<c:chartSpace xmlns:c="http://schemas.openxmlformats.org/drawingml/2006/chart" xmlns:a="http://schemas.openxmlformats.org/drawingml/2006/main" xmlns:r="http://schemas.openxmlformats.org/officeDocument/2006/relationships" xmlns:c16r2="http://schemas.microsoft.com/office/drawing/2015/06/chart">
   <c:date1904 val="0"/>
   <c:lang val="ko-KR"/>
   <c:roundedCorners val="0"/>
@@ -1768,7 +1799,7 @@
               </a:ln>
               <a:effectLst/>
             </c:spPr>
-            <c:extLst xmlns:c16r2="http://schemas.microsoft.com/office/drawing/2015/06/chart">
+            <c:extLst>
               <c:ext xmlns:c16="http://schemas.microsoft.com/office/drawing/2014/chart" uri="{C3380CC4-5D6E-409C-BE32-E72D297353CC}">
                 <c16:uniqueId val="{00000001-B222-42C2-B93A-5568C2A18E4D}"/>
               </c:ext>
@@ -1788,7 +1819,7 @@
               </a:ln>
               <a:effectLst/>
             </c:spPr>
-            <c:extLst xmlns:c16r2="http://schemas.microsoft.com/office/drawing/2015/06/chart">
+            <c:extLst>
               <c:ext xmlns:c16="http://schemas.microsoft.com/office/drawing/2014/chart" uri="{C3380CC4-5D6E-409C-BE32-E72D297353CC}">
                 <c16:uniqueId val="{00000003-B222-42C2-B93A-5568C2A18E4D}"/>
               </c:ext>
@@ -1808,7 +1839,7 @@
               </a:ln>
               <a:effectLst/>
             </c:spPr>
-            <c:extLst xmlns:c16r2="http://schemas.microsoft.com/office/drawing/2015/06/chart">
+            <c:extLst>
               <c:ext xmlns:c16="http://schemas.microsoft.com/office/drawing/2014/chart" uri="{C3380CC4-5D6E-409C-BE32-E72D297353CC}">
                 <c16:uniqueId val="{00000005-B222-42C2-B93A-5568C2A18E4D}"/>
               </c:ext>
@@ -1828,7 +1859,7 @@
               </a:ln>
               <a:effectLst/>
             </c:spPr>
-            <c:extLst xmlns:c16r2="http://schemas.microsoft.com/office/drawing/2015/06/chart">
+            <c:extLst>
               <c:ext xmlns:c16="http://schemas.microsoft.com/office/drawing/2014/chart" uri="{C3380CC4-5D6E-409C-BE32-E72D297353CC}">
                 <c16:uniqueId val="{00000007-B222-42C2-B93A-5568C2A18E4D}"/>
               </c:ext>
@@ -1879,7 +1910,7 @@
             <c:showPercent val="1"/>
             <c:showBubbleSize val="0"/>
             <c:showLeaderLines val="0"/>
-            <c:extLst xmlns:c16r2="http://schemas.microsoft.com/office/drawing/2015/06/chart">
+            <c:extLst>
               <c:ext xmlns:c15="http://schemas.microsoft.com/office/drawing/2012/chart" uri="{CE6537A1-D6FC-4f65-9D91-7224C49458BB}">
                 <c15:spPr xmlns:c15="http://schemas.microsoft.com/office/drawing/2012/chart">
                   <a:prstGeom prst="wedgeRectCallout">
@@ -1890,7 +1921,6 @@
                     <a:noFill/>
                   </a:ln>
                 </c15:spPr>
-                <c15:layout/>
               </c:ext>
             </c:extLst>
           </c:dLbls>
@@ -1935,7 +1965,7 @@
               </c:numCache>
             </c:numRef>
           </c:val>
-          <c:extLst xmlns:c16r2="http://schemas.microsoft.com/office/drawing/2015/06/chart">
+          <c:extLst>
             <c:ext xmlns:c16="http://schemas.microsoft.com/office/drawing/2014/chart" uri="{C3380CC4-5D6E-409C-BE32-E72D297353CC}">
               <c16:uniqueId val="{00000008-B222-42C2-B93A-5568C2A18E4D}"/>
             </c:ext>
@@ -1981,14 +2011,14 @@
       <a:endParaRPr lang="ko-KR"/>
     </a:p>
   </c:txPr>
-  <c:externalData r:id="rId1">
+  <c:externalData r:id="rId3">
     <c:autoUpdate val="0"/>
   </c:externalData>
 </c:chartSpace>
 </file>
 
 <file path=ppt/charts/chart5.xml><?xml version="1.0" encoding="utf-8"?>
-<c:chartSpace xmlns:c="http://schemas.openxmlformats.org/drawingml/2006/chart" xmlns:a="http://schemas.openxmlformats.org/drawingml/2006/main" xmlns:r="http://schemas.openxmlformats.org/officeDocument/2006/relationships">
+<c:chartSpace xmlns:c="http://schemas.openxmlformats.org/drawingml/2006/chart" xmlns:a="http://schemas.openxmlformats.org/drawingml/2006/main" xmlns:r="http://schemas.openxmlformats.org/officeDocument/2006/relationships" xmlns:c16r2="http://schemas.microsoft.com/office/drawing/2015/06/chart">
   <c:date1904 val="0"/>
   <c:lang val="ko-KR"/>
   <c:roundedCorners val="0"/>
@@ -2034,6 +2064,11 @@
               </a:ln>
               <a:effectLst/>
             </c:spPr>
+            <c:extLst>
+              <c:ext xmlns:c16="http://schemas.microsoft.com/office/drawing/2014/chart" uri="{C3380CC4-5D6E-409C-BE32-E72D297353CC}">
+                <c16:uniqueId val="{00000001-3144-464A-B826-5262E326B233}"/>
+              </c:ext>
+            </c:extLst>
           </c:dPt>
           <c:dPt>
             <c:idx val="1"/>
@@ -2049,7 +2084,7 @@
               </a:ln>
               <a:effectLst/>
             </c:spPr>
-            <c:extLst xmlns:c16r2="http://schemas.microsoft.com/office/drawing/2015/06/chart">
+            <c:extLst>
               <c:ext xmlns:c16="http://schemas.microsoft.com/office/drawing/2014/chart" uri="{C3380CC4-5D6E-409C-BE32-E72D297353CC}">
                 <c16:uniqueId val="{00000000-8B2A-41A8-B9C3-41C5906FC940}"/>
               </c:ext>
@@ -2069,7 +2104,7 @@
               </a:ln>
               <a:effectLst/>
             </c:spPr>
-            <c:extLst xmlns:c16r2="http://schemas.microsoft.com/office/drawing/2015/06/chart">
+            <c:extLst>
               <c:ext xmlns:c16="http://schemas.microsoft.com/office/drawing/2014/chart" uri="{C3380CC4-5D6E-409C-BE32-E72D297353CC}">
                 <c16:uniqueId val="{00000000-3E92-4B80-8669-4477F4AC9CF7}"/>
               </c:ext>
@@ -2089,6 +2124,11 @@
               </a:ln>
               <a:effectLst/>
             </c:spPr>
+            <c:extLst>
+              <c:ext xmlns:c16="http://schemas.microsoft.com/office/drawing/2014/chart" uri="{C3380CC4-5D6E-409C-BE32-E72D297353CC}">
+                <c16:uniqueId val="{00000007-3144-464A-B826-5262E326B233}"/>
+              </c:ext>
+            </c:extLst>
           </c:dPt>
           <c:dLbls>
             <c:spPr>
@@ -2135,7 +2175,7 @@
             <c:showPercent val="1"/>
             <c:showBubbleSize val="0"/>
             <c:showLeaderLines val="0"/>
-            <c:extLst xmlns:c16r2="http://schemas.microsoft.com/office/drawing/2015/06/chart">
+            <c:extLst>
               <c:ext xmlns:c15="http://schemas.microsoft.com/office/drawing/2012/chart" uri="{CE6537A1-D6FC-4f65-9D91-7224C49458BB}">
                 <c15:spPr xmlns:c15="http://schemas.microsoft.com/office/drawing/2012/chart">
                   <a:prstGeom prst="wedgeRectCallout">
@@ -2146,7 +2186,6 @@
                     <a:noFill/>
                   </a:ln>
                 </c15:spPr>
-                <c15:layout/>
               </c:ext>
             </c:extLst>
           </c:dLbls>
@@ -2191,7 +2230,7 @@
               </c:numCache>
             </c:numRef>
           </c:val>
-          <c:extLst xmlns:c16r2="http://schemas.microsoft.com/office/drawing/2015/06/chart">
+          <c:extLst>
             <c:ext xmlns:c16="http://schemas.microsoft.com/office/drawing/2014/chart" uri="{C3380CC4-5D6E-409C-BE32-E72D297353CC}">
               <c16:uniqueId val="{00000000-3A15-4291-A251-CD3857ACFEB1}"/>
             </c:ext>
@@ -2237,14 +2276,14 @@
       <a:endParaRPr lang="ko-KR"/>
     </a:p>
   </c:txPr>
-  <c:externalData r:id="rId1">
+  <c:externalData r:id="rId3">
     <c:autoUpdate val="0"/>
   </c:externalData>
 </c:chartSpace>
 </file>
 
 <file path=ppt/charts/chart6.xml><?xml version="1.0" encoding="utf-8"?>
-<c:chartSpace xmlns:c="http://schemas.openxmlformats.org/drawingml/2006/chart" xmlns:a="http://schemas.openxmlformats.org/drawingml/2006/main" xmlns:r="http://schemas.openxmlformats.org/officeDocument/2006/relationships">
+<c:chartSpace xmlns:c="http://schemas.openxmlformats.org/drawingml/2006/chart" xmlns:a="http://schemas.openxmlformats.org/drawingml/2006/main" xmlns:r="http://schemas.openxmlformats.org/officeDocument/2006/relationships" xmlns:c16r2="http://schemas.microsoft.com/office/drawing/2015/06/chart">
   <c:date1904 val="0"/>
   <c:lang val="ko-KR"/>
   <c:roundedCorners val="0"/>
@@ -2290,7 +2329,7 @@
               </a:ln>
               <a:effectLst/>
             </c:spPr>
-            <c:extLst xmlns:c16r2="http://schemas.microsoft.com/office/drawing/2015/06/chart">
+            <c:extLst>
               <c:ext xmlns:c16="http://schemas.microsoft.com/office/drawing/2014/chart" uri="{C3380CC4-5D6E-409C-BE32-E72D297353CC}">
                 <c16:uniqueId val="{00000001-6B1F-44B1-A765-9B881837AE05}"/>
               </c:ext>
@@ -2310,7 +2349,7 @@
               </a:ln>
               <a:effectLst/>
             </c:spPr>
-            <c:extLst xmlns:c16r2="http://schemas.microsoft.com/office/drawing/2015/06/chart">
+            <c:extLst>
               <c:ext xmlns:c16="http://schemas.microsoft.com/office/drawing/2014/chart" uri="{C3380CC4-5D6E-409C-BE32-E72D297353CC}">
                 <c16:uniqueId val="{00000003-6B1F-44B1-A765-9B881837AE05}"/>
               </c:ext>
@@ -2330,7 +2369,7 @@
               </a:ln>
               <a:effectLst/>
             </c:spPr>
-            <c:extLst xmlns:c16r2="http://schemas.microsoft.com/office/drawing/2015/06/chart">
+            <c:extLst>
               <c:ext xmlns:c16="http://schemas.microsoft.com/office/drawing/2014/chart" uri="{C3380CC4-5D6E-409C-BE32-E72D297353CC}">
                 <c16:uniqueId val="{00000005-6B1F-44B1-A765-9B881837AE05}"/>
               </c:ext>
@@ -2350,7 +2389,7 @@
               </a:ln>
               <a:effectLst/>
             </c:spPr>
-            <c:extLst xmlns:c16r2="http://schemas.microsoft.com/office/drawing/2015/06/chart">
+            <c:extLst>
               <c:ext xmlns:c16="http://schemas.microsoft.com/office/drawing/2014/chart" uri="{C3380CC4-5D6E-409C-BE32-E72D297353CC}">
                 <c16:uniqueId val="{00000007-6B1F-44B1-A765-9B881837AE05}"/>
               </c:ext>
@@ -2401,7 +2440,7 @@
             <c:showPercent val="1"/>
             <c:showBubbleSize val="0"/>
             <c:showLeaderLines val="0"/>
-            <c:extLst xmlns:c16r2="http://schemas.microsoft.com/office/drawing/2015/06/chart">
+            <c:extLst>
               <c:ext xmlns:c15="http://schemas.microsoft.com/office/drawing/2012/chart" uri="{CE6537A1-D6FC-4f65-9D91-7224C49458BB}">
                 <c15:spPr xmlns:c15="http://schemas.microsoft.com/office/drawing/2012/chart">
                   <a:prstGeom prst="wedgeRectCallout">
@@ -2412,7 +2451,6 @@
                     <a:noFill/>
                   </a:ln>
                 </c15:spPr>
-                <c15:layout/>
               </c:ext>
             </c:extLst>
           </c:dLbls>
@@ -2457,7 +2495,7 @@
               </c:numCache>
             </c:numRef>
           </c:val>
-          <c:extLst xmlns:c16r2="http://schemas.microsoft.com/office/drawing/2015/06/chart">
+          <c:extLst>
             <c:ext xmlns:c16="http://schemas.microsoft.com/office/drawing/2014/chart" uri="{C3380CC4-5D6E-409C-BE32-E72D297353CC}">
               <c16:uniqueId val="{00000008-6B1F-44B1-A765-9B881837AE05}"/>
             </c:ext>
@@ -2503,14 +2541,14 @@
       <a:endParaRPr lang="ko-KR"/>
     </a:p>
   </c:txPr>
-  <c:externalData r:id="rId1">
+  <c:externalData r:id="rId3">
     <c:autoUpdate val="0"/>
   </c:externalData>
 </c:chartSpace>
 </file>
 
 <file path=ppt/charts/chart7.xml><?xml version="1.0" encoding="utf-8"?>
-<c:chartSpace xmlns:c="http://schemas.openxmlformats.org/drawingml/2006/chart" xmlns:a="http://schemas.openxmlformats.org/drawingml/2006/main" xmlns:r="http://schemas.openxmlformats.org/officeDocument/2006/relationships">
+<c:chartSpace xmlns:c="http://schemas.openxmlformats.org/drawingml/2006/chart" xmlns:a="http://schemas.openxmlformats.org/drawingml/2006/main" xmlns:r="http://schemas.openxmlformats.org/officeDocument/2006/relationships" xmlns:c16r2="http://schemas.microsoft.com/office/drawing/2015/06/chart">
   <c:date1904 val="0"/>
   <c:lang val="ko-KR"/>
   <c:roundedCorners val="0"/>
@@ -2556,6 +2594,11 @@
               </a:ln>
               <a:effectLst/>
             </c:spPr>
+            <c:extLst>
+              <c:ext xmlns:c16="http://schemas.microsoft.com/office/drawing/2014/chart" uri="{C3380CC4-5D6E-409C-BE32-E72D297353CC}">
+                <c16:uniqueId val="{00000001-B6F0-4B12-B44E-68D74CF8FBB2}"/>
+              </c:ext>
+            </c:extLst>
           </c:dPt>
           <c:dPt>
             <c:idx val="1"/>
@@ -2571,7 +2614,7 @@
               </a:ln>
               <a:effectLst/>
             </c:spPr>
-            <c:extLst xmlns:c16r2="http://schemas.microsoft.com/office/drawing/2015/06/chart">
+            <c:extLst>
               <c:ext xmlns:c16="http://schemas.microsoft.com/office/drawing/2014/chart" uri="{C3380CC4-5D6E-409C-BE32-E72D297353CC}">
                 <c16:uniqueId val="{00000000-8B2A-41A8-B9C3-41C5906FC940}"/>
               </c:ext>
@@ -2591,7 +2634,7 @@
               </a:ln>
               <a:effectLst/>
             </c:spPr>
-            <c:extLst xmlns:c16r2="http://schemas.microsoft.com/office/drawing/2015/06/chart">
+            <c:extLst>
               <c:ext xmlns:c16="http://schemas.microsoft.com/office/drawing/2014/chart" uri="{C3380CC4-5D6E-409C-BE32-E72D297353CC}">
                 <c16:uniqueId val="{00000000-3E92-4B80-8669-4477F4AC9CF7}"/>
               </c:ext>
@@ -2611,6 +2654,11 @@
               </a:ln>
               <a:effectLst/>
             </c:spPr>
+            <c:extLst>
+              <c:ext xmlns:c16="http://schemas.microsoft.com/office/drawing/2014/chart" uri="{C3380CC4-5D6E-409C-BE32-E72D297353CC}">
+                <c16:uniqueId val="{00000007-B6F0-4B12-B44E-68D74CF8FBB2}"/>
+              </c:ext>
+            </c:extLst>
           </c:dPt>
           <c:dLbls>
             <c:spPr>
@@ -2657,7 +2705,7 @@
             <c:showPercent val="1"/>
             <c:showBubbleSize val="0"/>
             <c:showLeaderLines val="0"/>
-            <c:extLst xmlns:c16r2="http://schemas.microsoft.com/office/drawing/2015/06/chart">
+            <c:extLst>
               <c:ext xmlns:c15="http://schemas.microsoft.com/office/drawing/2012/chart" uri="{CE6537A1-D6FC-4f65-9D91-7224C49458BB}">
                 <c15:spPr xmlns:c15="http://schemas.microsoft.com/office/drawing/2012/chart">
                   <a:prstGeom prst="wedgeRectCallout">
@@ -2668,7 +2716,6 @@
                     <a:noFill/>
                   </a:ln>
                 </c15:spPr>
-                <c15:layout/>
               </c:ext>
             </c:extLst>
           </c:dLbls>
@@ -2713,7 +2760,7 @@
               </c:numCache>
             </c:numRef>
           </c:val>
-          <c:extLst xmlns:c16r2="http://schemas.microsoft.com/office/drawing/2015/06/chart">
+          <c:extLst>
             <c:ext xmlns:c16="http://schemas.microsoft.com/office/drawing/2014/chart" uri="{C3380CC4-5D6E-409C-BE32-E72D297353CC}">
               <c16:uniqueId val="{00000000-3A15-4291-A251-CD3857ACFEB1}"/>
             </c:ext>
@@ -2759,14 +2806,14 @@
       <a:endParaRPr lang="ko-KR"/>
     </a:p>
   </c:txPr>
-  <c:externalData r:id="rId1">
+  <c:externalData r:id="rId3">
     <c:autoUpdate val="0"/>
   </c:externalData>
 </c:chartSpace>
 </file>
 
 <file path=ppt/charts/chart8.xml><?xml version="1.0" encoding="utf-8"?>
-<c:chartSpace xmlns:c="http://schemas.openxmlformats.org/drawingml/2006/chart" xmlns:a="http://schemas.openxmlformats.org/drawingml/2006/main" xmlns:r="http://schemas.openxmlformats.org/officeDocument/2006/relationships">
+<c:chartSpace xmlns:c="http://schemas.openxmlformats.org/drawingml/2006/chart" xmlns:a="http://schemas.openxmlformats.org/drawingml/2006/main" xmlns:r="http://schemas.openxmlformats.org/officeDocument/2006/relationships" xmlns:c16r2="http://schemas.microsoft.com/office/drawing/2015/06/chart">
   <c:date1904 val="0"/>
   <c:lang val="ko-KR"/>
   <c:roundedCorners val="0"/>
@@ -2812,7 +2859,7 @@
               </a:ln>
               <a:effectLst/>
             </c:spPr>
-            <c:extLst xmlns:c16r2="http://schemas.microsoft.com/office/drawing/2015/06/chart">
+            <c:extLst>
               <c:ext xmlns:c16="http://schemas.microsoft.com/office/drawing/2014/chart" uri="{C3380CC4-5D6E-409C-BE32-E72D297353CC}">
                 <c16:uniqueId val="{00000001-6B1F-44B1-A765-9B881837AE05}"/>
               </c:ext>
@@ -2832,7 +2879,7 @@
               </a:ln>
               <a:effectLst/>
             </c:spPr>
-            <c:extLst xmlns:c16r2="http://schemas.microsoft.com/office/drawing/2015/06/chart">
+            <c:extLst>
               <c:ext xmlns:c16="http://schemas.microsoft.com/office/drawing/2014/chart" uri="{C3380CC4-5D6E-409C-BE32-E72D297353CC}">
                 <c16:uniqueId val="{00000003-6B1F-44B1-A765-9B881837AE05}"/>
               </c:ext>
@@ -2852,7 +2899,7 @@
               </a:ln>
               <a:effectLst/>
             </c:spPr>
-            <c:extLst xmlns:c16r2="http://schemas.microsoft.com/office/drawing/2015/06/chart">
+            <c:extLst>
               <c:ext xmlns:c16="http://schemas.microsoft.com/office/drawing/2014/chart" uri="{C3380CC4-5D6E-409C-BE32-E72D297353CC}">
                 <c16:uniqueId val="{00000005-6B1F-44B1-A765-9B881837AE05}"/>
               </c:ext>
@@ -2872,7 +2919,7 @@
               </a:ln>
               <a:effectLst/>
             </c:spPr>
-            <c:extLst xmlns:c16r2="http://schemas.microsoft.com/office/drawing/2015/06/chart">
+            <c:extLst>
               <c:ext xmlns:c16="http://schemas.microsoft.com/office/drawing/2014/chart" uri="{C3380CC4-5D6E-409C-BE32-E72D297353CC}">
                 <c16:uniqueId val="{00000007-6B1F-44B1-A765-9B881837AE05}"/>
               </c:ext>
@@ -2923,7 +2970,7 @@
             <c:showPercent val="1"/>
             <c:showBubbleSize val="0"/>
             <c:showLeaderLines val="0"/>
-            <c:extLst xmlns:c16r2="http://schemas.microsoft.com/office/drawing/2015/06/chart">
+            <c:extLst>
               <c:ext xmlns:c15="http://schemas.microsoft.com/office/drawing/2012/chart" uri="{CE6537A1-D6FC-4f65-9D91-7224C49458BB}">
                 <c15:spPr xmlns:c15="http://schemas.microsoft.com/office/drawing/2012/chart">
                   <a:prstGeom prst="wedgeRectCallout">
@@ -2934,7 +2981,6 @@
                     <a:noFill/>
                   </a:ln>
                 </c15:spPr>
-                <c15:layout/>
               </c:ext>
             </c:extLst>
           </c:dLbls>
@@ -2979,7 +3025,7 @@
               </c:numCache>
             </c:numRef>
           </c:val>
-          <c:extLst xmlns:c16r2="http://schemas.microsoft.com/office/drawing/2015/06/chart">
+          <c:extLst>
             <c:ext xmlns:c16="http://schemas.microsoft.com/office/drawing/2014/chart" uri="{C3380CC4-5D6E-409C-BE32-E72D297353CC}">
               <c16:uniqueId val="{00000008-6B1F-44B1-A765-9B881837AE05}"/>
             </c:ext>
@@ -3025,14 +3071,14 @@
       <a:endParaRPr lang="ko-KR"/>
     </a:p>
   </c:txPr>
-  <c:externalData r:id="rId1">
+  <c:externalData r:id="rId3">
     <c:autoUpdate val="0"/>
   </c:externalData>
 </c:chartSpace>
 </file>
 
 <file path=ppt/charts/chart9.xml><?xml version="1.0" encoding="utf-8"?>
-<c:chartSpace xmlns:c="http://schemas.openxmlformats.org/drawingml/2006/chart" xmlns:a="http://schemas.openxmlformats.org/drawingml/2006/main" xmlns:r="http://schemas.openxmlformats.org/officeDocument/2006/relationships">
+<c:chartSpace xmlns:c="http://schemas.openxmlformats.org/drawingml/2006/chart" xmlns:a="http://schemas.openxmlformats.org/drawingml/2006/main" xmlns:r="http://schemas.openxmlformats.org/officeDocument/2006/relationships" xmlns:c16r2="http://schemas.microsoft.com/office/drawing/2015/06/chart">
   <c:date1904 val="0"/>
   <c:lang val="ko-KR"/>
   <c:roundedCorners val="0"/>
@@ -3078,6 +3124,11 @@
               </a:ln>
               <a:effectLst/>
             </c:spPr>
+            <c:extLst>
+              <c:ext xmlns:c16="http://schemas.microsoft.com/office/drawing/2014/chart" uri="{C3380CC4-5D6E-409C-BE32-E72D297353CC}">
+                <c16:uniqueId val="{00000001-3DCC-4FF1-9D8E-CD115F799CEA}"/>
+              </c:ext>
+            </c:extLst>
           </c:dPt>
           <c:dPt>
             <c:idx val="1"/>
@@ -3093,7 +3144,7 @@
               </a:ln>
               <a:effectLst/>
             </c:spPr>
-            <c:extLst xmlns:c16r2="http://schemas.microsoft.com/office/drawing/2015/06/chart">
+            <c:extLst>
               <c:ext xmlns:c16="http://schemas.microsoft.com/office/drawing/2014/chart" uri="{C3380CC4-5D6E-409C-BE32-E72D297353CC}">
                 <c16:uniqueId val="{00000000-8B2A-41A8-B9C3-41C5906FC940}"/>
               </c:ext>
@@ -3113,7 +3164,7 @@
               </a:ln>
               <a:effectLst/>
             </c:spPr>
-            <c:extLst xmlns:c16r2="http://schemas.microsoft.com/office/drawing/2015/06/chart">
+            <c:extLst>
               <c:ext xmlns:c16="http://schemas.microsoft.com/office/drawing/2014/chart" uri="{C3380CC4-5D6E-409C-BE32-E72D297353CC}">
                 <c16:uniqueId val="{00000000-3E92-4B80-8669-4477F4AC9CF7}"/>
               </c:ext>
@@ -3133,6 +3184,11 @@
               </a:ln>
               <a:effectLst/>
             </c:spPr>
+            <c:extLst>
+              <c:ext xmlns:c16="http://schemas.microsoft.com/office/drawing/2014/chart" uri="{C3380CC4-5D6E-409C-BE32-E72D297353CC}">
+                <c16:uniqueId val="{00000007-3DCC-4FF1-9D8E-CD115F799CEA}"/>
+              </c:ext>
+            </c:extLst>
           </c:dPt>
           <c:dLbls>
             <c:spPr>
@@ -3179,7 +3235,7 @@
             <c:showPercent val="1"/>
             <c:showBubbleSize val="0"/>
             <c:showLeaderLines val="0"/>
-            <c:extLst xmlns:c16r2="http://schemas.microsoft.com/office/drawing/2015/06/chart">
+            <c:extLst>
               <c:ext xmlns:c15="http://schemas.microsoft.com/office/drawing/2012/chart" uri="{CE6537A1-D6FC-4f65-9D91-7224C49458BB}">
                 <c15:spPr xmlns:c15="http://schemas.microsoft.com/office/drawing/2012/chart">
                   <a:prstGeom prst="wedgeRectCallout">
@@ -3190,7 +3246,6 @@
                     <a:noFill/>
                   </a:ln>
                 </c15:spPr>
-                <c15:layout/>
               </c:ext>
             </c:extLst>
           </c:dLbls>
@@ -3235,7 +3290,7 @@
               </c:numCache>
             </c:numRef>
           </c:val>
-          <c:extLst xmlns:c16r2="http://schemas.microsoft.com/office/drawing/2015/06/chart">
+          <c:extLst>
             <c:ext xmlns:c16="http://schemas.microsoft.com/office/drawing/2014/chart" uri="{C3380CC4-5D6E-409C-BE32-E72D297353CC}">
               <c16:uniqueId val="{00000000-3A15-4291-A251-CD3857ACFEB1}"/>
             </c:ext>
@@ -3281,7 +3336,7 @@
       <a:endParaRPr lang="ko-KR"/>
     </a:p>
   </c:txPr>
-  <c:externalData r:id="rId1">
+  <c:externalData r:id="rId3">
     <c:autoUpdate val="0"/>
   </c:externalData>
 </c:chartSpace>
@@ -10077,7 +10132,7 @@
           <a:p>
             <a:fld id="{413548A9-17B7-486F-BAE8-5C551821AB5E}" type="datetimeFigureOut">
               <a:rPr lang="ko-KR" altLang="en-US" smtClean="0"/>
-              <a:t>2020-07-20</a:t>
+              <a:t>2020-07-21</a:t>
             </a:fld>
             <a:endParaRPr lang="ko-KR" altLang="en-US"/>
           </a:p>
@@ -10482,7 +10537,7 @@
                   </a:prstClr>
                 </a:solidFill>
               </a:rPr>
-              <a:t>2020-07-20</a:t>
+              <a:t>2020-07-21</a:t>
             </a:fld>
             <a:endParaRPr lang="ko-KR" altLang="en-US">
               <a:solidFill>
@@ -10647,7 +10702,7 @@
                   </a:prstClr>
                 </a:solidFill>
               </a:rPr>
-              <a:t>2020-07-20</a:t>
+              <a:t>2020-07-21</a:t>
             </a:fld>
             <a:endParaRPr lang="ko-KR" altLang="en-US">
               <a:solidFill>
@@ -10822,7 +10877,7 @@
                   </a:prstClr>
                 </a:solidFill>
               </a:rPr>
-              <a:t>2020-07-20</a:t>
+              <a:t>2020-07-21</a:t>
             </a:fld>
             <a:endParaRPr lang="ko-KR" altLang="en-US">
               <a:solidFill>
@@ -10987,7 +11042,7 @@
                   </a:prstClr>
                 </a:solidFill>
               </a:rPr>
-              <a:t>2020-07-20</a:t>
+              <a:t>2020-07-21</a:t>
             </a:fld>
             <a:endParaRPr lang="ko-KR" altLang="en-US">
               <a:solidFill>
@@ -11228,7 +11283,7 @@
                   </a:prstClr>
                 </a:solidFill>
               </a:rPr>
-              <a:t>2020-07-20</a:t>
+              <a:t>2020-07-21</a:t>
             </a:fld>
             <a:endParaRPr lang="ko-KR" altLang="en-US">
               <a:solidFill>
@@ -11455,7 +11510,7 @@
                   </a:prstClr>
                 </a:solidFill>
               </a:rPr>
-              <a:t>2020-07-20</a:t>
+              <a:t>2020-07-21</a:t>
             </a:fld>
             <a:endParaRPr lang="ko-KR" altLang="en-US">
               <a:solidFill>
@@ -11817,7 +11872,7 @@
                   </a:prstClr>
                 </a:solidFill>
               </a:rPr>
-              <a:t>2020-07-20</a:t>
+              <a:t>2020-07-21</a:t>
             </a:fld>
             <a:endParaRPr lang="ko-KR" altLang="en-US">
               <a:solidFill>
@@ -11930,7 +11985,7 @@
                   </a:prstClr>
                 </a:solidFill>
               </a:rPr>
-              <a:t>2020-07-20</a:t>
+              <a:t>2020-07-21</a:t>
             </a:fld>
             <a:endParaRPr lang="ko-KR" altLang="en-US">
               <a:solidFill>
@@ -12020,7 +12075,7 @@
                   </a:prstClr>
                 </a:solidFill>
               </a:rPr>
-              <a:t>2020-07-20</a:t>
+              <a:t>2020-07-21</a:t>
             </a:fld>
             <a:endParaRPr lang="ko-KR" altLang="en-US">
               <a:solidFill>
@@ -12292,7 +12347,7 @@
                   </a:prstClr>
                 </a:solidFill>
               </a:rPr>
-              <a:t>2020-07-20</a:t>
+              <a:t>2020-07-21</a:t>
             </a:fld>
             <a:endParaRPr lang="ko-KR" altLang="en-US">
               <a:solidFill>
@@ -12540,7 +12595,7 @@
                   </a:prstClr>
                 </a:solidFill>
               </a:rPr>
-              <a:t>2020-07-20</a:t>
+              <a:t>2020-07-21</a:t>
             </a:fld>
             <a:endParaRPr lang="ko-KR" altLang="en-US">
               <a:solidFill>
@@ -12748,7 +12803,7 @@
                   </a:prstClr>
                 </a:solidFill>
               </a:rPr>
-              <a:t>2020-07-20</a:t>
+              <a:t>2020-07-21</a:t>
             </a:fld>
             <a:endParaRPr lang="ko-KR" altLang="en-US">
               <a:solidFill>
@@ -13534,7 +13589,7 @@
           <p:cNvPr id="6" name="직사각형 5">
             <a:extLst>
               <a:ext uri="{FF2B5EF4-FFF2-40B4-BE49-F238E27FC236}">
-                <a16:creationId xmlns:a16="http://schemas.microsoft.com/office/drawing/2014/main" xmlns="" id="{3FA00699-5178-465A-9F3F-130CF1431F70}"/>
+                <a16:creationId xmlns:a16="http://schemas.microsoft.com/office/drawing/2014/main" id="{3FA00699-5178-465A-9F3F-130CF1431F70}"/>
               </a:ext>
             </a:extLst>
           </p:cNvPr>
@@ -13650,7 +13705,7 @@
           <p:cNvPr id="7" name="직사각형 6">
             <a:extLst>
               <a:ext uri="{FF2B5EF4-FFF2-40B4-BE49-F238E27FC236}">
-                <a16:creationId xmlns:a16="http://schemas.microsoft.com/office/drawing/2014/main" xmlns="" id="{3FA00699-5178-465A-9F3F-130CF1431F70}"/>
+                <a16:creationId xmlns:a16="http://schemas.microsoft.com/office/drawing/2014/main" id="{3FA00699-5178-465A-9F3F-130CF1431F70}"/>
               </a:ext>
             </a:extLst>
           </p:cNvPr>
@@ -13707,7 +13762,7 @@
           <p:cNvPr id="8" name="직사각형 7">
             <a:extLst>
               <a:ext uri="{FF2B5EF4-FFF2-40B4-BE49-F238E27FC236}">
-                <a16:creationId xmlns:a16="http://schemas.microsoft.com/office/drawing/2014/main" xmlns="" id="{3FA00699-5178-465A-9F3F-130CF1431F70}"/>
+                <a16:creationId xmlns:a16="http://schemas.microsoft.com/office/drawing/2014/main" id="{3FA00699-5178-465A-9F3F-130CF1431F70}"/>
               </a:ext>
             </a:extLst>
           </p:cNvPr>
@@ -13952,7 +14007,7 @@
           <p:cNvPr id="15" name="직사각형 14">
             <a:extLst>
               <a:ext uri="{FF2B5EF4-FFF2-40B4-BE49-F238E27FC236}">
-                <a16:creationId xmlns="" xmlns:a16="http://schemas.microsoft.com/office/drawing/2014/main" id="{3FA00699-5178-465A-9F3F-130CF1431F70}"/>
+                <a16:creationId xmlns:a16="http://schemas.microsoft.com/office/drawing/2014/main" id="{3FA00699-5178-465A-9F3F-130CF1431F70}"/>
               </a:ext>
             </a:extLst>
           </p:cNvPr>
@@ -14004,7 +14059,7 @@
           <p:cNvPr id="20" name="직사각형 19">
             <a:extLst>
               <a:ext uri="{FF2B5EF4-FFF2-40B4-BE49-F238E27FC236}">
-                <a16:creationId xmlns="" xmlns:a16="http://schemas.microsoft.com/office/drawing/2014/main" id="{3FA00699-5178-465A-9F3F-130CF1431F70}"/>
+                <a16:creationId xmlns:a16="http://schemas.microsoft.com/office/drawing/2014/main" id="{3FA00699-5178-465A-9F3F-130CF1431F70}"/>
               </a:ext>
             </a:extLst>
           </p:cNvPr>
@@ -14559,7 +14614,7 @@
           <p:cNvPr id="15" name="직사각형 14">
             <a:extLst>
               <a:ext uri="{FF2B5EF4-FFF2-40B4-BE49-F238E27FC236}">
-                <a16:creationId xmlns="" xmlns:a16="http://schemas.microsoft.com/office/drawing/2014/main" id="{3FA00699-5178-465A-9F3F-130CF1431F70}"/>
+                <a16:creationId xmlns:a16="http://schemas.microsoft.com/office/drawing/2014/main" id="{3FA00699-5178-465A-9F3F-130CF1431F70}"/>
               </a:ext>
             </a:extLst>
           </p:cNvPr>
@@ -14611,7 +14666,7 @@
           <p:cNvPr id="20" name="직사각형 19">
             <a:extLst>
               <a:ext uri="{FF2B5EF4-FFF2-40B4-BE49-F238E27FC236}">
-                <a16:creationId xmlns="" xmlns:a16="http://schemas.microsoft.com/office/drawing/2014/main" id="{3FA00699-5178-465A-9F3F-130CF1431F70}"/>
+                <a16:creationId xmlns:a16="http://schemas.microsoft.com/office/drawing/2014/main" id="{3FA00699-5178-465A-9F3F-130CF1431F70}"/>
               </a:ext>
             </a:extLst>
           </p:cNvPr>
@@ -14703,9 +14758,27 @@
                 <a:tableStyleId>{5940675A-B579-460E-94D1-54222C63F5DA}</a:tableStyleId>
               </a:tblPr>
               <a:tblGrid>
-                <a:gridCol w="1617783"/>
-                <a:gridCol w="1617783"/>
-                <a:gridCol w="1617783"/>
+                <a:gridCol w="1617783">
+                  <a:extLst>
+                    <a:ext uri="{9D8B030D-6E8A-4147-A177-3AD203B41FA5}">
+                      <a16:colId xmlns:a16="http://schemas.microsoft.com/office/drawing/2014/main" val="20000"/>
+                    </a:ext>
+                  </a:extLst>
+                </a:gridCol>
+                <a:gridCol w="1617783">
+                  <a:extLst>
+                    <a:ext uri="{9D8B030D-6E8A-4147-A177-3AD203B41FA5}">
+                      <a16:colId xmlns:a16="http://schemas.microsoft.com/office/drawing/2014/main" val="20001"/>
+                    </a:ext>
+                  </a:extLst>
+                </a:gridCol>
+                <a:gridCol w="1617783">
+                  <a:extLst>
+                    <a:ext uri="{9D8B030D-6E8A-4147-A177-3AD203B41FA5}">
+                      <a16:colId xmlns:a16="http://schemas.microsoft.com/office/drawing/2014/main" val="20002"/>
+                    </a:ext>
+                  </a:extLst>
+                </a:gridCol>
               </a:tblGrid>
               <a:tr h="767002">
                 <a:tc>
@@ -14759,6 +14832,11 @@
                   </a:txBody>
                   <a:tcPr anchor="ctr"/>
                 </a:tc>
+                <a:extLst>
+                  <a:ext uri="{0D108BD9-81ED-4DB2-BD59-A6C34878D82A}">
+                    <a16:rowId xmlns:a16="http://schemas.microsoft.com/office/drawing/2014/main" val="10000"/>
+                  </a:ext>
+                </a:extLst>
               </a:tr>
               <a:tr h="767002">
                 <a:tc>
@@ -14812,6 +14890,11 @@
                   </a:txBody>
                   <a:tcPr anchor="ctr"/>
                 </a:tc>
+                <a:extLst>
+                  <a:ext uri="{0D108BD9-81ED-4DB2-BD59-A6C34878D82A}">
+                    <a16:rowId xmlns:a16="http://schemas.microsoft.com/office/drawing/2014/main" val="10001"/>
+                  </a:ext>
+                </a:extLst>
               </a:tr>
               <a:tr h="767002">
                 <a:tc>
@@ -14872,6 +14955,11 @@
                   </a:txBody>
                   <a:tcPr anchor="ctr"/>
                 </a:tc>
+                <a:extLst>
+                  <a:ext uri="{0D108BD9-81ED-4DB2-BD59-A6C34878D82A}">
+                    <a16:rowId xmlns:a16="http://schemas.microsoft.com/office/drawing/2014/main" val="10002"/>
+                  </a:ext>
+                </a:extLst>
               </a:tr>
               <a:tr h="767002">
                 <a:tc>
@@ -14933,6 +15021,11 @@
                   </a:txBody>
                   <a:tcPr anchor="ctr"/>
                 </a:tc>
+                <a:extLst>
+                  <a:ext uri="{0D108BD9-81ED-4DB2-BD59-A6C34878D82A}">
+                    <a16:rowId xmlns:a16="http://schemas.microsoft.com/office/drawing/2014/main" val="10003"/>
+                  </a:ext>
+                </a:extLst>
               </a:tr>
               <a:tr h="767002">
                 <a:tc>
@@ -14994,6 +15087,11 @@
                   </a:txBody>
                   <a:tcPr anchor="ctr"/>
                 </a:tc>
+                <a:extLst>
+                  <a:ext uri="{0D108BD9-81ED-4DB2-BD59-A6C34878D82A}">
+                    <a16:rowId xmlns:a16="http://schemas.microsoft.com/office/drawing/2014/main" val="10004"/>
+                  </a:ext>
+                </a:extLst>
               </a:tr>
               <a:tr h="767002">
                 <a:tc>
@@ -15055,6 +15153,11 @@
                   </a:txBody>
                   <a:tcPr anchor="ctr"/>
                 </a:tc>
+                <a:extLst>
+                  <a:ext uri="{0D108BD9-81ED-4DB2-BD59-A6C34878D82A}">
+                    <a16:rowId xmlns:a16="http://schemas.microsoft.com/office/drawing/2014/main" val="10005"/>
+                  </a:ext>
+                </a:extLst>
               </a:tr>
             </a:tbl>
           </a:graphicData>
@@ -15138,6 +15241,114 @@
           <a:prstGeom prst="frame">
             <a:avLst>
               <a:gd name="adj1" fmla="val 1322"/>
+            </a:avLst>
+          </a:prstGeom>
+          <a:solidFill>
+            <a:srgbClr val="FF0000"/>
+          </a:solidFill>
+          <a:ln>
+            <a:solidFill>
+              <a:srgbClr val="FF0000"/>
+            </a:solidFill>
+          </a:ln>
+        </p:spPr>
+        <p:style>
+          <a:lnRef idx="2">
+            <a:schemeClr val="accent1">
+              <a:shade val="50000"/>
+            </a:schemeClr>
+          </a:lnRef>
+          <a:fillRef idx="1">
+            <a:schemeClr val="accent1"/>
+          </a:fillRef>
+          <a:effectRef idx="0">
+            <a:schemeClr val="accent1"/>
+          </a:effectRef>
+          <a:fontRef idx="minor">
+            <a:schemeClr val="lt1"/>
+          </a:fontRef>
+        </p:style>
+        <p:txBody>
+          <a:bodyPr rtlCol="0" anchor="ctr"/>
+          <a:lstStyle/>
+          <a:p>
+            <a:pPr algn="ctr"/>
+            <a:endParaRPr lang="ko-KR" altLang="en-US">
+              <a:solidFill>
+                <a:schemeClr val="tx1"/>
+              </a:solidFill>
+            </a:endParaRPr>
+          </a:p>
+        </p:txBody>
+      </p:sp>
+      <p:sp>
+        <p:nvSpPr>
+          <p:cNvPr id="12" name="액자 11"/>
+          <p:cNvSpPr/>
+          <p:nvPr/>
+        </p:nvSpPr>
+        <p:spPr>
+          <a:xfrm>
+            <a:off x="5876834" y="2165130"/>
+            <a:ext cx="5085456" cy="991405"/>
+          </a:xfrm>
+          <a:prstGeom prst="frame">
+            <a:avLst>
+              <a:gd name="adj1" fmla="val 2163"/>
+            </a:avLst>
+          </a:prstGeom>
+          <a:solidFill>
+            <a:srgbClr val="FF0000"/>
+          </a:solidFill>
+          <a:ln>
+            <a:solidFill>
+              <a:srgbClr val="FF0000"/>
+            </a:solidFill>
+          </a:ln>
+        </p:spPr>
+        <p:style>
+          <a:lnRef idx="2">
+            <a:schemeClr val="accent1">
+              <a:shade val="50000"/>
+            </a:schemeClr>
+          </a:lnRef>
+          <a:fillRef idx="1">
+            <a:schemeClr val="accent1"/>
+          </a:fillRef>
+          <a:effectRef idx="0">
+            <a:schemeClr val="accent1"/>
+          </a:effectRef>
+          <a:fontRef idx="minor">
+            <a:schemeClr val="lt1"/>
+          </a:fontRef>
+        </p:style>
+        <p:txBody>
+          <a:bodyPr rtlCol="0" anchor="ctr"/>
+          <a:lstStyle/>
+          <a:p>
+            <a:pPr algn="ctr"/>
+            <a:endParaRPr lang="ko-KR" altLang="en-US">
+              <a:solidFill>
+                <a:schemeClr val="tx1"/>
+              </a:solidFill>
+            </a:endParaRPr>
+          </a:p>
+        </p:txBody>
+      </p:sp>
+      <p:sp>
+        <p:nvSpPr>
+          <p:cNvPr id="13" name="액자 12"/>
+          <p:cNvSpPr/>
+          <p:nvPr/>
+        </p:nvSpPr>
+        <p:spPr>
+          <a:xfrm>
+            <a:off x="5876834" y="4485080"/>
+            <a:ext cx="5085456" cy="1709729"/>
+          </a:xfrm>
+          <a:prstGeom prst="frame">
+            <a:avLst>
+              <a:gd name="adj1" fmla="val 1033"/>
             </a:avLst>
           </a:prstGeom>
           <a:solidFill>
@@ -15366,7 +15577,7 @@
           <p:cNvPr id="15" name="직사각형 14">
             <a:extLst>
               <a:ext uri="{FF2B5EF4-FFF2-40B4-BE49-F238E27FC236}">
-                <a16:creationId xmlns="" xmlns:a16="http://schemas.microsoft.com/office/drawing/2014/main" id="{3FA00699-5178-465A-9F3F-130CF1431F70}"/>
+                <a16:creationId xmlns:a16="http://schemas.microsoft.com/office/drawing/2014/main" id="{3FA00699-5178-465A-9F3F-130CF1431F70}"/>
               </a:ext>
             </a:extLst>
           </p:cNvPr>
@@ -15418,7 +15629,7 @@
           <p:cNvPr id="20" name="직사각형 19">
             <a:extLst>
               <a:ext uri="{FF2B5EF4-FFF2-40B4-BE49-F238E27FC236}">
-                <a16:creationId xmlns="" xmlns:a16="http://schemas.microsoft.com/office/drawing/2014/main" id="{3FA00699-5178-465A-9F3F-130CF1431F70}"/>
+                <a16:creationId xmlns:a16="http://schemas.microsoft.com/office/drawing/2014/main" id="{3FA00699-5178-465A-9F3F-130CF1431F70}"/>
               </a:ext>
             </a:extLst>
           </p:cNvPr>
@@ -15993,7 +16204,7 @@
           <p:cNvPr id="15" name="직사각형 14">
             <a:extLst>
               <a:ext uri="{FF2B5EF4-FFF2-40B4-BE49-F238E27FC236}">
-                <a16:creationId xmlns="" xmlns:a16="http://schemas.microsoft.com/office/drawing/2014/main" id="{3FA00699-5178-465A-9F3F-130CF1431F70}"/>
+                <a16:creationId xmlns:a16="http://schemas.microsoft.com/office/drawing/2014/main" id="{3FA00699-5178-465A-9F3F-130CF1431F70}"/>
               </a:ext>
             </a:extLst>
           </p:cNvPr>
@@ -16045,7 +16256,7 @@
           <p:cNvPr id="20" name="직사각형 19">
             <a:extLst>
               <a:ext uri="{FF2B5EF4-FFF2-40B4-BE49-F238E27FC236}">
-                <a16:creationId xmlns="" xmlns:a16="http://schemas.microsoft.com/office/drawing/2014/main" id="{3FA00699-5178-465A-9F3F-130CF1431F70}"/>
+                <a16:creationId xmlns:a16="http://schemas.microsoft.com/office/drawing/2014/main" id="{3FA00699-5178-465A-9F3F-130CF1431F70}"/>
               </a:ext>
             </a:extLst>
           </p:cNvPr>
@@ -16167,10 +16378,34 @@
                 <a:tableStyleId>{5940675A-B579-460E-94D1-54222C63F5DA}</a:tableStyleId>
               </a:tblPr>
               <a:tblGrid>
-                <a:gridCol w="1313037"/>
-                <a:gridCol w="1313037"/>
-                <a:gridCol w="1313037"/>
-                <a:gridCol w="1313037"/>
+                <a:gridCol w="1313037">
+                  <a:extLst>
+                    <a:ext uri="{9D8B030D-6E8A-4147-A177-3AD203B41FA5}">
+                      <a16:colId xmlns:a16="http://schemas.microsoft.com/office/drawing/2014/main" val="20000"/>
+                    </a:ext>
+                  </a:extLst>
+                </a:gridCol>
+                <a:gridCol w="1313037">
+                  <a:extLst>
+                    <a:ext uri="{9D8B030D-6E8A-4147-A177-3AD203B41FA5}">
+                      <a16:colId xmlns:a16="http://schemas.microsoft.com/office/drawing/2014/main" val="20001"/>
+                    </a:ext>
+                  </a:extLst>
+                </a:gridCol>
+                <a:gridCol w="1313037">
+                  <a:extLst>
+                    <a:ext uri="{9D8B030D-6E8A-4147-A177-3AD203B41FA5}">
+                      <a16:colId xmlns:a16="http://schemas.microsoft.com/office/drawing/2014/main" val="20002"/>
+                    </a:ext>
+                  </a:extLst>
+                </a:gridCol>
+                <a:gridCol w="1313037">
+                  <a:extLst>
+                    <a:ext uri="{9D8B030D-6E8A-4147-A177-3AD203B41FA5}">
+                      <a16:colId xmlns:a16="http://schemas.microsoft.com/office/drawing/2014/main" val="20003"/>
+                    </a:ext>
+                  </a:extLst>
+                </a:gridCol>
               </a:tblGrid>
               <a:tr h="757158">
                 <a:tc>
@@ -16239,6 +16474,11 @@
                   </a:txBody>
                   <a:tcPr anchor="ctr"/>
                 </a:tc>
+                <a:extLst>
+                  <a:ext uri="{0D108BD9-81ED-4DB2-BD59-A6C34878D82A}">
+                    <a16:rowId xmlns:a16="http://schemas.microsoft.com/office/drawing/2014/main" val="10000"/>
+                  </a:ext>
+                </a:extLst>
               </a:tr>
               <a:tr h="757158">
                 <a:tc>
@@ -16307,6 +16547,11 @@
                   </a:txBody>
                   <a:tcPr anchor="ctr"/>
                 </a:tc>
+                <a:extLst>
+                  <a:ext uri="{0D108BD9-81ED-4DB2-BD59-A6C34878D82A}">
+                    <a16:rowId xmlns:a16="http://schemas.microsoft.com/office/drawing/2014/main" val="10001"/>
+                  </a:ext>
+                </a:extLst>
               </a:tr>
               <a:tr h="757158">
                 <a:tc>
@@ -16382,6 +16627,11 @@
                   </a:txBody>
                   <a:tcPr anchor="ctr"/>
                 </a:tc>
+                <a:extLst>
+                  <a:ext uri="{0D108BD9-81ED-4DB2-BD59-A6C34878D82A}">
+                    <a16:rowId xmlns:a16="http://schemas.microsoft.com/office/drawing/2014/main" val="10002"/>
+                  </a:ext>
+                </a:extLst>
               </a:tr>
               <a:tr h="757158">
                 <a:tc>
@@ -16458,6 +16708,11 @@
                   </a:txBody>
                   <a:tcPr anchor="ctr"/>
                 </a:tc>
+                <a:extLst>
+                  <a:ext uri="{0D108BD9-81ED-4DB2-BD59-A6C34878D82A}">
+                    <a16:rowId xmlns:a16="http://schemas.microsoft.com/office/drawing/2014/main" val="10003"/>
+                  </a:ext>
+                </a:extLst>
               </a:tr>
               <a:tr h="757158">
                 <a:tc>
@@ -16550,6 +16805,11 @@
                   </a:txBody>
                   <a:tcPr anchor="ctr"/>
                 </a:tc>
+                <a:extLst>
+                  <a:ext uri="{0D108BD9-81ED-4DB2-BD59-A6C34878D82A}">
+                    <a16:rowId xmlns:a16="http://schemas.microsoft.com/office/drawing/2014/main" val="10004"/>
+                  </a:ext>
+                </a:extLst>
               </a:tr>
               <a:tr h="757158">
                 <a:tc>
@@ -16642,6 +16902,11 @@
                   </a:txBody>
                   <a:tcPr anchor="ctr"/>
                 </a:tc>
+                <a:extLst>
+                  <a:ext uri="{0D108BD9-81ED-4DB2-BD59-A6C34878D82A}">
+                    <a16:rowId xmlns:a16="http://schemas.microsoft.com/office/drawing/2014/main" val="10005"/>
+                  </a:ext>
+                </a:extLst>
               </a:tr>
             </a:tbl>
           </a:graphicData>
@@ -16725,6 +16990,114 @@
           <a:prstGeom prst="frame">
             <a:avLst>
               <a:gd name="adj1" fmla="val 1322"/>
+            </a:avLst>
+          </a:prstGeom>
+          <a:solidFill>
+            <a:srgbClr val="FF0000"/>
+          </a:solidFill>
+          <a:ln>
+            <a:solidFill>
+              <a:srgbClr val="FF0000"/>
+            </a:solidFill>
+          </a:ln>
+        </p:spPr>
+        <p:style>
+          <a:lnRef idx="2">
+            <a:schemeClr val="accent1">
+              <a:shade val="50000"/>
+            </a:schemeClr>
+          </a:lnRef>
+          <a:fillRef idx="1">
+            <a:schemeClr val="accent1"/>
+          </a:fillRef>
+          <a:effectRef idx="0">
+            <a:schemeClr val="accent1"/>
+          </a:effectRef>
+          <a:fontRef idx="minor">
+            <a:schemeClr val="lt1"/>
+          </a:fontRef>
+        </p:style>
+        <p:txBody>
+          <a:bodyPr rtlCol="0" anchor="ctr"/>
+          <a:lstStyle/>
+          <a:p>
+            <a:pPr algn="ctr"/>
+            <a:endParaRPr lang="ko-KR" altLang="en-US">
+              <a:solidFill>
+                <a:schemeClr val="tx1"/>
+              </a:solidFill>
+            </a:endParaRPr>
+          </a:p>
+        </p:txBody>
+      </p:sp>
+      <p:sp>
+        <p:nvSpPr>
+          <p:cNvPr id="12" name="액자 11"/>
+          <p:cNvSpPr/>
+          <p:nvPr/>
+        </p:nvSpPr>
+        <p:spPr>
+          <a:xfrm>
+            <a:off x="6032938" y="2165131"/>
+            <a:ext cx="5454869" cy="945932"/>
+          </a:xfrm>
+          <a:prstGeom prst="frame">
+            <a:avLst>
+              <a:gd name="adj1" fmla="val 2163"/>
+            </a:avLst>
+          </a:prstGeom>
+          <a:solidFill>
+            <a:srgbClr val="FF0000"/>
+          </a:solidFill>
+          <a:ln>
+            <a:solidFill>
+              <a:srgbClr val="FF0000"/>
+            </a:solidFill>
+          </a:ln>
+        </p:spPr>
+        <p:style>
+          <a:lnRef idx="2">
+            <a:schemeClr val="accent1">
+              <a:shade val="50000"/>
+            </a:schemeClr>
+          </a:lnRef>
+          <a:fillRef idx="1">
+            <a:schemeClr val="accent1"/>
+          </a:fillRef>
+          <a:effectRef idx="0">
+            <a:schemeClr val="accent1"/>
+          </a:effectRef>
+          <a:fontRef idx="minor">
+            <a:schemeClr val="lt1"/>
+          </a:fontRef>
+        </p:style>
+        <p:txBody>
+          <a:bodyPr rtlCol="0" anchor="ctr"/>
+          <a:lstStyle/>
+          <a:p>
+            <a:pPr algn="ctr"/>
+            <a:endParaRPr lang="ko-KR" altLang="en-US">
+              <a:solidFill>
+                <a:schemeClr val="tx1"/>
+              </a:solidFill>
+            </a:endParaRPr>
+          </a:p>
+        </p:txBody>
+      </p:sp>
+      <p:sp>
+        <p:nvSpPr>
+          <p:cNvPr id="13" name="액자 12"/>
+          <p:cNvSpPr/>
+          <p:nvPr/>
+        </p:nvSpPr>
+        <p:spPr>
+          <a:xfrm>
+            <a:off x="6032938" y="4422020"/>
+            <a:ext cx="5454869" cy="1691395"/>
+          </a:xfrm>
+          <a:prstGeom prst="frame">
+            <a:avLst>
+              <a:gd name="adj1" fmla="val 1033"/>
             </a:avLst>
           </a:prstGeom>
           <a:solidFill>
@@ -16953,7 +17326,7 @@
           <p:cNvPr id="33" name="직사각형 32">
             <a:extLst>
               <a:ext uri="{FF2B5EF4-FFF2-40B4-BE49-F238E27FC236}">
-                <a16:creationId xmlns:a16="http://schemas.microsoft.com/office/drawing/2014/main" xmlns="" id="{3FA00699-5178-465A-9F3F-130CF1431F70}"/>
+                <a16:creationId xmlns:a16="http://schemas.microsoft.com/office/drawing/2014/main" id="{3FA00699-5178-465A-9F3F-130CF1431F70}"/>
               </a:ext>
             </a:extLst>
           </p:cNvPr>
@@ -17015,7 +17388,7 @@
           <p:cNvPr id="14" name="직사각형 13">
             <a:extLst>
               <a:ext uri="{FF2B5EF4-FFF2-40B4-BE49-F238E27FC236}">
-                <a16:creationId xmlns:a16="http://schemas.microsoft.com/office/drawing/2014/main" xmlns="" id="{3FA00699-5178-465A-9F3F-130CF1431F70}"/>
+                <a16:creationId xmlns:a16="http://schemas.microsoft.com/office/drawing/2014/main" id="{3FA00699-5178-465A-9F3F-130CF1431F70}"/>
               </a:ext>
             </a:extLst>
           </p:cNvPr>
@@ -17680,7 +18053,7 @@
           <p:cNvPr id="33" name="직사각형 32">
             <a:extLst>
               <a:ext uri="{FF2B5EF4-FFF2-40B4-BE49-F238E27FC236}">
-                <a16:creationId xmlns:a16="http://schemas.microsoft.com/office/drawing/2014/main" xmlns="" id="{3FA00699-5178-465A-9F3F-130CF1431F70}"/>
+                <a16:creationId xmlns:a16="http://schemas.microsoft.com/office/drawing/2014/main" id="{3FA00699-5178-465A-9F3F-130CF1431F70}"/>
               </a:ext>
             </a:extLst>
           </p:cNvPr>
@@ -17742,7 +18115,7 @@
           <p:cNvPr id="14" name="직사각형 13">
             <a:extLst>
               <a:ext uri="{FF2B5EF4-FFF2-40B4-BE49-F238E27FC236}">
-                <a16:creationId xmlns:a16="http://schemas.microsoft.com/office/drawing/2014/main" xmlns="" id="{3FA00699-5178-465A-9F3F-130CF1431F70}"/>
+                <a16:creationId xmlns:a16="http://schemas.microsoft.com/office/drawing/2014/main" id="{3FA00699-5178-465A-9F3F-130CF1431F70}"/>
               </a:ext>
             </a:extLst>
           </p:cNvPr>
@@ -18407,7 +18780,7 @@
           <p:cNvPr id="33" name="직사각형 32">
             <a:extLst>
               <a:ext uri="{FF2B5EF4-FFF2-40B4-BE49-F238E27FC236}">
-                <a16:creationId xmlns:a16="http://schemas.microsoft.com/office/drawing/2014/main" xmlns="" id="{3FA00699-5178-465A-9F3F-130CF1431F70}"/>
+                <a16:creationId xmlns:a16="http://schemas.microsoft.com/office/drawing/2014/main" id="{3FA00699-5178-465A-9F3F-130CF1431F70}"/>
               </a:ext>
             </a:extLst>
           </p:cNvPr>
@@ -18479,7 +18852,7 @@
           <p:cNvPr id="14" name="직사각형 13">
             <a:extLst>
               <a:ext uri="{FF2B5EF4-FFF2-40B4-BE49-F238E27FC236}">
-                <a16:creationId xmlns:a16="http://schemas.microsoft.com/office/drawing/2014/main" xmlns="" id="{3FA00699-5178-465A-9F3F-130CF1431F70}"/>
+                <a16:creationId xmlns:a16="http://schemas.microsoft.com/office/drawing/2014/main" id="{3FA00699-5178-465A-9F3F-130CF1431F70}"/>
               </a:ext>
             </a:extLst>
           </p:cNvPr>
@@ -19144,7 +19517,7 @@
           <p:cNvPr id="33" name="직사각형 32">
             <a:extLst>
               <a:ext uri="{FF2B5EF4-FFF2-40B4-BE49-F238E27FC236}">
-                <a16:creationId xmlns:a16="http://schemas.microsoft.com/office/drawing/2014/main" xmlns="" id="{3FA00699-5178-465A-9F3F-130CF1431F70}"/>
+                <a16:creationId xmlns:a16="http://schemas.microsoft.com/office/drawing/2014/main" id="{3FA00699-5178-465A-9F3F-130CF1431F70}"/>
               </a:ext>
             </a:extLst>
           </p:cNvPr>
@@ -19216,7 +19589,7 @@
           <p:cNvPr id="14" name="직사각형 13">
             <a:extLst>
               <a:ext uri="{FF2B5EF4-FFF2-40B4-BE49-F238E27FC236}">
-                <a16:creationId xmlns:a16="http://schemas.microsoft.com/office/drawing/2014/main" xmlns="" id="{3FA00699-5178-465A-9F3F-130CF1431F70}"/>
+                <a16:creationId xmlns:a16="http://schemas.microsoft.com/office/drawing/2014/main" id="{3FA00699-5178-465A-9F3F-130CF1431F70}"/>
               </a:ext>
             </a:extLst>
           </p:cNvPr>
@@ -19881,7 +20254,7 @@
           <p:cNvPr id="33" name="직사각형 32">
             <a:extLst>
               <a:ext uri="{FF2B5EF4-FFF2-40B4-BE49-F238E27FC236}">
-                <a16:creationId xmlns:a16="http://schemas.microsoft.com/office/drawing/2014/main" xmlns="" id="{3FA00699-5178-465A-9F3F-130CF1431F70}"/>
+                <a16:creationId xmlns:a16="http://schemas.microsoft.com/office/drawing/2014/main" id="{3FA00699-5178-465A-9F3F-130CF1431F70}"/>
               </a:ext>
             </a:extLst>
           </p:cNvPr>
@@ -19953,7 +20326,7 @@
           <p:cNvPr id="14" name="직사각형 13">
             <a:extLst>
               <a:ext uri="{FF2B5EF4-FFF2-40B4-BE49-F238E27FC236}">
-                <a16:creationId xmlns:a16="http://schemas.microsoft.com/office/drawing/2014/main" xmlns="" id="{3FA00699-5178-465A-9F3F-130CF1431F70}"/>
+                <a16:creationId xmlns:a16="http://schemas.microsoft.com/office/drawing/2014/main" id="{3FA00699-5178-465A-9F3F-130CF1431F70}"/>
               </a:ext>
             </a:extLst>
           </p:cNvPr>
@@ -20618,7 +20991,7 @@
           <p:cNvPr id="33" name="직사각형 32">
             <a:extLst>
               <a:ext uri="{FF2B5EF4-FFF2-40B4-BE49-F238E27FC236}">
-                <a16:creationId xmlns:a16="http://schemas.microsoft.com/office/drawing/2014/main" xmlns="" id="{3FA00699-5178-465A-9F3F-130CF1431F70}"/>
+                <a16:creationId xmlns:a16="http://schemas.microsoft.com/office/drawing/2014/main" id="{3FA00699-5178-465A-9F3F-130CF1431F70}"/>
               </a:ext>
             </a:extLst>
           </p:cNvPr>
@@ -20703,7 +21076,7 @@
           <p:cNvPr id="14" name="직사각형 13">
             <a:extLst>
               <a:ext uri="{FF2B5EF4-FFF2-40B4-BE49-F238E27FC236}">
-                <a16:creationId xmlns:a16="http://schemas.microsoft.com/office/drawing/2014/main" xmlns="" id="{3FA00699-5178-465A-9F3F-130CF1431F70}"/>
+                <a16:creationId xmlns:a16="http://schemas.microsoft.com/office/drawing/2014/main" id="{3FA00699-5178-465A-9F3F-130CF1431F70}"/>
               </a:ext>
             </a:extLst>
           </p:cNvPr>
@@ -21265,7 +21638,7 @@
           <p:cNvPr id="7" name="직사각형 6">
             <a:extLst>
               <a:ext uri="{FF2B5EF4-FFF2-40B4-BE49-F238E27FC236}">
-                <a16:creationId xmlns="" xmlns:a16="http://schemas.microsoft.com/office/drawing/2014/main" id="{3FA00699-5178-465A-9F3F-130CF1431F70}"/>
+                <a16:creationId xmlns:a16="http://schemas.microsoft.com/office/drawing/2014/main" id="{3FA00699-5178-465A-9F3F-130CF1431F70}"/>
               </a:ext>
             </a:extLst>
           </p:cNvPr>
@@ -21317,7 +21690,7 @@
           <p:cNvPr id="13" name="직사각형 12">
             <a:extLst>
               <a:ext uri="{FF2B5EF4-FFF2-40B4-BE49-F238E27FC236}">
-                <a16:creationId xmlns="" xmlns:a16="http://schemas.microsoft.com/office/drawing/2014/main" id="{3FA00699-5178-465A-9F3F-130CF1431F70}"/>
+                <a16:creationId xmlns:a16="http://schemas.microsoft.com/office/drawing/2014/main" id="{3FA00699-5178-465A-9F3F-130CF1431F70}"/>
               </a:ext>
             </a:extLst>
           </p:cNvPr>
@@ -21365,7 +21738,7 @@
           <p:cNvPr id="14" name="직사각형 13">
             <a:extLst>
               <a:ext uri="{FF2B5EF4-FFF2-40B4-BE49-F238E27FC236}">
-                <a16:creationId xmlns="" xmlns:a16="http://schemas.microsoft.com/office/drawing/2014/main" id="{3FA00699-5178-465A-9F3F-130CF1431F70}"/>
+                <a16:creationId xmlns:a16="http://schemas.microsoft.com/office/drawing/2014/main" id="{3FA00699-5178-465A-9F3F-130CF1431F70}"/>
               </a:ext>
             </a:extLst>
           </p:cNvPr>
@@ -21417,7 +21790,7 @@
           <p:cNvPr id="15" name="직사각형 14">
             <a:extLst>
               <a:ext uri="{FF2B5EF4-FFF2-40B4-BE49-F238E27FC236}">
-                <a16:creationId xmlns="" xmlns:a16="http://schemas.microsoft.com/office/drawing/2014/main" id="{3FA00699-5178-465A-9F3F-130CF1431F70}"/>
+                <a16:creationId xmlns:a16="http://schemas.microsoft.com/office/drawing/2014/main" id="{3FA00699-5178-465A-9F3F-130CF1431F70}"/>
               </a:ext>
             </a:extLst>
           </p:cNvPr>
@@ -21648,7 +22021,7 @@
           <p:cNvPr id="14" name="직사각형 13">
             <a:extLst>
               <a:ext uri="{FF2B5EF4-FFF2-40B4-BE49-F238E27FC236}">
-                <a16:creationId xmlns:a16="http://schemas.microsoft.com/office/drawing/2014/main" xmlns="" id="{3FA00699-5178-465A-9F3F-130CF1431F70}"/>
+                <a16:creationId xmlns:a16="http://schemas.microsoft.com/office/drawing/2014/main" id="{3FA00699-5178-465A-9F3F-130CF1431F70}"/>
               </a:ext>
             </a:extLst>
           </p:cNvPr>
@@ -21692,7 +22065,7 @@
           <p:cNvPr id="20" name="직사각형 19">
             <a:extLst>
               <a:ext uri="{FF2B5EF4-FFF2-40B4-BE49-F238E27FC236}">
-                <a16:creationId xmlns="" xmlns:a16="http://schemas.microsoft.com/office/drawing/2014/main" id="{3FA00699-5178-465A-9F3F-130CF1431F70}"/>
+                <a16:creationId xmlns:a16="http://schemas.microsoft.com/office/drawing/2014/main" id="{3FA00699-5178-465A-9F3F-130CF1431F70}"/>
               </a:ext>
             </a:extLst>
           </p:cNvPr>
@@ -21744,7 +22117,7 @@
           <p:cNvPr id="21" name="직사각형 20">
             <a:extLst>
               <a:ext uri="{FF2B5EF4-FFF2-40B4-BE49-F238E27FC236}">
-                <a16:creationId xmlns="" xmlns:a16="http://schemas.microsoft.com/office/drawing/2014/main" id="{3FA00699-5178-465A-9F3F-130CF1431F70}"/>
+                <a16:creationId xmlns:a16="http://schemas.microsoft.com/office/drawing/2014/main" id="{3FA00699-5178-465A-9F3F-130CF1431F70}"/>
               </a:ext>
             </a:extLst>
           </p:cNvPr>
@@ -21796,7 +22169,7 @@
           <p:cNvPr id="35" name="직사각형 34">
             <a:extLst>
               <a:ext uri="{FF2B5EF4-FFF2-40B4-BE49-F238E27FC236}">
-                <a16:creationId xmlns="" xmlns:a16="http://schemas.microsoft.com/office/drawing/2014/main" id="{3FA00699-5178-465A-9F3F-130CF1431F70}"/>
+                <a16:creationId xmlns:a16="http://schemas.microsoft.com/office/drawing/2014/main" id="{3FA00699-5178-465A-9F3F-130CF1431F70}"/>
               </a:ext>
             </a:extLst>
           </p:cNvPr>
@@ -21840,7 +22213,7 @@
           <p:cNvPr id="36" name="직사각형 35">
             <a:extLst>
               <a:ext uri="{FF2B5EF4-FFF2-40B4-BE49-F238E27FC236}">
-                <a16:creationId xmlns="" xmlns:a16="http://schemas.microsoft.com/office/drawing/2014/main" id="{3FA00699-5178-465A-9F3F-130CF1431F70}"/>
+                <a16:creationId xmlns:a16="http://schemas.microsoft.com/office/drawing/2014/main" id="{3FA00699-5178-465A-9F3F-130CF1431F70}"/>
               </a:ext>
             </a:extLst>
           </p:cNvPr>
@@ -21892,7 +22265,7 @@
           <p:cNvPr id="37" name="직사각형 36">
             <a:extLst>
               <a:ext uri="{FF2B5EF4-FFF2-40B4-BE49-F238E27FC236}">
-                <a16:creationId xmlns="" xmlns:a16="http://schemas.microsoft.com/office/drawing/2014/main" id="{3FA00699-5178-465A-9F3F-130CF1431F70}"/>
+                <a16:creationId xmlns:a16="http://schemas.microsoft.com/office/drawing/2014/main" id="{3FA00699-5178-465A-9F3F-130CF1431F70}"/>
               </a:ext>
             </a:extLst>
           </p:cNvPr>
@@ -22011,7 +22384,7 @@
           <p:cNvPr id="38" name="직사각형 37">
             <a:extLst>
               <a:ext uri="{FF2B5EF4-FFF2-40B4-BE49-F238E27FC236}">
-                <a16:creationId xmlns:a16="http://schemas.microsoft.com/office/drawing/2014/main" xmlns="" id="{3FA00699-5178-465A-9F3F-130CF1431F70}"/>
+                <a16:creationId xmlns:a16="http://schemas.microsoft.com/office/drawing/2014/main" id="{3FA00699-5178-465A-9F3F-130CF1431F70}"/>
               </a:ext>
             </a:extLst>
           </p:cNvPr>
@@ -22246,7 +22619,7 @@
           <p:cNvPr id="11" name="직사각형 10">
             <a:extLst>
               <a:ext uri="{FF2B5EF4-FFF2-40B4-BE49-F238E27FC236}">
-                <a16:creationId xmlns="" xmlns:a16="http://schemas.microsoft.com/office/drawing/2014/main" id="{3FA00699-5178-465A-9F3F-130CF1431F70}"/>
+                <a16:creationId xmlns:a16="http://schemas.microsoft.com/office/drawing/2014/main" id="{3FA00699-5178-465A-9F3F-130CF1431F70}"/>
               </a:ext>
             </a:extLst>
           </p:cNvPr>
@@ -22308,7 +22681,7 @@
           <p:cNvPr id="12" name="직사각형 11">
             <a:extLst>
               <a:ext uri="{FF2B5EF4-FFF2-40B4-BE49-F238E27FC236}">
-                <a16:creationId xmlns="" xmlns:a16="http://schemas.microsoft.com/office/drawing/2014/main" id="{3FA00699-5178-465A-9F3F-130CF1431F70}"/>
+                <a16:creationId xmlns:a16="http://schemas.microsoft.com/office/drawing/2014/main" id="{3FA00699-5178-465A-9F3F-130CF1431F70}"/>
               </a:ext>
             </a:extLst>
           </p:cNvPr>
@@ -22372,9 +22745,27 @@
                 <a:tableStyleId>{5940675A-B579-460E-94D1-54222C63F5DA}</a:tableStyleId>
               </a:tblPr>
               <a:tblGrid>
-                <a:gridCol w="2676480"/>
-                <a:gridCol w="2676480"/>
-                <a:gridCol w="2676480"/>
+                <a:gridCol w="2676480">
+                  <a:extLst>
+                    <a:ext uri="{9D8B030D-6E8A-4147-A177-3AD203B41FA5}">
+                      <a16:colId xmlns:a16="http://schemas.microsoft.com/office/drawing/2014/main" val="20000"/>
+                    </a:ext>
+                  </a:extLst>
+                </a:gridCol>
+                <a:gridCol w="2676480">
+                  <a:extLst>
+                    <a:ext uri="{9D8B030D-6E8A-4147-A177-3AD203B41FA5}">
+                      <a16:colId xmlns:a16="http://schemas.microsoft.com/office/drawing/2014/main" val="20001"/>
+                    </a:ext>
+                  </a:extLst>
+                </a:gridCol>
+                <a:gridCol w="2676480">
+                  <a:extLst>
+                    <a:ext uri="{9D8B030D-6E8A-4147-A177-3AD203B41FA5}">
+                      <a16:colId xmlns:a16="http://schemas.microsoft.com/office/drawing/2014/main" val="20002"/>
+                    </a:ext>
+                  </a:extLst>
+                </a:gridCol>
               </a:tblGrid>
               <a:tr h="630283">
                 <a:tc rowSpan="2">
@@ -22445,6 +22836,11 @@
                   </a:txBody>
                   <a:tcPr anchor="ctr"/>
                 </a:tc>
+                <a:extLst>
+                  <a:ext uri="{0D108BD9-81ED-4DB2-BD59-A6C34878D82A}">
+                    <a16:rowId xmlns:a16="http://schemas.microsoft.com/office/drawing/2014/main" val="10000"/>
+                  </a:ext>
+                </a:extLst>
               </a:tr>
               <a:tr h="630283">
                 <a:tc vMerge="1">
@@ -22484,6 +22880,11 @@
                   </a:txBody>
                   <a:tcPr anchor="ctr"/>
                 </a:tc>
+                <a:extLst>
+                  <a:ext uri="{0D108BD9-81ED-4DB2-BD59-A6C34878D82A}">
+                    <a16:rowId xmlns:a16="http://schemas.microsoft.com/office/drawing/2014/main" val="10001"/>
+                  </a:ext>
+                </a:extLst>
               </a:tr>
               <a:tr h="630283">
                 <a:tc rowSpan="2">
@@ -22554,6 +22955,11 @@
                   </a:txBody>
                   <a:tcPr anchor="ctr"/>
                 </a:tc>
+                <a:extLst>
+                  <a:ext uri="{0D108BD9-81ED-4DB2-BD59-A6C34878D82A}">
+                    <a16:rowId xmlns:a16="http://schemas.microsoft.com/office/drawing/2014/main" val="10002"/>
+                  </a:ext>
+                </a:extLst>
               </a:tr>
               <a:tr h="630283">
                 <a:tc vMerge="1">
@@ -22593,6 +22999,11 @@
                   </a:txBody>
                   <a:tcPr anchor="ctr"/>
                 </a:tc>
+                <a:extLst>
+                  <a:ext uri="{0D108BD9-81ED-4DB2-BD59-A6C34878D82A}">
+                    <a16:rowId xmlns:a16="http://schemas.microsoft.com/office/drawing/2014/main" val="10003"/>
+                  </a:ext>
+                </a:extLst>
               </a:tr>
               <a:tr h="630283">
                 <a:tc rowSpan="2">
@@ -22660,6 +23071,11 @@
                   </a:txBody>
                   <a:tcPr anchor="ctr"/>
                 </a:tc>
+                <a:extLst>
+                  <a:ext uri="{0D108BD9-81ED-4DB2-BD59-A6C34878D82A}">
+                    <a16:rowId xmlns:a16="http://schemas.microsoft.com/office/drawing/2014/main" val="10004"/>
+                  </a:ext>
+                </a:extLst>
               </a:tr>
               <a:tr h="630283">
                 <a:tc vMerge="1">
@@ -22699,6 +23115,11 @@
                   </a:txBody>
                   <a:tcPr anchor="ctr"/>
                 </a:tc>
+                <a:extLst>
+                  <a:ext uri="{0D108BD9-81ED-4DB2-BD59-A6C34878D82A}">
+                    <a16:rowId xmlns:a16="http://schemas.microsoft.com/office/drawing/2014/main" val="10005"/>
+                  </a:ext>
+                </a:extLst>
               </a:tr>
               <a:tr h="630283">
                 <a:tc rowSpan="2">
@@ -22766,6 +23187,11 @@
                   </a:txBody>
                   <a:tcPr anchor="ctr"/>
                 </a:tc>
+                <a:extLst>
+                  <a:ext uri="{0D108BD9-81ED-4DB2-BD59-A6C34878D82A}">
+                    <a16:rowId xmlns:a16="http://schemas.microsoft.com/office/drawing/2014/main" val="10006"/>
+                  </a:ext>
+                </a:extLst>
               </a:tr>
               <a:tr h="630283">
                 <a:tc vMerge="1">
@@ -22805,6 +23231,11 @@
                   </a:txBody>
                   <a:tcPr anchor="ctr"/>
                 </a:tc>
+                <a:extLst>
+                  <a:ext uri="{0D108BD9-81ED-4DB2-BD59-A6C34878D82A}">
+                    <a16:rowId xmlns:a16="http://schemas.microsoft.com/office/drawing/2014/main" val="10007"/>
+                  </a:ext>
+                </a:extLst>
               </a:tr>
             </a:tbl>
           </a:graphicData>
@@ -23405,7 +23836,7 @@
           <p:cNvPr id="11" name="직사각형 10">
             <a:extLst>
               <a:ext uri="{FF2B5EF4-FFF2-40B4-BE49-F238E27FC236}">
-                <a16:creationId xmlns="" xmlns:a16="http://schemas.microsoft.com/office/drawing/2014/main" id="{3FA00699-5178-465A-9F3F-130CF1431F70}"/>
+                <a16:creationId xmlns:a16="http://schemas.microsoft.com/office/drawing/2014/main" id="{3FA00699-5178-465A-9F3F-130CF1431F70}"/>
               </a:ext>
             </a:extLst>
           </p:cNvPr>
@@ -23467,7 +23898,7 @@
           <p:cNvPr id="12" name="직사각형 11">
             <a:extLst>
               <a:ext uri="{FF2B5EF4-FFF2-40B4-BE49-F238E27FC236}">
-                <a16:creationId xmlns="" xmlns:a16="http://schemas.microsoft.com/office/drawing/2014/main" id="{3FA00699-5178-465A-9F3F-130CF1431F70}"/>
+                <a16:creationId xmlns:a16="http://schemas.microsoft.com/office/drawing/2014/main" id="{3FA00699-5178-465A-9F3F-130CF1431F70}"/>
               </a:ext>
             </a:extLst>
           </p:cNvPr>
@@ -23531,9 +23962,27 @@
                 <a:tableStyleId>{5940675A-B579-460E-94D1-54222C63F5DA}</a:tableStyleId>
               </a:tblPr>
               <a:tblGrid>
-                <a:gridCol w="2676480"/>
-                <a:gridCol w="2676480"/>
-                <a:gridCol w="2676480"/>
+                <a:gridCol w="2676480">
+                  <a:extLst>
+                    <a:ext uri="{9D8B030D-6E8A-4147-A177-3AD203B41FA5}">
+                      <a16:colId xmlns:a16="http://schemas.microsoft.com/office/drawing/2014/main" val="20000"/>
+                    </a:ext>
+                  </a:extLst>
+                </a:gridCol>
+                <a:gridCol w="2676480">
+                  <a:extLst>
+                    <a:ext uri="{9D8B030D-6E8A-4147-A177-3AD203B41FA5}">
+                      <a16:colId xmlns:a16="http://schemas.microsoft.com/office/drawing/2014/main" val="20001"/>
+                    </a:ext>
+                  </a:extLst>
+                </a:gridCol>
+                <a:gridCol w="2676480">
+                  <a:extLst>
+                    <a:ext uri="{9D8B030D-6E8A-4147-A177-3AD203B41FA5}">
+                      <a16:colId xmlns:a16="http://schemas.microsoft.com/office/drawing/2014/main" val="20002"/>
+                    </a:ext>
+                  </a:extLst>
+                </a:gridCol>
               </a:tblGrid>
               <a:tr h="630283">
                 <a:tc rowSpan="2">
@@ -23593,6 +24042,11 @@
                   </a:txBody>
                   <a:tcPr anchor="ctr"/>
                 </a:tc>
+                <a:extLst>
+                  <a:ext uri="{0D108BD9-81ED-4DB2-BD59-A6C34878D82A}">
+                    <a16:rowId xmlns:a16="http://schemas.microsoft.com/office/drawing/2014/main" val="10000"/>
+                  </a:ext>
+                </a:extLst>
               </a:tr>
               <a:tr h="630283">
                 <a:tc vMerge="1">
@@ -23632,6 +24086,11 @@
                   </a:txBody>
                   <a:tcPr anchor="ctr"/>
                 </a:tc>
+                <a:extLst>
+                  <a:ext uri="{0D108BD9-81ED-4DB2-BD59-A6C34878D82A}">
+                    <a16:rowId xmlns:a16="http://schemas.microsoft.com/office/drawing/2014/main" val="10001"/>
+                  </a:ext>
+                </a:extLst>
               </a:tr>
               <a:tr h="630283">
                 <a:tc rowSpan="2">
@@ -23699,6 +24158,11 @@
                   </a:txBody>
                   <a:tcPr anchor="ctr"/>
                 </a:tc>
+                <a:extLst>
+                  <a:ext uri="{0D108BD9-81ED-4DB2-BD59-A6C34878D82A}">
+                    <a16:rowId xmlns:a16="http://schemas.microsoft.com/office/drawing/2014/main" val="10002"/>
+                  </a:ext>
+                </a:extLst>
               </a:tr>
               <a:tr h="630283">
                 <a:tc vMerge="1">
@@ -23738,6 +24202,11 @@
                   </a:txBody>
                   <a:tcPr anchor="ctr"/>
                 </a:tc>
+                <a:extLst>
+                  <a:ext uri="{0D108BD9-81ED-4DB2-BD59-A6C34878D82A}">
+                    <a16:rowId xmlns:a16="http://schemas.microsoft.com/office/drawing/2014/main" val="10003"/>
+                  </a:ext>
+                </a:extLst>
               </a:tr>
               <a:tr h="630283">
                 <a:tc rowSpan="2">
@@ -23808,6 +24277,11 @@
                   </a:txBody>
                   <a:tcPr anchor="ctr"/>
                 </a:tc>
+                <a:extLst>
+                  <a:ext uri="{0D108BD9-81ED-4DB2-BD59-A6C34878D82A}">
+                    <a16:rowId xmlns:a16="http://schemas.microsoft.com/office/drawing/2014/main" val="10004"/>
+                  </a:ext>
+                </a:extLst>
               </a:tr>
               <a:tr h="630283">
                 <a:tc vMerge="1">
@@ -23847,6 +24321,11 @@
                   </a:txBody>
                   <a:tcPr anchor="ctr"/>
                 </a:tc>
+                <a:extLst>
+                  <a:ext uri="{0D108BD9-81ED-4DB2-BD59-A6C34878D82A}">
+                    <a16:rowId xmlns:a16="http://schemas.microsoft.com/office/drawing/2014/main" val="10005"/>
+                  </a:ext>
+                </a:extLst>
               </a:tr>
               <a:tr h="630283">
                 <a:tc rowSpan="2">
@@ -23914,6 +24393,11 @@
                   </a:txBody>
                   <a:tcPr anchor="ctr"/>
                 </a:tc>
+                <a:extLst>
+                  <a:ext uri="{0D108BD9-81ED-4DB2-BD59-A6C34878D82A}">
+                    <a16:rowId xmlns:a16="http://schemas.microsoft.com/office/drawing/2014/main" val="10006"/>
+                  </a:ext>
+                </a:extLst>
               </a:tr>
               <a:tr h="630283">
                 <a:tc vMerge="1">
@@ -23953,6 +24437,11 @@
                   </a:txBody>
                   <a:tcPr anchor="ctr"/>
                 </a:tc>
+                <a:extLst>
+                  <a:ext uri="{0D108BD9-81ED-4DB2-BD59-A6C34878D82A}">
+                    <a16:rowId xmlns:a16="http://schemas.microsoft.com/office/drawing/2014/main" val="10007"/>
+                  </a:ext>
+                </a:extLst>
               </a:tr>
             </a:tbl>
           </a:graphicData>
@@ -24553,7 +25042,7 @@
           <p:cNvPr id="25" name="직사각형 24">
             <a:extLst>
               <a:ext uri="{FF2B5EF4-FFF2-40B4-BE49-F238E27FC236}">
-                <a16:creationId xmlns="" xmlns:a16="http://schemas.microsoft.com/office/drawing/2014/main" id="{3FA00699-5178-465A-9F3F-130CF1431F70}"/>
+                <a16:creationId xmlns:a16="http://schemas.microsoft.com/office/drawing/2014/main" id="{3FA00699-5178-465A-9F3F-130CF1431F70}"/>
               </a:ext>
             </a:extLst>
           </p:cNvPr>
@@ -24819,7 +25308,7 @@
           <p:cNvPr id="30" name="직사각형 29">
             <a:extLst>
               <a:ext uri="{FF2B5EF4-FFF2-40B4-BE49-F238E27FC236}">
-                <a16:creationId xmlns="" xmlns:a16="http://schemas.microsoft.com/office/drawing/2014/main" id="{3FA00699-5178-465A-9F3F-130CF1431F70}"/>
+                <a16:creationId xmlns:a16="http://schemas.microsoft.com/office/drawing/2014/main" id="{3FA00699-5178-465A-9F3F-130CF1431F70}"/>
               </a:ext>
             </a:extLst>
           </p:cNvPr>
@@ -25138,7 +25627,7 @@
           <p:cNvPr id="14" name="직사각형 13">
             <a:extLst>
               <a:ext uri="{FF2B5EF4-FFF2-40B4-BE49-F238E27FC236}">
-                <a16:creationId xmlns="" xmlns:a16="http://schemas.microsoft.com/office/drawing/2014/main" id="{3FA00699-5178-465A-9F3F-130CF1431F70}"/>
+                <a16:creationId xmlns:a16="http://schemas.microsoft.com/office/drawing/2014/main" id="{3FA00699-5178-465A-9F3F-130CF1431F70}"/>
               </a:ext>
             </a:extLst>
           </p:cNvPr>
@@ -25185,7 +25674,7 @@
           <p:cNvPr id="16" name="직사각형 15">
             <a:extLst>
               <a:ext uri="{FF2B5EF4-FFF2-40B4-BE49-F238E27FC236}">
-                <a16:creationId xmlns="" xmlns:a16="http://schemas.microsoft.com/office/drawing/2014/main" id="{3FA00699-5178-465A-9F3F-130CF1431F70}"/>
+                <a16:creationId xmlns:a16="http://schemas.microsoft.com/office/drawing/2014/main" id="{3FA00699-5178-465A-9F3F-130CF1431F70}"/>
               </a:ext>
             </a:extLst>
           </p:cNvPr>
@@ -25277,10 +25766,34 @@
                 <a:tableStyleId>{5940675A-B579-460E-94D1-54222C63F5DA}</a:tableStyleId>
               </a:tblPr>
               <a:tblGrid>
-                <a:gridCol w="1784304"/>
-                <a:gridCol w="1784304"/>
-                <a:gridCol w="1784304"/>
-                <a:gridCol w="1784304"/>
+                <a:gridCol w="1784304">
+                  <a:extLst>
+                    <a:ext uri="{9D8B030D-6E8A-4147-A177-3AD203B41FA5}">
+                      <a16:colId xmlns:a16="http://schemas.microsoft.com/office/drawing/2014/main" val="20000"/>
+                    </a:ext>
+                  </a:extLst>
+                </a:gridCol>
+                <a:gridCol w="1784304">
+                  <a:extLst>
+                    <a:ext uri="{9D8B030D-6E8A-4147-A177-3AD203B41FA5}">
+                      <a16:colId xmlns:a16="http://schemas.microsoft.com/office/drawing/2014/main" val="20001"/>
+                    </a:ext>
+                  </a:extLst>
+                </a:gridCol>
+                <a:gridCol w="1784304">
+                  <a:extLst>
+                    <a:ext uri="{9D8B030D-6E8A-4147-A177-3AD203B41FA5}">
+                      <a16:colId xmlns:a16="http://schemas.microsoft.com/office/drawing/2014/main" val="20002"/>
+                    </a:ext>
+                  </a:extLst>
+                </a:gridCol>
+                <a:gridCol w="1784304">
+                  <a:extLst>
+                    <a:ext uri="{9D8B030D-6E8A-4147-A177-3AD203B41FA5}">
+                      <a16:colId xmlns:a16="http://schemas.microsoft.com/office/drawing/2014/main" val="20003"/>
+                    </a:ext>
+                  </a:extLst>
+                </a:gridCol>
               </a:tblGrid>
               <a:tr h="768096">
                 <a:tc>
@@ -25349,6 +25862,11 @@
                   </a:txBody>
                   <a:tcPr anchor="ctr"/>
                 </a:tc>
+                <a:extLst>
+                  <a:ext uri="{0D108BD9-81ED-4DB2-BD59-A6C34878D82A}">
+                    <a16:rowId xmlns:a16="http://schemas.microsoft.com/office/drawing/2014/main" val="10000"/>
+                  </a:ext>
+                </a:extLst>
               </a:tr>
               <a:tr h="768096">
                 <a:tc>
@@ -25417,6 +25935,11 @@
                   </a:txBody>
                   <a:tcPr anchor="ctr"/>
                 </a:tc>
+                <a:extLst>
+                  <a:ext uri="{0D108BD9-81ED-4DB2-BD59-A6C34878D82A}">
+                    <a16:rowId xmlns:a16="http://schemas.microsoft.com/office/drawing/2014/main" val="10001"/>
+                  </a:ext>
+                </a:extLst>
               </a:tr>
               <a:tr h="768096">
                 <a:tc>
@@ -25492,6 +26015,11 @@
                   </a:txBody>
                   <a:tcPr anchor="ctr"/>
                 </a:tc>
+                <a:extLst>
+                  <a:ext uri="{0D108BD9-81ED-4DB2-BD59-A6C34878D82A}">
+                    <a16:rowId xmlns:a16="http://schemas.microsoft.com/office/drawing/2014/main" val="10002"/>
+                  </a:ext>
+                </a:extLst>
               </a:tr>
               <a:tr h="768096">
                 <a:tc>
@@ -25560,6 +26088,11 @@
                   </a:txBody>
                   <a:tcPr anchor="ctr"/>
                 </a:tc>
+                <a:extLst>
+                  <a:ext uri="{0D108BD9-81ED-4DB2-BD59-A6C34878D82A}">
+                    <a16:rowId xmlns:a16="http://schemas.microsoft.com/office/drawing/2014/main" val="10003"/>
+                  </a:ext>
+                </a:extLst>
               </a:tr>
               <a:tr h="768096">
                 <a:tc>
@@ -25628,6 +26161,11 @@
                   </a:txBody>
                   <a:tcPr anchor="ctr"/>
                 </a:tc>
+                <a:extLst>
+                  <a:ext uri="{0D108BD9-81ED-4DB2-BD59-A6C34878D82A}">
+                    <a16:rowId xmlns:a16="http://schemas.microsoft.com/office/drawing/2014/main" val="10004"/>
+                  </a:ext>
+                </a:extLst>
               </a:tr>
               <a:tr h="768096">
                 <a:tc>
@@ -25696,6 +26234,11 @@
                   </a:txBody>
                   <a:tcPr anchor="ctr"/>
                 </a:tc>
+                <a:extLst>
+                  <a:ext uri="{0D108BD9-81ED-4DB2-BD59-A6C34878D82A}">
+                    <a16:rowId xmlns:a16="http://schemas.microsoft.com/office/drawing/2014/main" val="10005"/>
+                  </a:ext>
+                </a:extLst>
               </a:tr>
             </a:tbl>
           </a:graphicData>
@@ -25779,6 +26322,114 @@
           <a:prstGeom prst="frame">
             <a:avLst>
               <a:gd name="adj1" fmla="val 3903"/>
+            </a:avLst>
+          </a:prstGeom>
+          <a:solidFill>
+            <a:srgbClr val="FF0000"/>
+          </a:solidFill>
+          <a:ln>
+            <a:solidFill>
+              <a:srgbClr val="FF0000"/>
+            </a:solidFill>
+          </a:ln>
+        </p:spPr>
+        <p:style>
+          <a:lnRef idx="2">
+            <a:schemeClr val="accent1">
+              <a:shade val="50000"/>
+            </a:schemeClr>
+          </a:lnRef>
+          <a:fillRef idx="1">
+            <a:schemeClr val="accent1"/>
+          </a:fillRef>
+          <a:effectRef idx="0">
+            <a:schemeClr val="accent1"/>
+          </a:effectRef>
+          <a:fontRef idx="minor">
+            <a:schemeClr val="lt1"/>
+          </a:fontRef>
+        </p:style>
+        <p:txBody>
+          <a:bodyPr rtlCol="0" anchor="ctr"/>
+          <a:lstStyle/>
+          <a:p>
+            <a:pPr algn="ctr"/>
+            <a:endParaRPr lang="ko-KR" altLang="en-US">
+              <a:solidFill>
+                <a:schemeClr val="tx1"/>
+              </a:solidFill>
+            </a:endParaRPr>
+          </a:p>
+        </p:txBody>
+      </p:sp>
+      <p:sp>
+        <p:nvSpPr>
+          <p:cNvPr id="10" name="액자 9"/>
+          <p:cNvSpPr/>
+          <p:nvPr/>
+        </p:nvSpPr>
+        <p:spPr>
+          <a:xfrm>
+            <a:off x="4275782" y="2165130"/>
+            <a:ext cx="7317130" cy="991405"/>
+          </a:xfrm>
+          <a:prstGeom prst="frame">
+            <a:avLst>
+              <a:gd name="adj1" fmla="val 2163"/>
+            </a:avLst>
+          </a:prstGeom>
+          <a:solidFill>
+            <a:srgbClr val="FF0000"/>
+          </a:solidFill>
+          <a:ln>
+            <a:solidFill>
+              <a:srgbClr val="FF0000"/>
+            </a:solidFill>
+          </a:ln>
+        </p:spPr>
+        <p:style>
+          <a:lnRef idx="2">
+            <a:schemeClr val="accent1">
+              <a:shade val="50000"/>
+            </a:schemeClr>
+          </a:lnRef>
+          <a:fillRef idx="1">
+            <a:schemeClr val="accent1"/>
+          </a:fillRef>
+          <a:effectRef idx="0">
+            <a:schemeClr val="accent1"/>
+          </a:effectRef>
+          <a:fontRef idx="minor">
+            <a:schemeClr val="lt1"/>
+          </a:fontRef>
+        </p:style>
+        <p:txBody>
+          <a:bodyPr rtlCol="0" anchor="ctr"/>
+          <a:lstStyle/>
+          <a:p>
+            <a:pPr algn="ctr"/>
+            <a:endParaRPr lang="ko-KR" altLang="en-US">
+              <a:solidFill>
+                <a:schemeClr val="tx1"/>
+              </a:solidFill>
+            </a:endParaRPr>
+          </a:p>
+        </p:txBody>
+      </p:sp>
+      <p:sp>
+        <p:nvSpPr>
+          <p:cNvPr id="11" name="액자 10"/>
+          <p:cNvSpPr/>
+          <p:nvPr/>
+        </p:nvSpPr>
+        <p:spPr>
+          <a:xfrm>
+            <a:off x="4248696" y="4422020"/>
+            <a:ext cx="7344216" cy="1859670"/>
+          </a:xfrm>
+          <a:prstGeom prst="frame">
+            <a:avLst>
+              <a:gd name="adj1" fmla="val 1033"/>
             </a:avLst>
           </a:prstGeom>
           <a:solidFill>
@@ -26007,7 +26658,7 @@
           <p:cNvPr id="15" name="직사각형 14">
             <a:extLst>
               <a:ext uri="{FF2B5EF4-FFF2-40B4-BE49-F238E27FC236}">
-                <a16:creationId xmlns="" xmlns:a16="http://schemas.microsoft.com/office/drawing/2014/main" id="{3FA00699-5178-465A-9F3F-130CF1431F70}"/>
+                <a16:creationId xmlns:a16="http://schemas.microsoft.com/office/drawing/2014/main" id="{3FA00699-5178-465A-9F3F-130CF1431F70}"/>
               </a:ext>
             </a:extLst>
           </p:cNvPr>
@@ -26054,7 +26705,7 @@
           <p:cNvPr id="20" name="직사각형 19">
             <a:extLst>
               <a:ext uri="{FF2B5EF4-FFF2-40B4-BE49-F238E27FC236}">
-                <a16:creationId xmlns="" xmlns:a16="http://schemas.microsoft.com/office/drawing/2014/main" id="{3FA00699-5178-465A-9F3F-130CF1431F70}"/>
+                <a16:creationId xmlns:a16="http://schemas.microsoft.com/office/drawing/2014/main" id="{3FA00699-5178-465A-9F3F-130CF1431F70}"/>
               </a:ext>
             </a:extLst>
           </p:cNvPr>
@@ -26146,9 +26797,27 @@
                 <a:tableStyleId>{5940675A-B579-460E-94D1-54222C63F5DA}</a:tableStyleId>
               </a:tblPr>
               <a:tblGrid>
-                <a:gridCol w="1575298"/>
-                <a:gridCol w="1575298"/>
-                <a:gridCol w="1575298"/>
+                <a:gridCol w="1575298">
+                  <a:extLst>
+                    <a:ext uri="{9D8B030D-6E8A-4147-A177-3AD203B41FA5}">
+                      <a16:colId xmlns:a16="http://schemas.microsoft.com/office/drawing/2014/main" val="20000"/>
+                    </a:ext>
+                  </a:extLst>
+                </a:gridCol>
+                <a:gridCol w="1575298">
+                  <a:extLst>
+                    <a:ext uri="{9D8B030D-6E8A-4147-A177-3AD203B41FA5}">
+                      <a16:colId xmlns:a16="http://schemas.microsoft.com/office/drawing/2014/main" val="20001"/>
+                    </a:ext>
+                  </a:extLst>
+                </a:gridCol>
+                <a:gridCol w="1575298">
+                  <a:extLst>
+                    <a:ext uri="{9D8B030D-6E8A-4147-A177-3AD203B41FA5}">
+                      <a16:colId xmlns:a16="http://schemas.microsoft.com/office/drawing/2014/main" val="20002"/>
+                    </a:ext>
+                  </a:extLst>
+                </a:gridCol>
               </a:tblGrid>
               <a:tr h="732391">
                 <a:tc>
@@ -26202,6 +26871,11 @@
                   </a:txBody>
                   <a:tcPr anchor="ctr"/>
                 </a:tc>
+                <a:extLst>
+                  <a:ext uri="{0D108BD9-81ED-4DB2-BD59-A6C34878D82A}">
+                    <a16:rowId xmlns:a16="http://schemas.microsoft.com/office/drawing/2014/main" val="10000"/>
+                  </a:ext>
+                </a:extLst>
               </a:tr>
               <a:tr h="732391">
                 <a:tc>
@@ -26255,6 +26929,11 @@
                   </a:txBody>
                   <a:tcPr anchor="ctr"/>
                 </a:tc>
+                <a:extLst>
+                  <a:ext uri="{0D108BD9-81ED-4DB2-BD59-A6C34878D82A}">
+                    <a16:rowId xmlns:a16="http://schemas.microsoft.com/office/drawing/2014/main" val="10001"/>
+                  </a:ext>
+                </a:extLst>
               </a:tr>
               <a:tr h="732391">
                 <a:tc>
@@ -26316,6 +26995,11 @@
                   </a:txBody>
                   <a:tcPr anchor="ctr"/>
                 </a:tc>
+                <a:extLst>
+                  <a:ext uri="{0D108BD9-81ED-4DB2-BD59-A6C34878D82A}">
+                    <a16:rowId xmlns:a16="http://schemas.microsoft.com/office/drawing/2014/main" val="10002"/>
+                  </a:ext>
+                </a:extLst>
               </a:tr>
               <a:tr h="732391">
                 <a:tc>
@@ -26369,6 +27053,11 @@
                   </a:txBody>
                   <a:tcPr anchor="ctr"/>
                 </a:tc>
+                <a:extLst>
+                  <a:ext uri="{0D108BD9-81ED-4DB2-BD59-A6C34878D82A}">
+                    <a16:rowId xmlns:a16="http://schemas.microsoft.com/office/drawing/2014/main" val="10003"/>
+                  </a:ext>
+                </a:extLst>
               </a:tr>
               <a:tr h="732391">
                 <a:tc>
@@ -26422,6 +27111,11 @@
                   </a:txBody>
                   <a:tcPr anchor="ctr"/>
                 </a:tc>
+                <a:extLst>
+                  <a:ext uri="{0D108BD9-81ED-4DB2-BD59-A6C34878D82A}">
+                    <a16:rowId xmlns:a16="http://schemas.microsoft.com/office/drawing/2014/main" val="10004"/>
+                  </a:ext>
+                </a:extLst>
               </a:tr>
               <a:tr h="732391">
                 <a:tc>
@@ -26475,6 +27169,11 @@
                   </a:txBody>
                   <a:tcPr anchor="ctr"/>
                 </a:tc>
+                <a:extLst>
+                  <a:ext uri="{0D108BD9-81ED-4DB2-BD59-A6C34878D82A}">
+                    <a16:rowId xmlns:a16="http://schemas.microsoft.com/office/drawing/2014/main" val="10005"/>
+                  </a:ext>
+                </a:extLst>
               </a:tr>
             </a:tbl>
           </a:graphicData>
@@ -26780,6 +27479,114 @@
           </a:p>
         </p:txBody>
       </p:sp>
+      <p:sp>
+        <p:nvSpPr>
+          <p:cNvPr id="13" name="액자 12"/>
+          <p:cNvSpPr/>
+          <p:nvPr/>
+        </p:nvSpPr>
+        <p:spPr>
+          <a:xfrm>
+            <a:off x="6957848" y="2171802"/>
+            <a:ext cx="4939864" cy="991405"/>
+          </a:xfrm>
+          <a:prstGeom prst="frame">
+            <a:avLst>
+              <a:gd name="adj1" fmla="val 2163"/>
+            </a:avLst>
+          </a:prstGeom>
+          <a:solidFill>
+            <a:srgbClr val="FF0000"/>
+          </a:solidFill>
+          <a:ln>
+            <a:solidFill>
+              <a:srgbClr val="FF0000"/>
+            </a:solidFill>
+          </a:ln>
+        </p:spPr>
+        <p:style>
+          <a:lnRef idx="2">
+            <a:schemeClr val="accent1">
+              <a:shade val="50000"/>
+            </a:schemeClr>
+          </a:lnRef>
+          <a:fillRef idx="1">
+            <a:schemeClr val="accent1"/>
+          </a:fillRef>
+          <a:effectRef idx="0">
+            <a:schemeClr val="accent1"/>
+          </a:effectRef>
+          <a:fontRef idx="minor">
+            <a:schemeClr val="lt1"/>
+          </a:fontRef>
+        </p:style>
+        <p:txBody>
+          <a:bodyPr rtlCol="0" anchor="ctr"/>
+          <a:lstStyle/>
+          <a:p>
+            <a:pPr algn="ctr"/>
+            <a:endParaRPr lang="ko-KR" altLang="en-US">
+              <a:solidFill>
+                <a:schemeClr val="tx1"/>
+              </a:solidFill>
+            </a:endParaRPr>
+          </a:p>
+        </p:txBody>
+      </p:sp>
+      <p:sp>
+        <p:nvSpPr>
+          <p:cNvPr id="14" name="액자 13"/>
+          <p:cNvSpPr/>
+          <p:nvPr/>
+        </p:nvSpPr>
+        <p:spPr>
+          <a:xfrm>
+            <a:off x="6957847" y="4435717"/>
+            <a:ext cx="4939865" cy="1629562"/>
+          </a:xfrm>
+          <a:prstGeom prst="frame">
+            <a:avLst>
+              <a:gd name="adj1" fmla="val 1033"/>
+            </a:avLst>
+          </a:prstGeom>
+          <a:solidFill>
+            <a:srgbClr val="FF0000"/>
+          </a:solidFill>
+          <a:ln>
+            <a:solidFill>
+              <a:srgbClr val="FF0000"/>
+            </a:solidFill>
+          </a:ln>
+        </p:spPr>
+        <p:style>
+          <a:lnRef idx="2">
+            <a:schemeClr val="accent1">
+              <a:shade val="50000"/>
+            </a:schemeClr>
+          </a:lnRef>
+          <a:fillRef idx="1">
+            <a:schemeClr val="accent1"/>
+          </a:fillRef>
+          <a:effectRef idx="0">
+            <a:schemeClr val="accent1"/>
+          </a:effectRef>
+          <a:fontRef idx="minor">
+            <a:schemeClr val="lt1"/>
+          </a:fontRef>
+        </p:style>
+        <p:txBody>
+          <a:bodyPr rtlCol="0" anchor="ctr"/>
+          <a:lstStyle/>
+          <a:p>
+            <a:pPr algn="ctr"/>
+            <a:endParaRPr lang="ko-KR" altLang="en-US">
+              <a:solidFill>
+                <a:schemeClr val="tx1"/>
+              </a:solidFill>
+            </a:endParaRPr>
+          </a:p>
+        </p:txBody>
+      </p:sp>
     </p:spTree>
     <p:extLst>
       <p:ext uri="{BB962C8B-B14F-4D97-AF65-F5344CB8AC3E}">
@@ -26968,7 +27775,7 @@
           <p:cNvPr id="15" name="직사각형 14">
             <a:extLst>
               <a:ext uri="{FF2B5EF4-FFF2-40B4-BE49-F238E27FC236}">
-                <a16:creationId xmlns="" xmlns:a16="http://schemas.microsoft.com/office/drawing/2014/main" id="{3FA00699-5178-465A-9F3F-130CF1431F70}"/>
+                <a16:creationId xmlns:a16="http://schemas.microsoft.com/office/drawing/2014/main" id="{3FA00699-5178-465A-9F3F-130CF1431F70}"/>
               </a:ext>
             </a:extLst>
           </p:cNvPr>
@@ -27020,7 +27827,7 @@
           <p:cNvPr id="20" name="직사각형 19">
             <a:extLst>
               <a:ext uri="{FF2B5EF4-FFF2-40B4-BE49-F238E27FC236}">
-                <a16:creationId xmlns="" xmlns:a16="http://schemas.microsoft.com/office/drawing/2014/main" id="{3FA00699-5178-465A-9F3F-130CF1431F70}"/>
+                <a16:creationId xmlns:a16="http://schemas.microsoft.com/office/drawing/2014/main" id="{3FA00699-5178-465A-9F3F-130CF1431F70}"/>
               </a:ext>
             </a:extLst>
           </p:cNvPr>
@@ -27304,11 +28111,41 @@
                 <a:tableStyleId>{5940675A-B579-460E-94D1-54222C63F5DA}</a:tableStyleId>
               </a:tblPr>
               <a:tblGrid>
-                <a:gridCol w="1087701"/>
-                <a:gridCol w="1087701"/>
-                <a:gridCol w="1087701"/>
-                <a:gridCol w="1087701"/>
-                <a:gridCol w="1087701"/>
+                <a:gridCol w="1087701">
+                  <a:extLst>
+                    <a:ext uri="{9D8B030D-6E8A-4147-A177-3AD203B41FA5}">
+                      <a16:colId xmlns:a16="http://schemas.microsoft.com/office/drawing/2014/main" val="20000"/>
+                    </a:ext>
+                  </a:extLst>
+                </a:gridCol>
+                <a:gridCol w="1087701">
+                  <a:extLst>
+                    <a:ext uri="{9D8B030D-6E8A-4147-A177-3AD203B41FA5}">
+                      <a16:colId xmlns:a16="http://schemas.microsoft.com/office/drawing/2014/main" val="20001"/>
+                    </a:ext>
+                  </a:extLst>
+                </a:gridCol>
+                <a:gridCol w="1087701">
+                  <a:extLst>
+                    <a:ext uri="{9D8B030D-6E8A-4147-A177-3AD203B41FA5}">
+                      <a16:colId xmlns:a16="http://schemas.microsoft.com/office/drawing/2014/main" val="20002"/>
+                    </a:ext>
+                  </a:extLst>
+                </a:gridCol>
+                <a:gridCol w="1087701">
+                  <a:extLst>
+                    <a:ext uri="{9D8B030D-6E8A-4147-A177-3AD203B41FA5}">
+                      <a16:colId xmlns:a16="http://schemas.microsoft.com/office/drawing/2014/main" val="20003"/>
+                    </a:ext>
+                  </a:extLst>
+                </a:gridCol>
+                <a:gridCol w="1087701">
+                  <a:extLst>
+                    <a:ext uri="{9D8B030D-6E8A-4147-A177-3AD203B41FA5}">
+                      <a16:colId xmlns:a16="http://schemas.microsoft.com/office/drawing/2014/main" val="20004"/>
+                    </a:ext>
+                  </a:extLst>
+                </a:gridCol>
               </a:tblGrid>
               <a:tr h="613065">
                 <a:tc>
@@ -27392,6 +28229,11 @@
                   </a:txBody>
                   <a:tcPr anchor="ctr"/>
                 </a:tc>
+                <a:extLst>
+                  <a:ext uri="{0D108BD9-81ED-4DB2-BD59-A6C34878D82A}">
+                    <a16:rowId xmlns:a16="http://schemas.microsoft.com/office/drawing/2014/main" val="10000"/>
+                  </a:ext>
+                </a:extLst>
               </a:tr>
               <a:tr h="613065">
                 <a:tc>
@@ -27475,6 +28317,11 @@
                   </a:txBody>
                   <a:tcPr anchor="ctr"/>
                 </a:tc>
+                <a:extLst>
+                  <a:ext uri="{0D108BD9-81ED-4DB2-BD59-A6C34878D82A}">
+                    <a16:rowId xmlns:a16="http://schemas.microsoft.com/office/drawing/2014/main" val="10001"/>
+                  </a:ext>
+                </a:extLst>
               </a:tr>
               <a:tr h="613065">
                 <a:tc>
@@ -27565,6 +28412,11 @@
                   </a:txBody>
                   <a:tcPr anchor="ctr"/>
                 </a:tc>
+                <a:extLst>
+                  <a:ext uri="{0D108BD9-81ED-4DB2-BD59-A6C34878D82A}">
+                    <a16:rowId xmlns:a16="http://schemas.microsoft.com/office/drawing/2014/main" val="10002"/>
+                  </a:ext>
+                </a:extLst>
               </a:tr>
               <a:tr h="613065">
                 <a:tc>
@@ -27656,6 +28508,11 @@
                   </a:txBody>
                   <a:tcPr anchor="ctr"/>
                 </a:tc>
+                <a:extLst>
+                  <a:ext uri="{0D108BD9-81ED-4DB2-BD59-A6C34878D82A}">
+                    <a16:rowId xmlns:a16="http://schemas.microsoft.com/office/drawing/2014/main" val="10003"/>
+                  </a:ext>
+                </a:extLst>
               </a:tr>
               <a:tr h="613065">
                 <a:tc>
@@ -27747,6 +28604,11 @@
                   </a:txBody>
                   <a:tcPr anchor="ctr"/>
                 </a:tc>
+                <a:extLst>
+                  <a:ext uri="{0D108BD9-81ED-4DB2-BD59-A6C34878D82A}">
+                    <a16:rowId xmlns:a16="http://schemas.microsoft.com/office/drawing/2014/main" val="10004"/>
+                  </a:ext>
+                </a:extLst>
               </a:tr>
               <a:tr h="613065">
                 <a:tc>
@@ -27838,6 +28700,11 @@
                   </a:txBody>
                   <a:tcPr anchor="ctr"/>
                 </a:tc>
+                <a:extLst>
+                  <a:ext uri="{0D108BD9-81ED-4DB2-BD59-A6C34878D82A}">
+                    <a16:rowId xmlns:a16="http://schemas.microsoft.com/office/drawing/2014/main" val="10005"/>
+                  </a:ext>
+                </a:extLst>
               </a:tr>
             </a:tbl>
           </a:graphicData>
@@ -27921,6 +28788,114 @@
           <a:prstGeom prst="frame">
             <a:avLst>
               <a:gd name="adj1" fmla="val 2154"/>
+            </a:avLst>
+          </a:prstGeom>
+          <a:solidFill>
+            <a:srgbClr val="FF0000"/>
+          </a:solidFill>
+          <a:ln>
+            <a:solidFill>
+              <a:srgbClr val="FF0000"/>
+            </a:solidFill>
+          </a:ln>
+        </p:spPr>
+        <p:style>
+          <a:lnRef idx="2">
+            <a:schemeClr val="accent1">
+              <a:shade val="50000"/>
+            </a:schemeClr>
+          </a:lnRef>
+          <a:fillRef idx="1">
+            <a:schemeClr val="accent1"/>
+          </a:fillRef>
+          <a:effectRef idx="0">
+            <a:schemeClr val="accent1"/>
+          </a:effectRef>
+          <a:fontRef idx="minor">
+            <a:schemeClr val="lt1"/>
+          </a:fontRef>
+        </p:style>
+        <p:txBody>
+          <a:bodyPr rtlCol="0" anchor="ctr"/>
+          <a:lstStyle/>
+          <a:p>
+            <a:pPr algn="ctr"/>
+            <a:endParaRPr lang="ko-KR" altLang="en-US">
+              <a:solidFill>
+                <a:schemeClr val="tx1"/>
+              </a:solidFill>
+            </a:endParaRPr>
+          </a:p>
+        </p:txBody>
+      </p:sp>
+      <p:sp>
+        <p:nvSpPr>
+          <p:cNvPr id="13" name="액자 12"/>
+          <p:cNvSpPr/>
+          <p:nvPr/>
+        </p:nvSpPr>
+        <p:spPr>
+          <a:xfrm>
+            <a:off x="6577559" y="2950126"/>
+            <a:ext cx="5614442" cy="795893"/>
+          </a:xfrm>
+          <a:prstGeom prst="frame">
+            <a:avLst>
+              <a:gd name="adj1" fmla="val 2163"/>
+            </a:avLst>
+          </a:prstGeom>
+          <a:solidFill>
+            <a:srgbClr val="FF0000"/>
+          </a:solidFill>
+          <a:ln>
+            <a:solidFill>
+              <a:srgbClr val="FF0000"/>
+            </a:solidFill>
+          </a:ln>
+        </p:spPr>
+        <p:style>
+          <a:lnRef idx="2">
+            <a:schemeClr val="accent1">
+              <a:shade val="50000"/>
+            </a:schemeClr>
+          </a:lnRef>
+          <a:fillRef idx="1">
+            <a:schemeClr val="accent1"/>
+          </a:fillRef>
+          <a:effectRef idx="0">
+            <a:schemeClr val="accent1"/>
+          </a:effectRef>
+          <a:fontRef idx="minor">
+            <a:schemeClr val="lt1"/>
+          </a:fontRef>
+        </p:style>
+        <p:txBody>
+          <a:bodyPr rtlCol="0" anchor="ctr"/>
+          <a:lstStyle/>
+          <a:p>
+            <a:pPr algn="ctr"/>
+            <a:endParaRPr lang="ko-KR" altLang="en-US">
+              <a:solidFill>
+                <a:schemeClr val="tx1"/>
+              </a:solidFill>
+            </a:endParaRPr>
+          </a:p>
+        </p:txBody>
+      </p:sp>
+      <p:sp>
+        <p:nvSpPr>
+          <p:cNvPr id="14" name="액자 13"/>
+          <p:cNvSpPr/>
+          <p:nvPr/>
+        </p:nvSpPr>
+        <p:spPr>
+          <a:xfrm>
+            <a:off x="6577559" y="4202797"/>
+            <a:ext cx="5614442" cy="1941130"/>
+          </a:xfrm>
+          <a:prstGeom prst="frame">
+            <a:avLst>
+              <a:gd name="adj1" fmla="val 1033"/>
             </a:avLst>
           </a:prstGeom>
           <a:solidFill>
@@ -28149,7 +29124,7 @@
           <p:cNvPr id="15" name="직사각형 14">
             <a:extLst>
               <a:ext uri="{FF2B5EF4-FFF2-40B4-BE49-F238E27FC236}">
-                <a16:creationId xmlns="" xmlns:a16="http://schemas.microsoft.com/office/drawing/2014/main" id="{3FA00699-5178-465A-9F3F-130CF1431F70}"/>
+                <a16:creationId xmlns:a16="http://schemas.microsoft.com/office/drawing/2014/main" id="{3FA00699-5178-465A-9F3F-130CF1431F70}"/>
               </a:ext>
             </a:extLst>
           </p:cNvPr>
@@ -28201,7 +29176,7 @@
           <p:cNvPr id="20" name="직사각형 19">
             <a:extLst>
               <a:ext uri="{FF2B5EF4-FFF2-40B4-BE49-F238E27FC236}">
-                <a16:creationId xmlns="" xmlns:a16="http://schemas.microsoft.com/office/drawing/2014/main" id="{3FA00699-5178-465A-9F3F-130CF1431F70}"/>
+                <a16:creationId xmlns:a16="http://schemas.microsoft.com/office/drawing/2014/main" id="{3FA00699-5178-465A-9F3F-130CF1431F70}"/>
               </a:ext>
             </a:extLst>
           </p:cNvPr>
@@ -28293,10 +29268,34 @@
                 <a:tableStyleId>{5940675A-B579-460E-94D1-54222C63F5DA}</a:tableStyleId>
               </a:tblPr>
               <a:tblGrid>
-                <a:gridCol w="1087701"/>
-                <a:gridCol w="1087701"/>
-                <a:gridCol w="1087701"/>
-                <a:gridCol w="1087701"/>
+                <a:gridCol w="1087701">
+                  <a:extLst>
+                    <a:ext uri="{9D8B030D-6E8A-4147-A177-3AD203B41FA5}">
+                      <a16:colId xmlns:a16="http://schemas.microsoft.com/office/drawing/2014/main" val="20000"/>
+                    </a:ext>
+                  </a:extLst>
+                </a:gridCol>
+                <a:gridCol w="1087701">
+                  <a:extLst>
+                    <a:ext uri="{9D8B030D-6E8A-4147-A177-3AD203B41FA5}">
+                      <a16:colId xmlns:a16="http://schemas.microsoft.com/office/drawing/2014/main" val="20001"/>
+                    </a:ext>
+                  </a:extLst>
+                </a:gridCol>
+                <a:gridCol w="1087701">
+                  <a:extLst>
+                    <a:ext uri="{9D8B030D-6E8A-4147-A177-3AD203B41FA5}">
+                      <a16:colId xmlns:a16="http://schemas.microsoft.com/office/drawing/2014/main" val="20002"/>
+                    </a:ext>
+                  </a:extLst>
+                </a:gridCol>
+                <a:gridCol w="1087701">
+                  <a:extLst>
+                    <a:ext uri="{9D8B030D-6E8A-4147-A177-3AD203B41FA5}">
+                      <a16:colId xmlns:a16="http://schemas.microsoft.com/office/drawing/2014/main" val="20003"/>
+                    </a:ext>
+                  </a:extLst>
+                </a:gridCol>
               </a:tblGrid>
               <a:tr h="613065">
                 <a:tc>
@@ -28365,6 +29364,11 @@
                   </a:txBody>
                   <a:tcPr anchor="ctr"/>
                 </a:tc>
+                <a:extLst>
+                  <a:ext uri="{0D108BD9-81ED-4DB2-BD59-A6C34878D82A}">
+                    <a16:rowId xmlns:a16="http://schemas.microsoft.com/office/drawing/2014/main" val="10000"/>
+                  </a:ext>
+                </a:extLst>
               </a:tr>
               <a:tr h="613065">
                 <a:tc>
@@ -28433,6 +29437,11 @@
                   </a:txBody>
                   <a:tcPr anchor="ctr"/>
                 </a:tc>
+                <a:extLst>
+                  <a:ext uri="{0D108BD9-81ED-4DB2-BD59-A6C34878D82A}">
+                    <a16:rowId xmlns:a16="http://schemas.microsoft.com/office/drawing/2014/main" val="10001"/>
+                  </a:ext>
+                </a:extLst>
               </a:tr>
               <a:tr h="613065">
                 <a:tc>
@@ -28508,6 +29517,11 @@
                   </a:txBody>
                   <a:tcPr anchor="ctr"/>
                 </a:tc>
+                <a:extLst>
+                  <a:ext uri="{0D108BD9-81ED-4DB2-BD59-A6C34878D82A}">
+                    <a16:rowId xmlns:a16="http://schemas.microsoft.com/office/drawing/2014/main" val="10002"/>
+                  </a:ext>
+                </a:extLst>
               </a:tr>
               <a:tr h="613065">
                 <a:tc>
@@ -28584,6 +29598,11 @@
                   </a:txBody>
                   <a:tcPr anchor="ctr"/>
                 </a:tc>
+                <a:extLst>
+                  <a:ext uri="{0D108BD9-81ED-4DB2-BD59-A6C34878D82A}">
+                    <a16:rowId xmlns:a16="http://schemas.microsoft.com/office/drawing/2014/main" val="10003"/>
+                  </a:ext>
+                </a:extLst>
               </a:tr>
               <a:tr h="613065">
                 <a:tc>
@@ -28660,6 +29679,11 @@
                   </a:txBody>
                   <a:tcPr anchor="ctr"/>
                 </a:tc>
+                <a:extLst>
+                  <a:ext uri="{0D108BD9-81ED-4DB2-BD59-A6C34878D82A}">
+                    <a16:rowId xmlns:a16="http://schemas.microsoft.com/office/drawing/2014/main" val="10004"/>
+                  </a:ext>
+                </a:extLst>
               </a:tr>
               <a:tr h="613065">
                 <a:tc>
@@ -28736,6 +29760,11 @@
                   </a:txBody>
                   <a:tcPr anchor="ctr"/>
                 </a:tc>
+                <a:extLst>
+                  <a:ext uri="{0D108BD9-81ED-4DB2-BD59-A6C34878D82A}">
+                    <a16:rowId xmlns:a16="http://schemas.microsoft.com/office/drawing/2014/main" val="10005"/>
+                  </a:ext>
+                </a:extLst>
               </a:tr>
             </a:tbl>
           </a:graphicData>
@@ -29095,6 +30124,114 @@
           </a:p>
         </p:txBody>
       </p:sp>
+      <p:sp>
+        <p:nvSpPr>
+          <p:cNvPr id="14" name="액자 13"/>
+          <p:cNvSpPr/>
+          <p:nvPr/>
+        </p:nvSpPr>
+        <p:spPr>
+          <a:xfrm>
+            <a:off x="6936828" y="2343808"/>
+            <a:ext cx="4561490" cy="781197"/>
+          </a:xfrm>
+          <a:prstGeom prst="frame">
+            <a:avLst>
+              <a:gd name="adj1" fmla="val 2163"/>
+            </a:avLst>
+          </a:prstGeom>
+          <a:solidFill>
+            <a:srgbClr val="FF0000"/>
+          </a:solidFill>
+          <a:ln>
+            <a:solidFill>
+              <a:srgbClr val="FF0000"/>
+            </a:solidFill>
+          </a:ln>
+        </p:spPr>
+        <p:style>
+          <a:lnRef idx="2">
+            <a:schemeClr val="accent1">
+              <a:shade val="50000"/>
+            </a:schemeClr>
+          </a:lnRef>
+          <a:fillRef idx="1">
+            <a:schemeClr val="accent1"/>
+          </a:fillRef>
+          <a:effectRef idx="0">
+            <a:schemeClr val="accent1"/>
+          </a:effectRef>
+          <a:fontRef idx="minor">
+            <a:schemeClr val="lt1"/>
+          </a:fontRef>
+        </p:style>
+        <p:txBody>
+          <a:bodyPr rtlCol="0" anchor="ctr"/>
+          <a:lstStyle/>
+          <a:p>
+            <a:pPr algn="ctr"/>
+            <a:endParaRPr lang="ko-KR" altLang="en-US">
+              <a:solidFill>
+                <a:schemeClr val="tx1"/>
+              </a:solidFill>
+            </a:endParaRPr>
+          </a:p>
+        </p:txBody>
+      </p:sp>
+      <p:sp>
+        <p:nvSpPr>
+          <p:cNvPr id="17" name="액자 16"/>
+          <p:cNvSpPr/>
+          <p:nvPr/>
+        </p:nvSpPr>
+        <p:spPr>
+          <a:xfrm>
+            <a:off x="6936828" y="4161013"/>
+            <a:ext cx="4561490" cy="1435002"/>
+          </a:xfrm>
+          <a:prstGeom prst="frame">
+            <a:avLst>
+              <a:gd name="adj1" fmla="val 1033"/>
+            </a:avLst>
+          </a:prstGeom>
+          <a:solidFill>
+            <a:srgbClr val="FF0000"/>
+          </a:solidFill>
+          <a:ln>
+            <a:solidFill>
+              <a:srgbClr val="FF0000"/>
+            </a:solidFill>
+          </a:ln>
+        </p:spPr>
+        <p:style>
+          <a:lnRef idx="2">
+            <a:schemeClr val="accent1">
+              <a:shade val="50000"/>
+            </a:schemeClr>
+          </a:lnRef>
+          <a:fillRef idx="1">
+            <a:schemeClr val="accent1"/>
+          </a:fillRef>
+          <a:effectRef idx="0">
+            <a:schemeClr val="accent1"/>
+          </a:effectRef>
+          <a:fontRef idx="minor">
+            <a:schemeClr val="lt1"/>
+          </a:fontRef>
+        </p:style>
+        <p:txBody>
+          <a:bodyPr rtlCol="0" anchor="ctr"/>
+          <a:lstStyle/>
+          <a:p>
+            <a:pPr algn="ctr"/>
+            <a:endParaRPr lang="ko-KR" altLang="en-US">
+              <a:solidFill>
+                <a:schemeClr val="tx1"/>
+              </a:solidFill>
+            </a:endParaRPr>
+          </a:p>
+        </p:txBody>
+      </p:sp>
     </p:spTree>
     <p:extLst>
       <p:ext uri="{BB962C8B-B14F-4D97-AF65-F5344CB8AC3E}">
@@ -29370,7 +30507,7 @@
   <a:extraClrSchemeLst/>
   <a:extLst>
     <a:ext uri="{05A4C25C-085E-4340-85A3-A5531E510DB2}">
-      <thm15:themeFamily xmlns:thm15="http://schemas.microsoft.com/office/thememl/2012/main" xmlns="" name="Office Theme" id="{62F939B6-93AF-4DB8-9C6B-D6C7DFDC589F}" vid="{4A3C46E8-61CC-4603-A589-7422A47A8E4A}"/>
+      <thm15:themeFamily xmlns:thm15="http://schemas.microsoft.com/office/thememl/2012/main" name="Office Theme" id="{62F939B6-93AF-4DB8-9C6B-D6C7DFDC589F}" vid="{4A3C46E8-61CC-4603-A589-7422A47A8E4A}"/>
     </a:ext>
   </a:extLst>
 </a:theme>
@@ -29631,7 +30768,7 @@
   <a:extraClrSchemeLst/>
   <a:extLst>
     <a:ext uri="{05A4C25C-085E-4340-85A3-A5531E510DB2}">
-      <thm15:themeFamily xmlns:thm15="http://schemas.microsoft.com/office/thememl/2012/main" xmlns="" name="Office Theme" id="{62F939B6-93AF-4DB8-9C6B-D6C7DFDC589F}" vid="{4A3C46E8-61CC-4603-A589-7422A47A8E4A}"/>
+      <thm15:themeFamily xmlns:thm15="http://schemas.microsoft.com/office/thememl/2012/main" name="Office Theme" id="{62F939B6-93AF-4DB8-9C6B-D6C7DFDC589F}" vid="{4A3C46E8-61CC-4603-A589-7422A47A8E4A}"/>
     </a:ext>
   </a:extLst>
 </a:theme>

--- a/하계특훈 발표/200720_하계특훈_2014180011_김영범.pptx
+++ b/하계특훈 발표/200720_하계특훈_2014180011_김영범.pptx
@@ -238,7 +238,7 @@
             <c:bubble3D val="0"/>
             <c:spPr>
               <a:solidFill>
-                <a:srgbClr val="00B050"/>
+                <a:srgbClr val="0070C0"/>
               </a:solidFill>
               <a:ln w="19050">
                 <a:solidFill>
@@ -258,7 +258,7 @@
             <c:bubble3D val="0"/>
             <c:spPr>
               <a:solidFill>
-                <a:schemeClr val="accent4"/>
+                <a:srgbClr val="7030A0"/>
               </a:solidFill>
               <a:ln w="19050">
                 <a:solidFill>
@@ -504,7 +504,7 @@
             <c:bubble3D val="0"/>
             <c:spPr>
               <a:solidFill>
-                <a:srgbClr val="00B050"/>
+                <a:srgbClr val="0070C0"/>
               </a:solidFill>
               <a:ln w="19050">
                 <a:solidFill>
@@ -524,7 +524,7 @@
             <c:bubble3D val="0"/>
             <c:spPr>
               <a:solidFill>
-                <a:schemeClr val="accent4"/>
+                <a:srgbClr val="7030A0"/>
               </a:solidFill>
               <a:ln w="19050">
                 <a:solidFill>
@@ -595,6 +595,7 @@
                     <a:noFill/>
                   </a:ln>
                 </c15:spPr>
+                <c15:layout/>
               </c:ext>
             </c:extLst>
           </c:dLbls>
@@ -769,7 +770,7 @@
             <c:bubble3D val="0"/>
             <c:spPr>
               <a:solidFill>
-                <a:srgbClr val="00B050"/>
+                <a:srgbClr val="0070C0"/>
               </a:solidFill>
               <a:ln w="19050">
                 <a:solidFill>
@@ -789,7 +790,7 @@
             <c:bubble3D val="0"/>
             <c:spPr>
               <a:solidFill>
-                <a:schemeClr val="accent4"/>
+                <a:srgbClr val="7030A0"/>
               </a:solidFill>
               <a:ln w="19050">
                 <a:solidFill>
@@ -860,6 +861,7 @@
                     <a:noFill/>
                   </a:ln>
                 </c15:spPr>
+                <c15:layout/>
               </c:ext>
             </c:extLst>
           </c:dLbls>
@@ -1034,7 +1036,7 @@
             <c:bubble3D val="0"/>
             <c:spPr>
               <a:solidFill>
-                <a:srgbClr val="00B050"/>
+                <a:srgbClr val="0070C0"/>
               </a:solidFill>
               <a:ln w="19050">
                 <a:solidFill>
@@ -1054,7 +1056,7 @@
             <c:bubble3D val="0"/>
             <c:spPr>
               <a:solidFill>
-                <a:schemeClr val="accent4"/>
+                <a:srgbClr val="7030A0"/>
               </a:solidFill>
               <a:ln w="19050">
                 <a:solidFill>
@@ -1125,6 +1127,7 @@
                     <a:noFill/>
                   </a:ln>
                 </c15:spPr>
+                <c15:layout/>
               </c:ext>
             </c:extLst>
           </c:dLbls>
@@ -1299,7 +1302,7 @@
             <c:bubble3D val="0"/>
             <c:spPr>
               <a:solidFill>
-                <a:srgbClr val="00B050"/>
+                <a:srgbClr val="0070C0"/>
               </a:solidFill>
               <a:ln w="19050">
                 <a:solidFill>
@@ -1319,7 +1322,7 @@
             <c:bubble3D val="0"/>
             <c:spPr>
               <a:solidFill>
-                <a:schemeClr val="accent4"/>
+                <a:srgbClr val="7030A0"/>
               </a:solidFill>
               <a:ln w="19050">
                 <a:solidFill>
@@ -1525,7 +1528,7 @@
             <c:bubble3D val="0"/>
             <c:spPr>
               <a:solidFill>
-                <a:schemeClr val="accent1"/>
+                <a:srgbClr val="00B050"/>
               </a:solidFill>
               <a:ln w="19050">
                 <a:solidFill>
@@ -1656,6 +1659,7 @@
                     <a:noFill/>
                   </a:ln>
                 </c15:spPr>
+                <c15:layout/>
               </c:ext>
             </c:extLst>
           </c:dLbls>
@@ -1790,7 +1794,7 @@
             <c:bubble3D val="0"/>
             <c:spPr>
               <a:solidFill>
-                <a:schemeClr val="accent1"/>
+                <a:srgbClr val="00B050"/>
               </a:solidFill>
               <a:ln w="19050">
                 <a:solidFill>
@@ -1921,6 +1925,7 @@
                     <a:noFill/>
                   </a:ln>
                 </c15:spPr>
+                <c15:layout/>
               </c:ext>
             </c:extLst>
           </c:dLbls>
@@ -2055,7 +2060,7 @@
             <c:bubble3D val="0"/>
             <c:spPr>
               <a:solidFill>
-                <a:schemeClr val="accent1"/>
+                <a:srgbClr val="00B050"/>
               </a:solidFill>
               <a:ln w="19050">
                 <a:solidFill>
@@ -2095,7 +2100,7 @@
             <c:bubble3D val="0"/>
             <c:spPr>
               <a:solidFill>
-                <a:srgbClr val="00B050"/>
+                <a:srgbClr val="0070C0"/>
               </a:solidFill>
               <a:ln w="19050">
                 <a:solidFill>
@@ -2115,7 +2120,7 @@
             <c:bubble3D val="0"/>
             <c:spPr>
               <a:solidFill>
-                <a:schemeClr val="accent4"/>
+                <a:srgbClr val="7030A0"/>
               </a:solidFill>
               <a:ln w="19050">
                 <a:solidFill>
@@ -2186,6 +2191,7 @@
                     <a:noFill/>
                   </a:ln>
                 </c15:spPr>
+                <c15:layout/>
               </c:ext>
             </c:extLst>
           </c:dLbls>
@@ -2320,7 +2326,7 @@
             <c:bubble3D val="0"/>
             <c:spPr>
               <a:solidFill>
-                <a:schemeClr val="accent1"/>
+                <a:srgbClr val="00B050"/>
               </a:solidFill>
               <a:ln w="19050">
                 <a:solidFill>
@@ -2360,7 +2366,7 @@
             <c:bubble3D val="0"/>
             <c:spPr>
               <a:solidFill>
-                <a:srgbClr val="00B050"/>
+                <a:srgbClr val="0070C0"/>
               </a:solidFill>
               <a:ln w="19050">
                 <a:solidFill>
@@ -2380,7 +2386,7 @@
             <c:bubble3D val="0"/>
             <c:spPr>
               <a:solidFill>
-                <a:schemeClr val="accent4"/>
+                <a:srgbClr val="7030A0"/>
               </a:solidFill>
               <a:ln w="19050">
                 <a:solidFill>
@@ -2451,6 +2457,7 @@
                     <a:noFill/>
                   </a:ln>
                 </c15:spPr>
+                <c15:layout/>
               </c:ext>
             </c:extLst>
           </c:dLbls>
@@ -2625,7 +2632,7 @@
             <c:bubble3D val="0"/>
             <c:spPr>
               <a:solidFill>
-                <a:srgbClr val="00B050"/>
+                <a:srgbClr val="0070C0"/>
               </a:solidFill>
               <a:ln w="19050">
                 <a:solidFill>
@@ -2645,7 +2652,7 @@
             <c:bubble3D val="0"/>
             <c:spPr>
               <a:solidFill>
-                <a:schemeClr val="accent4"/>
+                <a:srgbClr val="7030A0"/>
               </a:solidFill>
               <a:ln w="19050">
                 <a:solidFill>
@@ -2716,6 +2723,7 @@
                     <a:noFill/>
                   </a:ln>
                 </c15:spPr>
+                <c15:layout/>
               </c:ext>
             </c:extLst>
           </c:dLbls>
@@ -2890,7 +2898,7 @@
             <c:bubble3D val="0"/>
             <c:spPr>
               <a:solidFill>
-                <a:srgbClr val="00B050"/>
+                <a:srgbClr val="0070C0"/>
               </a:solidFill>
               <a:ln w="19050">
                 <a:solidFill>
@@ -2910,7 +2918,7 @@
             <c:bubble3D val="0"/>
             <c:spPr>
               <a:solidFill>
-                <a:schemeClr val="accent4"/>
+                <a:srgbClr val="7030A0"/>
               </a:solidFill>
               <a:ln w="19050">
                 <a:solidFill>
@@ -2981,6 +2989,7 @@
                     <a:noFill/>
                   </a:ln>
                 </c15:spPr>
+                <c15:layout/>
               </c:ext>
             </c:extLst>
           </c:dLbls>
@@ -3155,7 +3164,7 @@
             <c:bubble3D val="0"/>
             <c:spPr>
               <a:solidFill>
-                <a:srgbClr val="00B050"/>
+                <a:srgbClr val="0070C0"/>
               </a:solidFill>
               <a:ln w="19050">
                 <a:solidFill>
@@ -3175,7 +3184,7 @@
             <c:bubble3D val="0"/>
             <c:spPr>
               <a:solidFill>
-                <a:schemeClr val="accent4"/>
+                <a:srgbClr val="7030A0"/>
               </a:solidFill>
               <a:ln w="19050">
                 <a:solidFill>
@@ -3246,6 +3255,7 @@
                     <a:noFill/>
                   </a:ln>
                 </c15:spPr>
+                <c15:layout/>
               </c:ext>
             </c:extLst>
           </c:dLbls>
@@ -10132,7 +10142,7 @@
           <a:p>
             <a:fld id="{413548A9-17B7-486F-BAE8-5C551821AB5E}" type="datetimeFigureOut">
               <a:rPr lang="ko-KR" altLang="en-US" smtClean="0"/>
-              <a:t>2020-07-21</a:t>
+              <a:t>2020-08-19</a:t>
             </a:fld>
             <a:endParaRPr lang="ko-KR" altLang="en-US"/>
           </a:p>
@@ -10537,7 +10547,7 @@
                   </a:prstClr>
                 </a:solidFill>
               </a:rPr>
-              <a:t>2020-07-21</a:t>
+              <a:t>2020-08-19</a:t>
             </a:fld>
             <a:endParaRPr lang="ko-KR" altLang="en-US">
               <a:solidFill>
@@ -10702,7 +10712,7 @@
                   </a:prstClr>
                 </a:solidFill>
               </a:rPr>
-              <a:t>2020-07-21</a:t>
+              <a:t>2020-08-19</a:t>
             </a:fld>
             <a:endParaRPr lang="ko-KR" altLang="en-US">
               <a:solidFill>
@@ -10877,7 +10887,7 @@
                   </a:prstClr>
                 </a:solidFill>
               </a:rPr>
-              <a:t>2020-07-21</a:t>
+              <a:t>2020-08-19</a:t>
             </a:fld>
             <a:endParaRPr lang="ko-KR" altLang="en-US">
               <a:solidFill>
@@ -11042,7 +11052,7 @@
                   </a:prstClr>
                 </a:solidFill>
               </a:rPr>
-              <a:t>2020-07-21</a:t>
+              <a:t>2020-08-19</a:t>
             </a:fld>
             <a:endParaRPr lang="ko-KR" altLang="en-US">
               <a:solidFill>
@@ -11283,7 +11293,7 @@
                   </a:prstClr>
                 </a:solidFill>
               </a:rPr>
-              <a:t>2020-07-21</a:t>
+              <a:t>2020-08-19</a:t>
             </a:fld>
             <a:endParaRPr lang="ko-KR" altLang="en-US">
               <a:solidFill>
@@ -11510,7 +11520,7 @@
                   </a:prstClr>
                 </a:solidFill>
               </a:rPr>
-              <a:t>2020-07-21</a:t>
+              <a:t>2020-08-19</a:t>
             </a:fld>
             <a:endParaRPr lang="ko-KR" altLang="en-US">
               <a:solidFill>
@@ -11872,7 +11882,7 @@
                   </a:prstClr>
                 </a:solidFill>
               </a:rPr>
-              <a:t>2020-07-21</a:t>
+              <a:t>2020-08-19</a:t>
             </a:fld>
             <a:endParaRPr lang="ko-KR" altLang="en-US">
               <a:solidFill>
@@ -11985,7 +11995,7 @@
                   </a:prstClr>
                 </a:solidFill>
               </a:rPr>
-              <a:t>2020-07-21</a:t>
+              <a:t>2020-08-19</a:t>
             </a:fld>
             <a:endParaRPr lang="ko-KR" altLang="en-US">
               <a:solidFill>
@@ -12075,7 +12085,7 @@
                   </a:prstClr>
                 </a:solidFill>
               </a:rPr>
-              <a:t>2020-07-21</a:t>
+              <a:t>2020-08-19</a:t>
             </a:fld>
             <a:endParaRPr lang="ko-KR" altLang="en-US">
               <a:solidFill>
@@ -12347,7 +12357,7 @@
                   </a:prstClr>
                 </a:solidFill>
               </a:rPr>
-              <a:t>2020-07-21</a:t>
+              <a:t>2020-08-19</a:t>
             </a:fld>
             <a:endParaRPr lang="ko-KR" altLang="en-US">
               <a:solidFill>
@@ -12595,7 +12605,7 @@
                   </a:prstClr>
                 </a:solidFill>
               </a:rPr>
-              <a:t>2020-07-21</a:t>
+              <a:t>2020-08-19</a:t>
             </a:fld>
             <a:endParaRPr lang="ko-KR" altLang="en-US">
               <a:solidFill>
@@ -12803,7 +12813,7 @@
                   </a:prstClr>
                 </a:solidFill>
               </a:rPr>
-              <a:t>2020-07-21</a:t>
+              <a:t>2020-08-19</a:t>
             </a:fld>
             <a:endParaRPr lang="ko-KR" altLang="en-US">
               <a:solidFill>
@@ -17434,7 +17444,7 @@
           <p:nvPr>
             <p:extLst>
               <p:ext uri="{D42A27DB-BD31-4B8C-83A1-F6EECF244321}">
-                <p14:modId xmlns:p14="http://schemas.microsoft.com/office/powerpoint/2010/main" val="607353782"/>
+                <p14:modId xmlns:p14="http://schemas.microsoft.com/office/powerpoint/2010/main" val="1347032223"/>
               </p:ext>
             </p:extLst>
           </p:nvPr>
@@ -17456,7 +17466,7 @@
           <p:nvPr>
             <p:extLst>
               <p:ext uri="{D42A27DB-BD31-4B8C-83A1-F6EECF244321}">
-                <p14:modId xmlns:p14="http://schemas.microsoft.com/office/powerpoint/2010/main" val="3337814873"/>
+                <p14:modId xmlns:p14="http://schemas.microsoft.com/office/powerpoint/2010/main" val="1295926951"/>
               </p:ext>
             </p:extLst>
           </p:nvPr>
@@ -17561,6 +17571,9 @@
             <a:prstGeom prst="rect">
               <a:avLst/>
             </a:prstGeom>
+            <a:solidFill>
+              <a:srgbClr val="00B050"/>
+            </a:solidFill>
             <a:ln>
               <a:noFill/>
             </a:ln>
@@ -17659,7 +17672,7 @@
               <a:avLst/>
             </a:prstGeom>
             <a:solidFill>
-              <a:srgbClr val="00B050"/>
+              <a:srgbClr val="0070C0"/>
             </a:solidFill>
             <a:ln>
               <a:noFill/>
@@ -17709,7 +17722,7 @@
               <a:avLst/>
             </a:prstGeom>
             <a:solidFill>
-              <a:srgbClr val="FFC000"/>
+              <a:srgbClr val="7030A0"/>
             </a:solidFill>
             <a:ln>
               <a:noFill/>
@@ -18161,7 +18174,7 @@
           <p:nvPr>
             <p:extLst>
               <p:ext uri="{D42A27DB-BD31-4B8C-83A1-F6EECF244321}">
-                <p14:modId xmlns:p14="http://schemas.microsoft.com/office/powerpoint/2010/main" val="1128576753"/>
+                <p14:modId xmlns:p14="http://schemas.microsoft.com/office/powerpoint/2010/main" val="2515624287"/>
               </p:ext>
             </p:extLst>
           </p:nvPr>
@@ -18183,7 +18196,7 @@
           <p:nvPr>
             <p:extLst>
               <p:ext uri="{D42A27DB-BD31-4B8C-83A1-F6EECF244321}">
-                <p14:modId xmlns:p14="http://schemas.microsoft.com/office/powerpoint/2010/main" val="4081041788"/>
+                <p14:modId xmlns:p14="http://schemas.microsoft.com/office/powerpoint/2010/main" val="4294139029"/>
               </p:ext>
             </p:extLst>
           </p:nvPr>
@@ -18262,7 +18275,7 @@
       </p:sp>
       <p:grpSp>
         <p:nvGrpSpPr>
-          <p:cNvPr id="12" name="그룹 11"/>
+          <p:cNvPr id="22" name="그룹 21"/>
           <p:cNvGrpSpPr/>
           <p:nvPr/>
         </p:nvGrpSpPr>
@@ -18276,7 +18289,7 @@
         </p:grpSpPr>
         <p:sp>
           <p:nvSpPr>
-            <p:cNvPr id="13" name="직사각형 12"/>
+            <p:cNvPr id="26" name="직사각형 25"/>
             <p:cNvSpPr/>
             <p:nvPr/>
           </p:nvSpPr>
@@ -18288,6 +18301,9 @@
             <a:prstGeom prst="rect">
               <a:avLst/>
             </a:prstGeom>
+            <a:solidFill>
+              <a:srgbClr val="00B050"/>
+            </a:solidFill>
             <a:ln>
               <a:noFill/>
             </a:ln>
@@ -18323,7 +18339,7 @@
         </p:sp>
         <p:sp>
           <p:nvSpPr>
-            <p:cNvPr id="15" name="직사각형 14"/>
+            <p:cNvPr id="27" name="직사각형 26"/>
             <p:cNvSpPr/>
             <p:nvPr/>
           </p:nvSpPr>
@@ -18373,7 +18389,7 @@
         </p:sp>
         <p:sp>
           <p:nvSpPr>
-            <p:cNvPr id="16" name="직사각형 15"/>
+            <p:cNvPr id="28" name="직사각형 27"/>
             <p:cNvSpPr/>
             <p:nvPr/>
           </p:nvSpPr>
@@ -18386,7 +18402,7 @@
               <a:avLst/>
             </a:prstGeom>
             <a:solidFill>
-              <a:srgbClr val="00B050"/>
+              <a:srgbClr val="0070C0"/>
             </a:solidFill>
             <a:ln>
               <a:noFill/>
@@ -18423,7 +18439,7 @@
         </p:sp>
         <p:sp>
           <p:nvSpPr>
-            <p:cNvPr id="17" name="직사각형 16"/>
+            <p:cNvPr id="29" name="직사각형 28"/>
             <p:cNvSpPr/>
             <p:nvPr/>
           </p:nvSpPr>
@@ -18436,7 +18452,7 @@
               <a:avLst/>
             </a:prstGeom>
             <a:solidFill>
-              <a:srgbClr val="FFC000"/>
+              <a:srgbClr val="7030A0"/>
             </a:solidFill>
             <a:ln>
               <a:noFill/>
@@ -18473,7 +18489,7 @@
         </p:sp>
         <p:sp>
           <p:nvSpPr>
-            <p:cNvPr id="18" name="TextBox 17"/>
+            <p:cNvPr id="30" name="TextBox 29"/>
             <p:cNvSpPr txBox="1"/>
             <p:nvPr/>
           </p:nvSpPr>
@@ -18503,7 +18519,7 @@
         </p:sp>
         <p:sp>
           <p:nvSpPr>
-            <p:cNvPr id="19" name="TextBox 18"/>
+            <p:cNvPr id="31" name="TextBox 30"/>
             <p:cNvSpPr txBox="1"/>
             <p:nvPr/>
           </p:nvSpPr>
@@ -18533,7 +18549,7 @@
         </p:sp>
         <p:sp>
           <p:nvSpPr>
-            <p:cNvPr id="20" name="TextBox 19"/>
+            <p:cNvPr id="32" name="TextBox 31"/>
             <p:cNvSpPr txBox="1"/>
             <p:nvPr/>
           </p:nvSpPr>
@@ -18563,7 +18579,7 @@
         </p:sp>
         <p:sp>
           <p:nvSpPr>
-            <p:cNvPr id="21" name="TextBox 20"/>
+            <p:cNvPr id="34" name="TextBox 33"/>
             <p:cNvSpPr txBox="1"/>
             <p:nvPr/>
           </p:nvSpPr>
@@ -18898,7 +18914,7 @@
           <p:nvPr>
             <p:extLst>
               <p:ext uri="{D42A27DB-BD31-4B8C-83A1-F6EECF244321}">
-                <p14:modId xmlns:p14="http://schemas.microsoft.com/office/powerpoint/2010/main" val="2145296348"/>
+                <p14:modId xmlns:p14="http://schemas.microsoft.com/office/powerpoint/2010/main" val="1068486189"/>
               </p:ext>
             </p:extLst>
           </p:nvPr>
@@ -18920,7 +18936,7 @@
           <p:nvPr>
             <p:extLst>
               <p:ext uri="{D42A27DB-BD31-4B8C-83A1-F6EECF244321}">
-                <p14:modId xmlns:p14="http://schemas.microsoft.com/office/powerpoint/2010/main" val="395089084"/>
+                <p14:modId xmlns:p14="http://schemas.microsoft.com/office/powerpoint/2010/main" val="347390131"/>
               </p:ext>
             </p:extLst>
           </p:nvPr>
@@ -18999,7 +19015,7 @@
       </p:sp>
       <p:grpSp>
         <p:nvGrpSpPr>
-          <p:cNvPr id="12" name="그룹 11"/>
+          <p:cNvPr id="22" name="그룹 21"/>
           <p:cNvGrpSpPr/>
           <p:nvPr/>
         </p:nvGrpSpPr>
@@ -19013,7 +19029,7 @@
         </p:grpSpPr>
         <p:sp>
           <p:nvSpPr>
-            <p:cNvPr id="13" name="직사각형 12"/>
+            <p:cNvPr id="26" name="직사각형 25"/>
             <p:cNvSpPr/>
             <p:nvPr/>
           </p:nvSpPr>
@@ -19025,6 +19041,9 @@
             <a:prstGeom prst="rect">
               <a:avLst/>
             </a:prstGeom>
+            <a:solidFill>
+              <a:srgbClr val="00B050"/>
+            </a:solidFill>
             <a:ln>
               <a:noFill/>
             </a:ln>
@@ -19060,7 +19079,7 @@
         </p:sp>
         <p:sp>
           <p:nvSpPr>
-            <p:cNvPr id="15" name="직사각형 14"/>
+            <p:cNvPr id="27" name="직사각형 26"/>
             <p:cNvSpPr/>
             <p:nvPr/>
           </p:nvSpPr>
@@ -19110,7 +19129,7 @@
         </p:sp>
         <p:sp>
           <p:nvSpPr>
-            <p:cNvPr id="16" name="직사각형 15"/>
+            <p:cNvPr id="28" name="직사각형 27"/>
             <p:cNvSpPr/>
             <p:nvPr/>
           </p:nvSpPr>
@@ -19123,7 +19142,7 @@
               <a:avLst/>
             </a:prstGeom>
             <a:solidFill>
-              <a:srgbClr val="00B050"/>
+              <a:srgbClr val="0070C0"/>
             </a:solidFill>
             <a:ln>
               <a:noFill/>
@@ -19160,7 +19179,7 @@
         </p:sp>
         <p:sp>
           <p:nvSpPr>
-            <p:cNvPr id="17" name="직사각형 16"/>
+            <p:cNvPr id="29" name="직사각형 28"/>
             <p:cNvSpPr/>
             <p:nvPr/>
           </p:nvSpPr>
@@ -19173,7 +19192,7 @@
               <a:avLst/>
             </a:prstGeom>
             <a:solidFill>
-              <a:srgbClr val="FFC000"/>
+              <a:srgbClr val="7030A0"/>
             </a:solidFill>
             <a:ln>
               <a:noFill/>
@@ -19210,7 +19229,7 @@
         </p:sp>
         <p:sp>
           <p:nvSpPr>
-            <p:cNvPr id="18" name="TextBox 17"/>
+            <p:cNvPr id="30" name="TextBox 29"/>
             <p:cNvSpPr txBox="1"/>
             <p:nvPr/>
           </p:nvSpPr>
@@ -19240,7 +19259,7 @@
         </p:sp>
         <p:sp>
           <p:nvSpPr>
-            <p:cNvPr id="19" name="TextBox 18"/>
+            <p:cNvPr id="31" name="TextBox 30"/>
             <p:cNvSpPr txBox="1"/>
             <p:nvPr/>
           </p:nvSpPr>
@@ -19270,7 +19289,7 @@
         </p:sp>
         <p:sp>
           <p:nvSpPr>
-            <p:cNvPr id="20" name="TextBox 19"/>
+            <p:cNvPr id="32" name="TextBox 31"/>
             <p:cNvSpPr txBox="1"/>
             <p:nvPr/>
           </p:nvSpPr>
@@ -19300,7 +19319,7 @@
         </p:sp>
         <p:sp>
           <p:nvSpPr>
-            <p:cNvPr id="21" name="TextBox 20"/>
+            <p:cNvPr id="34" name="TextBox 33"/>
             <p:cNvSpPr txBox="1"/>
             <p:nvPr/>
           </p:nvSpPr>
@@ -19635,7 +19654,7 @@
           <p:nvPr>
             <p:extLst>
               <p:ext uri="{D42A27DB-BD31-4B8C-83A1-F6EECF244321}">
-                <p14:modId xmlns:p14="http://schemas.microsoft.com/office/powerpoint/2010/main" val="2205557031"/>
+                <p14:modId xmlns:p14="http://schemas.microsoft.com/office/powerpoint/2010/main" val="268560224"/>
               </p:ext>
             </p:extLst>
           </p:nvPr>
@@ -19657,7 +19676,7 @@
           <p:nvPr>
             <p:extLst>
               <p:ext uri="{D42A27DB-BD31-4B8C-83A1-F6EECF244321}">
-                <p14:modId xmlns:p14="http://schemas.microsoft.com/office/powerpoint/2010/main" val="319540325"/>
+                <p14:modId xmlns:p14="http://schemas.microsoft.com/office/powerpoint/2010/main" val="92690890"/>
               </p:ext>
             </p:extLst>
           </p:nvPr>
@@ -19736,7 +19755,7 @@
       </p:sp>
       <p:grpSp>
         <p:nvGrpSpPr>
-          <p:cNvPr id="12" name="그룹 11"/>
+          <p:cNvPr id="22" name="그룹 21"/>
           <p:cNvGrpSpPr/>
           <p:nvPr/>
         </p:nvGrpSpPr>
@@ -19750,7 +19769,7 @@
         </p:grpSpPr>
         <p:sp>
           <p:nvSpPr>
-            <p:cNvPr id="13" name="직사각형 12"/>
+            <p:cNvPr id="26" name="직사각형 25"/>
             <p:cNvSpPr/>
             <p:nvPr/>
           </p:nvSpPr>
@@ -19762,6 +19781,9 @@
             <a:prstGeom prst="rect">
               <a:avLst/>
             </a:prstGeom>
+            <a:solidFill>
+              <a:srgbClr val="00B050"/>
+            </a:solidFill>
             <a:ln>
               <a:noFill/>
             </a:ln>
@@ -19797,7 +19819,7 @@
         </p:sp>
         <p:sp>
           <p:nvSpPr>
-            <p:cNvPr id="15" name="직사각형 14"/>
+            <p:cNvPr id="27" name="직사각형 26"/>
             <p:cNvSpPr/>
             <p:nvPr/>
           </p:nvSpPr>
@@ -19847,7 +19869,7 @@
         </p:sp>
         <p:sp>
           <p:nvSpPr>
-            <p:cNvPr id="16" name="직사각형 15"/>
+            <p:cNvPr id="28" name="직사각형 27"/>
             <p:cNvSpPr/>
             <p:nvPr/>
           </p:nvSpPr>
@@ -19860,7 +19882,7 @@
               <a:avLst/>
             </a:prstGeom>
             <a:solidFill>
-              <a:srgbClr val="00B050"/>
+              <a:srgbClr val="0070C0"/>
             </a:solidFill>
             <a:ln>
               <a:noFill/>
@@ -19897,7 +19919,7 @@
         </p:sp>
         <p:sp>
           <p:nvSpPr>
-            <p:cNvPr id="17" name="직사각형 16"/>
+            <p:cNvPr id="29" name="직사각형 28"/>
             <p:cNvSpPr/>
             <p:nvPr/>
           </p:nvSpPr>
@@ -19910,7 +19932,7 @@
               <a:avLst/>
             </a:prstGeom>
             <a:solidFill>
-              <a:srgbClr val="FFC000"/>
+              <a:srgbClr val="7030A0"/>
             </a:solidFill>
             <a:ln>
               <a:noFill/>
@@ -19947,7 +19969,7 @@
         </p:sp>
         <p:sp>
           <p:nvSpPr>
-            <p:cNvPr id="18" name="TextBox 17"/>
+            <p:cNvPr id="30" name="TextBox 29"/>
             <p:cNvSpPr txBox="1"/>
             <p:nvPr/>
           </p:nvSpPr>
@@ -19977,7 +19999,7 @@
         </p:sp>
         <p:sp>
           <p:nvSpPr>
-            <p:cNvPr id="19" name="TextBox 18"/>
+            <p:cNvPr id="31" name="TextBox 30"/>
             <p:cNvSpPr txBox="1"/>
             <p:nvPr/>
           </p:nvSpPr>
@@ -20007,7 +20029,7 @@
         </p:sp>
         <p:sp>
           <p:nvSpPr>
-            <p:cNvPr id="20" name="TextBox 19"/>
+            <p:cNvPr id="32" name="TextBox 31"/>
             <p:cNvSpPr txBox="1"/>
             <p:nvPr/>
           </p:nvSpPr>
@@ -20037,7 +20059,7 @@
         </p:sp>
         <p:sp>
           <p:nvSpPr>
-            <p:cNvPr id="21" name="TextBox 20"/>
+            <p:cNvPr id="34" name="TextBox 33"/>
             <p:cNvSpPr txBox="1"/>
             <p:nvPr/>
           </p:nvSpPr>
@@ -20372,7 +20394,7 @@
           <p:nvPr>
             <p:extLst>
               <p:ext uri="{D42A27DB-BD31-4B8C-83A1-F6EECF244321}">
-                <p14:modId xmlns:p14="http://schemas.microsoft.com/office/powerpoint/2010/main" val="2609115837"/>
+                <p14:modId xmlns:p14="http://schemas.microsoft.com/office/powerpoint/2010/main" val="2665114532"/>
               </p:ext>
             </p:extLst>
           </p:nvPr>
@@ -20394,7 +20416,7 @@
           <p:nvPr>
             <p:extLst>
               <p:ext uri="{D42A27DB-BD31-4B8C-83A1-F6EECF244321}">
-                <p14:modId xmlns:p14="http://schemas.microsoft.com/office/powerpoint/2010/main" val="2938985291"/>
+                <p14:modId xmlns:p14="http://schemas.microsoft.com/office/powerpoint/2010/main" val="2736266416"/>
               </p:ext>
             </p:extLst>
           </p:nvPr>
@@ -20473,7 +20495,7 @@
       </p:sp>
       <p:grpSp>
         <p:nvGrpSpPr>
-          <p:cNvPr id="12" name="그룹 11"/>
+          <p:cNvPr id="22" name="그룹 21"/>
           <p:cNvGrpSpPr/>
           <p:nvPr/>
         </p:nvGrpSpPr>
@@ -20487,7 +20509,7 @@
         </p:grpSpPr>
         <p:sp>
           <p:nvSpPr>
-            <p:cNvPr id="13" name="직사각형 12"/>
+            <p:cNvPr id="26" name="직사각형 25"/>
             <p:cNvSpPr/>
             <p:nvPr/>
           </p:nvSpPr>
@@ -20499,6 +20521,9 @@
             <a:prstGeom prst="rect">
               <a:avLst/>
             </a:prstGeom>
+            <a:solidFill>
+              <a:srgbClr val="00B050"/>
+            </a:solidFill>
             <a:ln>
               <a:noFill/>
             </a:ln>
@@ -20534,7 +20559,7 @@
         </p:sp>
         <p:sp>
           <p:nvSpPr>
-            <p:cNvPr id="15" name="직사각형 14"/>
+            <p:cNvPr id="27" name="직사각형 26"/>
             <p:cNvSpPr/>
             <p:nvPr/>
           </p:nvSpPr>
@@ -20584,7 +20609,7 @@
         </p:sp>
         <p:sp>
           <p:nvSpPr>
-            <p:cNvPr id="16" name="직사각형 15"/>
+            <p:cNvPr id="28" name="직사각형 27"/>
             <p:cNvSpPr/>
             <p:nvPr/>
           </p:nvSpPr>
@@ -20597,7 +20622,7 @@
               <a:avLst/>
             </a:prstGeom>
             <a:solidFill>
-              <a:srgbClr val="00B050"/>
+              <a:srgbClr val="0070C0"/>
             </a:solidFill>
             <a:ln>
               <a:noFill/>
@@ -20634,7 +20659,7 @@
         </p:sp>
         <p:sp>
           <p:nvSpPr>
-            <p:cNvPr id="17" name="직사각형 16"/>
+            <p:cNvPr id="29" name="직사각형 28"/>
             <p:cNvSpPr/>
             <p:nvPr/>
           </p:nvSpPr>
@@ -20647,7 +20672,7 @@
               <a:avLst/>
             </a:prstGeom>
             <a:solidFill>
-              <a:srgbClr val="FFC000"/>
+              <a:srgbClr val="7030A0"/>
             </a:solidFill>
             <a:ln>
               <a:noFill/>
@@ -20684,7 +20709,7 @@
         </p:sp>
         <p:sp>
           <p:nvSpPr>
-            <p:cNvPr id="18" name="TextBox 17"/>
+            <p:cNvPr id="30" name="TextBox 29"/>
             <p:cNvSpPr txBox="1"/>
             <p:nvPr/>
           </p:nvSpPr>
@@ -20714,7 +20739,7 @@
         </p:sp>
         <p:sp>
           <p:nvSpPr>
-            <p:cNvPr id="19" name="TextBox 18"/>
+            <p:cNvPr id="31" name="TextBox 30"/>
             <p:cNvSpPr txBox="1"/>
             <p:nvPr/>
           </p:nvSpPr>
@@ -20744,7 +20769,7 @@
         </p:sp>
         <p:sp>
           <p:nvSpPr>
-            <p:cNvPr id="20" name="TextBox 19"/>
+            <p:cNvPr id="32" name="TextBox 31"/>
             <p:cNvSpPr txBox="1"/>
             <p:nvPr/>
           </p:nvSpPr>
@@ -20774,7 +20799,7 @@
         </p:sp>
         <p:sp>
           <p:nvSpPr>
-            <p:cNvPr id="21" name="TextBox 20"/>
+            <p:cNvPr id="34" name="TextBox 33"/>
             <p:cNvSpPr txBox="1"/>
             <p:nvPr/>
           </p:nvSpPr>
@@ -21122,7 +21147,7 @@
           <p:nvPr>
             <p:extLst>
               <p:ext uri="{D42A27DB-BD31-4B8C-83A1-F6EECF244321}">
-                <p14:modId xmlns:p14="http://schemas.microsoft.com/office/powerpoint/2010/main" val="1091322751"/>
+                <p14:modId xmlns:p14="http://schemas.microsoft.com/office/powerpoint/2010/main" val="3788473923"/>
               </p:ext>
             </p:extLst>
           </p:nvPr>
@@ -21144,7 +21169,7 @@
           <p:nvPr>
             <p:extLst>
               <p:ext uri="{D42A27DB-BD31-4B8C-83A1-F6EECF244321}">
-                <p14:modId xmlns:p14="http://schemas.microsoft.com/office/powerpoint/2010/main" val="770521804"/>
+                <p14:modId xmlns:p14="http://schemas.microsoft.com/office/powerpoint/2010/main" val="36301173"/>
               </p:ext>
             </p:extLst>
           </p:nvPr>
@@ -21223,7 +21248,7 @@
       </p:sp>
       <p:grpSp>
         <p:nvGrpSpPr>
-          <p:cNvPr id="22" name="그룹 21"/>
+          <p:cNvPr id="20" name="그룹 19"/>
           <p:cNvGrpSpPr/>
           <p:nvPr/>
         </p:nvGrpSpPr>
@@ -21237,7 +21262,7 @@
         </p:grpSpPr>
         <p:sp>
           <p:nvSpPr>
-            <p:cNvPr id="26" name="직사각형 25"/>
+            <p:cNvPr id="21" name="직사각형 20"/>
             <p:cNvSpPr/>
             <p:nvPr/>
           </p:nvSpPr>
@@ -21249,6 +21274,9 @@
             <a:prstGeom prst="rect">
               <a:avLst/>
             </a:prstGeom>
+            <a:solidFill>
+              <a:srgbClr val="00B050"/>
+            </a:solidFill>
             <a:ln>
               <a:noFill/>
             </a:ln>
@@ -21284,7 +21312,7 @@
         </p:sp>
         <p:sp>
           <p:nvSpPr>
-            <p:cNvPr id="27" name="직사각형 26"/>
+            <p:cNvPr id="35" name="직사각형 34"/>
             <p:cNvSpPr/>
             <p:nvPr/>
           </p:nvSpPr>
@@ -21334,7 +21362,7 @@
         </p:sp>
         <p:sp>
           <p:nvSpPr>
-            <p:cNvPr id="28" name="직사각형 27"/>
+            <p:cNvPr id="36" name="직사각형 35"/>
             <p:cNvSpPr/>
             <p:nvPr/>
           </p:nvSpPr>
@@ -21347,7 +21375,7 @@
               <a:avLst/>
             </a:prstGeom>
             <a:solidFill>
-              <a:srgbClr val="00B050"/>
+              <a:srgbClr val="0070C0"/>
             </a:solidFill>
             <a:ln>
               <a:noFill/>
@@ -21384,7 +21412,7 @@
         </p:sp>
         <p:sp>
           <p:nvSpPr>
-            <p:cNvPr id="29" name="직사각형 28"/>
+            <p:cNvPr id="37" name="직사각형 36"/>
             <p:cNvSpPr/>
             <p:nvPr/>
           </p:nvSpPr>
@@ -21397,7 +21425,7 @@
               <a:avLst/>
             </a:prstGeom>
             <a:solidFill>
-              <a:srgbClr val="FFC000"/>
+              <a:srgbClr val="7030A0"/>
             </a:solidFill>
             <a:ln>
               <a:noFill/>
@@ -21434,7 +21462,7 @@
         </p:sp>
         <p:sp>
           <p:nvSpPr>
-            <p:cNvPr id="30" name="TextBox 29"/>
+            <p:cNvPr id="38" name="TextBox 37"/>
             <p:cNvSpPr txBox="1"/>
             <p:nvPr/>
           </p:nvSpPr>
@@ -21464,7 +21492,7 @@
         </p:sp>
         <p:sp>
           <p:nvSpPr>
-            <p:cNvPr id="31" name="TextBox 30"/>
+            <p:cNvPr id="39" name="TextBox 38"/>
             <p:cNvSpPr txBox="1"/>
             <p:nvPr/>
           </p:nvSpPr>
@@ -21494,7 +21522,7 @@
         </p:sp>
         <p:sp>
           <p:nvSpPr>
-            <p:cNvPr id="32" name="TextBox 31"/>
+            <p:cNvPr id="40" name="TextBox 39"/>
             <p:cNvSpPr txBox="1"/>
             <p:nvPr/>
           </p:nvSpPr>
@@ -21524,7 +21552,7 @@
         </p:sp>
         <p:sp>
           <p:nvSpPr>
-            <p:cNvPr id="34" name="TextBox 33"/>
+            <p:cNvPr id="41" name="TextBox 40"/>
             <p:cNvSpPr txBox="1"/>
             <p:nvPr/>
           </p:nvSpPr>

--- a/하계특훈 발표/200720_하계특훈_2014180011_김영범.pptx
+++ b/하계특훈 발표/200720_하계특훈_2014180011_김영범.pptx
@@ -363,13 +363,13 @@
                   <c:v>0</c:v>
                 </c:pt>
                 <c:pt idx="1">
-                  <c:v>9</c:v>
+                  <c:v>8</c:v>
                 </c:pt>
                 <c:pt idx="2">
-                  <c:v>11</c:v>
+                  <c:v>10</c:v>
                 </c:pt>
                 <c:pt idx="3">
-                  <c:v>17</c:v>
+                  <c:v>18</c:v>
                 </c:pt>
               </c:numCache>
             </c:numRef>
@@ -1427,13 +1427,13 @@
                   <c:v>0</c:v>
                 </c:pt>
                 <c:pt idx="1">
-                  <c:v>750258</c:v>
+                  <c:v>636504</c:v>
                 </c:pt>
                 <c:pt idx="2">
-                  <c:v>868626</c:v>
+                  <c:v>766470</c:v>
                 </c:pt>
                 <c:pt idx="3">
-                  <c:v>1507458</c:v>
+                  <c:v>1609614</c:v>
                 </c:pt>
               </c:numCache>
             </c:numRef>
@@ -2491,7 +2491,7 @@
                   <c:v>139724</c:v>
                 </c:pt>
                 <c:pt idx="1">
-                  <c:v>318974</c:v>
+                  <c:v>394412</c:v>
                 </c:pt>
                 <c:pt idx="2">
                   <c:v>318974</c:v>
@@ -10142,7 +10142,7 @@
           <a:p>
             <a:fld id="{413548A9-17B7-486F-BAE8-5C551821AB5E}" type="datetimeFigureOut">
               <a:rPr lang="ko-KR" altLang="en-US" smtClean="0"/>
-              <a:t>2020-08-19</a:t>
+              <a:t>2020-08-25</a:t>
             </a:fld>
             <a:endParaRPr lang="ko-KR" altLang="en-US"/>
           </a:p>
@@ -10547,7 +10547,7 @@
                   </a:prstClr>
                 </a:solidFill>
               </a:rPr>
-              <a:t>2020-08-19</a:t>
+              <a:t>2020-08-25</a:t>
             </a:fld>
             <a:endParaRPr lang="ko-KR" altLang="en-US">
               <a:solidFill>
@@ -10712,7 +10712,7 @@
                   </a:prstClr>
                 </a:solidFill>
               </a:rPr>
-              <a:t>2020-08-19</a:t>
+              <a:t>2020-08-25</a:t>
             </a:fld>
             <a:endParaRPr lang="ko-KR" altLang="en-US">
               <a:solidFill>
@@ -10887,7 +10887,7 @@
                   </a:prstClr>
                 </a:solidFill>
               </a:rPr>
-              <a:t>2020-08-19</a:t>
+              <a:t>2020-08-25</a:t>
             </a:fld>
             <a:endParaRPr lang="ko-KR" altLang="en-US">
               <a:solidFill>
@@ -11052,7 +11052,7 @@
                   </a:prstClr>
                 </a:solidFill>
               </a:rPr>
-              <a:t>2020-08-19</a:t>
+              <a:t>2020-08-25</a:t>
             </a:fld>
             <a:endParaRPr lang="ko-KR" altLang="en-US">
               <a:solidFill>
@@ -11293,7 +11293,7 @@
                   </a:prstClr>
                 </a:solidFill>
               </a:rPr>
-              <a:t>2020-08-19</a:t>
+              <a:t>2020-08-25</a:t>
             </a:fld>
             <a:endParaRPr lang="ko-KR" altLang="en-US">
               <a:solidFill>
@@ -11520,7 +11520,7 @@
                   </a:prstClr>
                 </a:solidFill>
               </a:rPr>
-              <a:t>2020-08-19</a:t>
+              <a:t>2020-08-25</a:t>
             </a:fld>
             <a:endParaRPr lang="ko-KR" altLang="en-US">
               <a:solidFill>
@@ -11882,7 +11882,7 @@
                   </a:prstClr>
                 </a:solidFill>
               </a:rPr>
-              <a:t>2020-08-19</a:t>
+              <a:t>2020-08-25</a:t>
             </a:fld>
             <a:endParaRPr lang="ko-KR" altLang="en-US">
               <a:solidFill>
@@ -11995,7 +11995,7 @@
                   </a:prstClr>
                 </a:solidFill>
               </a:rPr>
-              <a:t>2020-08-19</a:t>
+              <a:t>2020-08-25</a:t>
             </a:fld>
             <a:endParaRPr lang="ko-KR" altLang="en-US">
               <a:solidFill>
@@ -12085,7 +12085,7 @@
                   </a:prstClr>
                 </a:solidFill>
               </a:rPr>
-              <a:t>2020-08-19</a:t>
+              <a:t>2020-08-25</a:t>
             </a:fld>
             <a:endParaRPr lang="ko-KR" altLang="en-US">
               <a:solidFill>
@@ -12357,7 +12357,7 @@
                   </a:prstClr>
                 </a:solidFill>
               </a:rPr>
-              <a:t>2020-08-19</a:t>
+              <a:t>2020-08-25</a:t>
             </a:fld>
             <a:endParaRPr lang="ko-KR" altLang="en-US">
               <a:solidFill>
@@ -12605,7 +12605,7 @@
                   </a:prstClr>
                 </a:solidFill>
               </a:rPr>
-              <a:t>2020-08-19</a:t>
+              <a:t>2020-08-25</a:t>
             </a:fld>
             <a:endParaRPr lang="ko-KR" altLang="en-US">
               <a:solidFill>
@@ -12813,7 +12813,7 @@
                   </a:prstClr>
                 </a:solidFill>
               </a:rPr>
-              <a:t>2020-08-19</a:t>
+              <a:t>2020-08-25</a:t>
             </a:fld>
             <a:endParaRPr lang="ko-KR" altLang="en-US">
               <a:solidFill>
@@ -17444,7 +17444,7 @@
           <p:nvPr>
             <p:extLst>
               <p:ext uri="{D42A27DB-BD31-4B8C-83A1-F6EECF244321}">
-                <p14:modId xmlns:p14="http://schemas.microsoft.com/office/powerpoint/2010/main" val="1347032223"/>
+                <p14:modId xmlns:p14="http://schemas.microsoft.com/office/powerpoint/2010/main" val="2238273770"/>
               </p:ext>
             </p:extLst>
           </p:nvPr>
@@ -17466,7 +17466,7 @@
           <p:nvPr>
             <p:extLst>
               <p:ext uri="{D42A27DB-BD31-4B8C-83A1-F6EECF244321}">
-                <p14:modId xmlns:p14="http://schemas.microsoft.com/office/powerpoint/2010/main" val="1295926951"/>
+                <p14:modId xmlns:p14="http://schemas.microsoft.com/office/powerpoint/2010/main" val="1449603750"/>
               </p:ext>
             </p:extLst>
           </p:nvPr>
@@ -18936,7 +18936,7 @@
           <p:nvPr>
             <p:extLst>
               <p:ext uri="{D42A27DB-BD31-4B8C-83A1-F6EECF244321}">
-                <p14:modId xmlns:p14="http://schemas.microsoft.com/office/powerpoint/2010/main" val="347390131"/>
+                <p14:modId xmlns:p14="http://schemas.microsoft.com/office/powerpoint/2010/main" val="4076398764"/>
               </p:ext>
             </p:extLst>
           </p:nvPr>
@@ -25112,9 +25112,81 @@
           </a:p>
         </p:txBody>
       </p:sp>
+      <p:sp>
+        <p:nvSpPr>
+          <p:cNvPr id="30" name="직사각형 29">
+            <a:extLst>
+              <a:ext uri="{FF2B5EF4-FFF2-40B4-BE49-F238E27FC236}">
+                <a16:creationId xmlns:a16="http://schemas.microsoft.com/office/drawing/2014/main" id="{3FA00699-5178-465A-9F3F-130CF1431F70}"/>
+              </a:ext>
+            </a:extLst>
+          </p:cNvPr>
+          <p:cNvSpPr/>
+          <p:nvPr/>
+        </p:nvSpPr>
+        <p:spPr>
+          <a:xfrm>
+            <a:off x="589054" y="547161"/>
+            <a:ext cx="4453209" cy="646331"/>
+          </a:xfrm>
+          <a:prstGeom prst="rect">
+            <a:avLst/>
+          </a:prstGeom>
+        </p:spPr>
+        <p:txBody>
+          <a:bodyPr wrap="square" anchor="ctr">
+            <a:spAutoFit/>
+          </a:bodyPr>
+          <a:lstStyle/>
+          <a:p>
+            <a:pPr>
+              <a:lnSpc>
+                <a:spcPct val="150000"/>
+              </a:lnSpc>
+            </a:pPr>
+            <a:r>
+              <a:rPr lang="ko-KR" altLang="en-US" sz="2400" b="1" dirty="0" smtClean="0">
+                <a:solidFill>
+                  <a:srgbClr val="44546A">
+                    <a:lumMod val="75000"/>
+                  </a:srgbClr>
+                </a:solidFill>
+              </a:rPr>
+              <a:t>살인마협회장</a:t>
+            </a:r>
+            <a:r>
+              <a:rPr lang="en-US" altLang="ko-KR" sz="2400" b="1" dirty="0" smtClean="0">
+                <a:solidFill>
+                  <a:srgbClr val="44546A">
+                    <a:lumMod val="75000"/>
+                  </a:srgbClr>
+                </a:solidFill>
+              </a:rPr>
+              <a:t>(DBD) </a:t>
+            </a:r>
+            <a:r>
+              <a:rPr lang="ko-KR" altLang="en-US" sz="2400" b="1" dirty="0" smtClean="0">
+                <a:solidFill>
+                  <a:srgbClr val="44546A">
+                    <a:lumMod val="75000"/>
+                  </a:srgbClr>
+                </a:solidFill>
+              </a:rPr>
+              <a:t>영상 작업</a:t>
+            </a:r>
+            <a:endParaRPr lang="en-US" altLang="ko-KR" sz="2400" b="1" dirty="0">
+              <a:solidFill>
+                <a:srgbClr val="44546A">
+                  <a:lumMod val="75000"/>
+                </a:srgbClr>
+              </a:solidFill>
+            </a:endParaRPr>
+          </a:p>
+        </p:txBody>
+      </p:sp>
       <p:pic>
         <p:nvPicPr>
-          <p:cNvPr id="26" name="Picture 2"/>
+          <p:cNvPr id="32" name="Picture 2"/>
           <p:cNvPicPr>
             <a:picLocks noChangeAspect="1" noChangeArrowheads="1"/>
           </p:cNvPicPr>
@@ -25171,7 +25243,7 @@
       </p:pic>
       <p:sp>
         <p:nvSpPr>
-          <p:cNvPr id="27" name="액자 26"/>
+          <p:cNvPr id="33" name="액자 32"/>
           <p:cNvSpPr/>
           <p:nvPr/>
         </p:nvSpPr>
@@ -25225,7 +25297,7 @@
       </p:sp>
       <p:sp>
         <p:nvSpPr>
-          <p:cNvPr id="28" name="액자 27"/>
+          <p:cNvPr id="34" name="액자 33"/>
           <p:cNvSpPr/>
           <p:nvPr/>
         </p:nvSpPr>
@@ -25279,7 +25351,7 @@
       </p:sp>
       <p:sp>
         <p:nvSpPr>
-          <p:cNvPr id="29" name="액자 28"/>
+          <p:cNvPr id="35" name="액자 34"/>
           <p:cNvSpPr/>
           <p:nvPr/>
         </p:nvSpPr>
@@ -25331,81 +25403,9 @@
           </a:p>
         </p:txBody>
       </p:sp>
-      <p:sp>
-        <p:nvSpPr>
-          <p:cNvPr id="30" name="직사각형 29">
-            <a:extLst>
-              <a:ext uri="{FF2B5EF4-FFF2-40B4-BE49-F238E27FC236}">
-                <a16:creationId xmlns:a16="http://schemas.microsoft.com/office/drawing/2014/main" id="{3FA00699-5178-465A-9F3F-130CF1431F70}"/>
-              </a:ext>
-            </a:extLst>
-          </p:cNvPr>
-          <p:cNvSpPr/>
-          <p:nvPr/>
-        </p:nvSpPr>
-        <p:spPr>
-          <a:xfrm>
-            <a:off x="589054" y="547161"/>
-            <a:ext cx="4453209" cy="646331"/>
-          </a:xfrm>
-          <a:prstGeom prst="rect">
-            <a:avLst/>
-          </a:prstGeom>
-        </p:spPr>
-        <p:txBody>
-          <a:bodyPr wrap="square" anchor="ctr">
-            <a:spAutoFit/>
-          </a:bodyPr>
-          <a:lstStyle/>
-          <a:p>
-            <a:pPr>
-              <a:lnSpc>
-                <a:spcPct val="150000"/>
-              </a:lnSpc>
-            </a:pPr>
-            <a:r>
-              <a:rPr lang="ko-KR" altLang="en-US" sz="2400" b="1" dirty="0" smtClean="0">
-                <a:solidFill>
-                  <a:srgbClr val="44546A">
-                    <a:lumMod val="75000"/>
-                  </a:srgbClr>
-                </a:solidFill>
-              </a:rPr>
-              <a:t>살인마협회장</a:t>
-            </a:r>
-            <a:r>
-              <a:rPr lang="en-US" altLang="ko-KR" sz="2400" b="1" dirty="0" smtClean="0">
-                <a:solidFill>
-                  <a:srgbClr val="44546A">
-                    <a:lumMod val="75000"/>
-                  </a:srgbClr>
-                </a:solidFill>
-              </a:rPr>
-              <a:t>(DBD) </a:t>
-            </a:r>
-            <a:r>
-              <a:rPr lang="ko-KR" altLang="en-US" sz="2400" b="1" dirty="0" smtClean="0">
-                <a:solidFill>
-                  <a:srgbClr val="44546A">
-                    <a:lumMod val="75000"/>
-                  </a:srgbClr>
-                </a:solidFill>
-              </a:rPr>
-              <a:t>영상 작업</a:t>
-            </a:r>
-            <a:endParaRPr lang="en-US" altLang="ko-KR" sz="2400" b="1" dirty="0">
-              <a:solidFill>
-                <a:srgbClr val="44546A">
-                  <a:lumMod val="75000"/>
-                </a:srgbClr>
-              </a:solidFill>
-            </a:endParaRPr>
-          </a:p>
-        </p:txBody>
-      </p:sp>
       <p:pic>
         <p:nvPicPr>
-          <p:cNvPr id="31" name="Picture 3"/>
+          <p:cNvPr id="36" name="Picture 3"/>
           <p:cNvPicPr>
             <a:picLocks noChangeAspect="1" noChangeArrowheads="1"/>
           </p:cNvPicPr>
@@ -25769,16 +25769,40 @@
           </a:p>
         </p:txBody>
       </p:sp>
+      <p:pic>
+        <p:nvPicPr>
+          <p:cNvPr id="15" name="그림 14"/>
+          <p:cNvPicPr>
+            <a:picLocks noChangeAspect="1"/>
+          </p:cNvPicPr>
+          <p:nvPr/>
+        </p:nvPicPr>
+        <p:blipFill>
+          <a:blip r:embed="rId2"/>
+          <a:stretch>
+            <a:fillRect/>
+          </a:stretch>
+        </p:blipFill>
+        <p:spPr>
+          <a:xfrm>
+            <a:off x="605679" y="1342750"/>
+            <a:ext cx="2982615" cy="5094045"/>
+          </a:xfrm>
+          <a:prstGeom prst="rect">
+            <a:avLst/>
+          </a:prstGeom>
+        </p:spPr>
+      </p:pic>
       <p:graphicFrame>
         <p:nvGraphicFramePr>
-          <p:cNvPr id="19" name="표 18"/>
+          <p:cNvPr id="17" name="표 16"/>
           <p:cNvGraphicFramePr>
             <a:graphicFrameLocks noGrp="1"/>
           </p:cNvGraphicFramePr>
           <p:nvPr>
             <p:extLst>
               <p:ext uri="{D42A27DB-BD31-4B8C-83A1-F6EECF244321}">
-                <p14:modId xmlns:p14="http://schemas.microsoft.com/office/powerpoint/2010/main" val="2711570822"/>
+                <p14:modId xmlns:p14="http://schemas.microsoft.com/office/powerpoint/2010/main" val="2125863154"/>
               </p:ext>
             </p:extLst>
           </p:nvPr>
@@ -25926,7 +25950,7 @@
                       <a:pPr algn="ctr" latinLnBrk="1"/>
                       <a:r>
                         <a:rPr lang="en-US" altLang="ko-KR" dirty="0" smtClean="0"/>
-                        <a:t>9</a:t>
+                        <a:t>8</a:t>
                       </a:r>
                       <a:endParaRPr lang="ko-KR" altLang="en-US" dirty="0"/>
                     </a:p>
@@ -25941,7 +25965,7 @@
                       <a:pPr algn="ctr" latinLnBrk="1"/>
                       <a:r>
                         <a:rPr lang="en-US" altLang="ko-KR" dirty="0" smtClean="0"/>
-                        <a:t>11</a:t>
+                        <a:t>10</a:t>
                       </a:r>
                       <a:endParaRPr lang="ko-KR" altLang="en-US" dirty="0"/>
                     </a:p>
@@ -25956,7 +25980,7 @@
                       <a:pPr algn="ctr" latinLnBrk="1"/>
                       <a:r>
                         <a:rPr lang="en-US" altLang="ko-KR" dirty="0" smtClean="0"/>
-                        <a:t>17</a:t>
+                        <a:t>18</a:t>
                       </a:r>
                       <a:endParaRPr lang="ko-KR" altLang="en-US" dirty="0"/>
                     </a:p>
@@ -26003,7 +26027,11 @@
                       <a:pPr algn="ctr" latinLnBrk="1"/>
                       <a:r>
                         <a:rPr lang="en-US" altLang="ko-KR" dirty="0" smtClean="0"/>
-                        <a:t>24.32 %</a:t>
+                        <a:t>22.22 </a:t>
+                      </a:r>
+                      <a:r>
+                        <a:rPr lang="en-US" altLang="ko-KR" dirty="0" smtClean="0"/>
+                        <a:t>%</a:t>
                       </a:r>
                       <a:endParaRPr lang="ko-KR" altLang="en-US" dirty="0"/>
                     </a:p>
@@ -26018,11 +26046,15 @@
                       <a:pPr algn="ctr" latinLnBrk="1"/>
                       <a:r>
                         <a:rPr lang="en-US" altLang="ko-KR" dirty="0" smtClean="0"/>
-                        <a:t>29.72</a:t>
+                        <a:t>27.77</a:t>
                       </a:r>
                       <a:r>
                         <a:rPr lang="en-US" altLang="ko-KR" baseline="0" dirty="0" smtClean="0"/>
-                        <a:t> %</a:t>
+                        <a:t> </a:t>
+                      </a:r>
+                      <a:r>
+                        <a:rPr lang="en-US" altLang="ko-KR" baseline="0" dirty="0" smtClean="0"/>
+                        <a:t>%</a:t>
                       </a:r>
                       <a:endParaRPr lang="ko-KR" altLang="en-US" dirty="0"/>
                     </a:p>
@@ -26037,7 +26069,11 @@
                       <a:pPr algn="ctr" latinLnBrk="1"/>
                       <a:r>
                         <a:rPr lang="en-US" altLang="ko-KR" dirty="0" smtClean="0"/>
-                        <a:t>45.94 %</a:t>
+                        <a:t>50 </a:t>
+                      </a:r>
+                      <a:r>
+                        <a:rPr lang="en-US" altLang="ko-KR" dirty="0" smtClean="0"/>
+                        <a:t>%</a:t>
                       </a:r>
                     </a:p>
                   </a:txBody>
@@ -26079,7 +26115,7 @@
                       <a:pPr algn="ctr" latinLnBrk="1"/>
                       <a:r>
                         <a:rPr lang="en-US" altLang="ko-KR" dirty="0" smtClean="0"/>
-                        <a:t>102,155</a:t>
+                        <a:t>101,702</a:t>
                       </a:r>
                       <a:endParaRPr lang="ko-KR" altLang="en-US" dirty="0"/>
                     </a:p>
@@ -26152,7 +26188,7 @@
                       <a:pPr algn="ctr" latinLnBrk="1"/>
                       <a:r>
                         <a:rPr lang="en-US" altLang="ko-KR" dirty="0" smtClean="0"/>
-                        <a:t>83,362</a:t>
+                        <a:t>79,563</a:t>
                       </a:r>
                       <a:endParaRPr lang="ko-KR" altLang="en-US" dirty="0"/>
                     </a:p>
@@ -26167,7 +26203,7 @@
                       <a:pPr algn="ctr" latinLnBrk="1"/>
                       <a:r>
                         <a:rPr lang="en-US" altLang="ko-KR" dirty="0" smtClean="0"/>
-                        <a:t>78,966</a:t>
+                        <a:t>76,647</a:t>
                       </a:r>
                       <a:endParaRPr lang="ko-KR" altLang="en-US" dirty="0"/>
                     </a:p>
@@ -26182,7 +26218,7 @@
                       <a:pPr algn="ctr" latinLnBrk="1"/>
                       <a:r>
                         <a:rPr lang="en-US" altLang="ko-KR" dirty="0" smtClean="0"/>
-                        <a:t>88,674</a:t>
+                        <a:t>89,423</a:t>
                       </a:r>
                       <a:endParaRPr lang="ko-KR" altLang="en-US" dirty="0"/>
                     </a:p>
@@ -26225,7 +26261,7 @@
                       <a:pPr algn="ctr" latinLnBrk="1"/>
                       <a:r>
                         <a:rPr lang="en-US" altLang="ko-KR" dirty="0" smtClean="0"/>
-                        <a:t>750,258</a:t>
+                        <a:t>636,504</a:t>
                       </a:r>
                       <a:endParaRPr lang="ko-KR" altLang="en-US" dirty="0"/>
                     </a:p>
@@ -26240,7 +26276,7 @@
                       <a:pPr algn="ctr" latinLnBrk="1"/>
                       <a:r>
                         <a:rPr lang="en-US" altLang="ko-KR" dirty="0" smtClean="0"/>
-                        <a:t>868,626</a:t>
+                        <a:t>766,470</a:t>
                       </a:r>
                       <a:endParaRPr lang="ko-KR" altLang="en-US" dirty="0"/>
                     </a:p>
@@ -26255,7 +26291,7 @@
                       <a:pPr algn="ctr" latinLnBrk="1"/>
                       <a:r>
                         <a:rPr lang="en-US" altLang="ko-KR" dirty="0" smtClean="0"/>
-                        <a:t>1,507,458</a:t>
+                        <a:t>1,609,614</a:t>
                       </a:r>
                       <a:endParaRPr lang="ko-KR" altLang="en-US" dirty="0"/>
                     </a:p>
@@ -26272,73 +26308,9 @@
           </a:graphicData>
         </a:graphic>
       </p:graphicFrame>
-      <p:pic>
-        <p:nvPicPr>
-          <p:cNvPr id="1026" name="Picture 2"/>
-          <p:cNvPicPr>
-            <a:picLocks noChangeAspect="1" noChangeArrowheads="1"/>
-          </p:cNvPicPr>
-          <p:nvPr/>
-        </p:nvPicPr>
-        <p:blipFill>
-          <a:blip r:embed="rId2">
-            <a:extLst>
-              <a:ext uri="{28A0092B-C50C-407E-A947-70E740481C1C}">
-                <a14:useLocalDpi xmlns:a14="http://schemas.microsoft.com/office/drawing/2010/main" val="0"/>
-              </a:ext>
-            </a:extLst>
-          </a:blip>
-          <a:srcRect/>
-          <a:stretch>
-            <a:fillRect/>
-          </a:stretch>
-        </p:blipFill>
-        <p:spPr bwMode="auto">
-          <a:xfrm>
-            <a:off x="647289" y="1342750"/>
-            <a:ext cx="2941006" cy="5094045"/>
-          </a:xfrm>
-          <a:prstGeom prst="rect">
-            <a:avLst/>
-          </a:prstGeom>
-          <a:noFill/>
-          <a:ln>
-            <a:noFill/>
-          </a:ln>
-          <a:effectLst/>
-          <a:extLst>
-            <a:ext uri="{909E8E84-426E-40DD-AFC4-6F175D3DCCD1}">
-              <a14:hiddenFill xmlns:a14="http://schemas.microsoft.com/office/drawing/2010/main">
-                <a:solidFill>
-                  <a:schemeClr val="accent1"/>
-                </a:solidFill>
-              </a14:hiddenFill>
-            </a:ext>
-            <a:ext uri="{91240B29-F687-4F45-9708-019B960494DF}">
-              <a14:hiddenLine xmlns:a14="http://schemas.microsoft.com/office/drawing/2010/main" w="9525">
-                <a:solidFill>
-                  <a:schemeClr val="tx1"/>
-                </a:solidFill>
-                <a:miter lim="800000"/>
-                <a:headEnd/>
-                <a:tailEnd/>
-              </a14:hiddenLine>
-            </a:ext>
-            <a:ext uri="{AF507438-7753-43E0-B8FC-AC1667EBCBE1}">
-              <a14:hiddenEffects xmlns:a14="http://schemas.microsoft.com/office/drawing/2010/main">
-                <a:effectLst>
-                  <a:outerShdw dist="35921" dir="2700000" algn="ctr" rotWithShape="0">
-                    <a:schemeClr val="bg2"/>
-                  </a:outerShdw>
-                </a:effectLst>
-              </a14:hiddenEffects>
-            </a:ext>
-          </a:extLst>
-        </p:spPr>
-      </p:pic>
       <p:sp>
         <p:nvSpPr>
-          <p:cNvPr id="18" name="액자 17"/>
+          <p:cNvPr id="20" name="액자 19"/>
           <p:cNvSpPr/>
           <p:nvPr/>
         </p:nvSpPr>
@@ -26392,7 +26364,7 @@
       </p:sp>
       <p:sp>
         <p:nvSpPr>
-          <p:cNvPr id="10" name="액자 9"/>
+          <p:cNvPr id="21" name="액자 20"/>
           <p:cNvSpPr/>
           <p:nvPr/>
         </p:nvSpPr>
@@ -26446,7 +26418,7 @@
       </p:sp>
       <p:sp>
         <p:nvSpPr>
-          <p:cNvPr id="11" name="액자 10"/>
+          <p:cNvPr id="22" name="액자 21"/>
           <p:cNvSpPr/>
           <p:nvPr/>
         </p:nvSpPr>
@@ -27934,14 +27906,62 @@
       </p:sp>
       <p:pic>
         <p:nvPicPr>
-          <p:cNvPr id="21" name="Picture 2"/>
+          <p:cNvPr id="16" name="그림 15"/>
+          <p:cNvPicPr>
+            <a:picLocks noChangeAspect="1"/>
+          </p:cNvPicPr>
+          <p:nvPr/>
+        </p:nvPicPr>
+        <p:blipFill>
+          <a:blip r:embed="rId2"/>
+          <a:stretch>
+            <a:fillRect/>
+          </a:stretch>
+        </p:blipFill>
+        <p:spPr>
+          <a:xfrm>
+            <a:off x="495935" y="2886150"/>
+            <a:ext cx="5946391" cy="3200653"/>
+          </a:xfrm>
+          <a:prstGeom prst="rect">
+            <a:avLst/>
+          </a:prstGeom>
+        </p:spPr>
+      </p:pic>
+      <p:pic>
+        <p:nvPicPr>
+          <p:cNvPr id="17" name="그림 16"/>
+          <p:cNvPicPr>
+            <a:picLocks noChangeAspect="1"/>
+          </p:cNvPicPr>
+          <p:nvPr/>
+        </p:nvPicPr>
+        <p:blipFill>
+          <a:blip r:embed="rId3"/>
+          <a:stretch>
+            <a:fillRect/>
+          </a:stretch>
+        </p:blipFill>
+        <p:spPr>
+          <a:xfrm>
+            <a:off x="494465" y="1610432"/>
+            <a:ext cx="5968956" cy="1275718"/>
+          </a:xfrm>
+          <a:prstGeom prst="rect">
+            <a:avLst/>
+          </a:prstGeom>
+        </p:spPr>
+      </p:pic>
+      <p:pic>
+        <p:nvPicPr>
+          <p:cNvPr id="18" name="Picture 2"/>
           <p:cNvPicPr>
             <a:picLocks noChangeAspect="1" noChangeArrowheads="1"/>
           </p:cNvPicPr>
           <p:nvPr/>
         </p:nvPicPr>
         <p:blipFill>
-          <a:blip r:embed="rId2">
+          <a:blip r:embed="rId4">
             <a:extLst>
               <a:ext uri="{28A0092B-C50C-407E-A947-70E740481C1C}">
                 <a14:useLocalDpi xmlns:a14="http://schemas.microsoft.com/office/drawing/2010/main" val="0"/>
@@ -27955,72 +27975,8 @@
         </p:blipFill>
         <p:spPr bwMode="auto">
           <a:xfrm>
-            <a:off x="7968208" y="1308476"/>
+            <a:off x="7873618" y="1308476"/>
             <a:ext cx="2724150" cy="876300"/>
-          </a:xfrm>
-          <a:prstGeom prst="rect">
-            <a:avLst/>
-          </a:prstGeom>
-          <a:noFill/>
-          <a:ln>
-            <a:noFill/>
-          </a:ln>
-          <a:effectLst/>
-          <a:extLst>
-            <a:ext uri="{909E8E84-426E-40DD-AFC4-6F175D3DCCD1}">
-              <a14:hiddenFill xmlns:a14="http://schemas.microsoft.com/office/drawing/2010/main">
-                <a:solidFill>
-                  <a:schemeClr val="accent1"/>
-                </a:solidFill>
-              </a14:hiddenFill>
-            </a:ext>
-            <a:ext uri="{91240B29-F687-4F45-9708-019B960494DF}">
-              <a14:hiddenLine xmlns:a14="http://schemas.microsoft.com/office/drawing/2010/main" w="9525">
-                <a:solidFill>
-                  <a:schemeClr val="tx1"/>
-                </a:solidFill>
-                <a:miter lim="800000"/>
-                <a:headEnd/>
-                <a:tailEnd/>
-              </a14:hiddenLine>
-            </a:ext>
-            <a:ext uri="{AF507438-7753-43E0-B8FC-AC1667EBCBE1}">
-              <a14:hiddenEffects xmlns:a14="http://schemas.microsoft.com/office/drawing/2010/main">
-                <a:effectLst>
-                  <a:outerShdw dist="35921" dir="2700000" algn="ctr" rotWithShape="0">
-                    <a:schemeClr val="bg2"/>
-                  </a:outerShdw>
-                </a:effectLst>
-              </a14:hiddenEffects>
-            </a:ext>
-          </a:extLst>
-        </p:spPr>
-      </p:pic>
-      <p:pic>
-        <p:nvPicPr>
-          <p:cNvPr id="22" name="Picture 3"/>
-          <p:cNvPicPr>
-            <a:picLocks noChangeAspect="1" noChangeArrowheads="1"/>
-          </p:cNvPicPr>
-          <p:nvPr/>
-        </p:nvPicPr>
-        <p:blipFill>
-          <a:blip r:embed="rId3">
-            <a:extLst>
-              <a:ext uri="{28A0092B-C50C-407E-A947-70E740481C1C}">
-                <a14:useLocalDpi xmlns:a14="http://schemas.microsoft.com/office/drawing/2010/main" val="0"/>
-              </a:ext>
-            </a:extLst>
-          </a:blip>
-          <a:srcRect/>
-          <a:stretch>
-            <a:fillRect/>
-          </a:stretch>
-        </p:blipFill>
-        <p:spPr bwMode="auto">
-          <a:xfrm>
-            <a:off x="589055" y="1611299"/>
-            <a:ext cx="5949314" cy="1274853"/>
           </a:xfrm>
           <a:prstGeom prst="rect">
             <a:avLst/>
@@ -28062,13 +28018,13 @@
       </p:pic>
       <p:sp>
         <p:nvSpPr>
-          <p:cNvPr id="23" name="액자 22"/>
+          <p:cNvPr id="19" name="액자 18"/>
           <p:cNvSpPr/>
           <p:nvPr/>
         </p:nvSpPr>
         <p:spPr>
           <a:xfrm>
-            <a:off x="1368074" y="2036326"/>
+            <a:off x="1273484" y="2036326"/>
             <a:ext cx="5168843" cy="680750"/>
           </a:xfrm>
           <a:prstGeom prst="frame">
@@ -28116,20 +28072,20 @@
       </p:sp>
       <p:graphicFrame>
         <p:nvGraphicFramePr>
-          <p:cNvPr id="25" name="표 24"/>
+          <p:cNvPr id="24" name="표 23"/>
           <p:cNvGraphicFramePr>
             <a:graphicFrameLocks noGrp="1"/>
           </p:cNvGraphicFramePr>
           <p:nvPr>
             <p:extLst>
               <p:ext uri="{D42A27DB-BD31-4B8C-83A1-F6EECF244321}">
-                <p14:modId xmlns:p14="http://schemas.microsoft.com/office/powerpoint/2010/main" val="4199503657"/>
+                <p14:modId xmlns:p14="http://schemas.microsoft.com/office/powerpoint/2010/main" val="1688834053"/>
               </p:ext>
             </p:extLst>
           </p:nvPr>
         </p:nvGraphicFramePr>
         <p:xfrm>
-          <a:off x="6701243" y="2424042"/>
+          <a:off x="6606653" y="2424042"/>
           <a:ext cx="5438505" cy="3678390"/>
         </p:xfrm>
         <a:graphic>
@@ -28499,7 +28455,7 @@
                       <a:pPr algn="ctr" latinLnBrk="1"/>
                       <a:r>
                         <a:rPr lang="en-US" altLang="ko-KR" sz="1400" dirty="0" smtClean="0"/>
-                        <a:t>177,529</a:t>
+                        <a:t>216,883</a:t>
                       </a:r>
                       <a:endParaRPr lang="ko-KR" altLang="en-US" sz="1400" dirty="0"/>
                     </a:p>
@@ -28595,7 +28551,7 @@
                       <a:pPr algn="ctr" latinLnBrk="1"/>
                       <a:r>
                         <a:rPr lang="en-US" altLang="ko-KR" sz="1400" dirty="0" smtClean="0"/>
-                        <a:t>159,487</a:t>
+                        <a:t>197,206</a:t>
                       </a:r>
                       <a:endParaRPr lang="ko-KR" altLang="en-US" sz="1400" dirty="0"/>
                     </a:p>
@@ -28691,7 +28647,7 @@
                       <a:pPr algn="ctr" latinLnBrk="1"/>
                       <a:r>
                         <a:rPr lang="en-US" altLang="ko-KR" sz="1400" dirty="0" smtClean="0"/>
-                        <a:t>318,974</a:t>
+                        <a:t>394,412</a:t>
                       </a:r>
                       <a:endParaRPr lang="ko-KR" altLang="en-US" sz="1400" dirty="0"/>
                     </a:p>
@@ -28738,79 +28694,15 @@
           </a:graphicData>
         </a:graphic>
       </p:graphicFrame>
-      <p:pic>
-        <p:nvPicPr>
-          <p:cNvPr id="3074" name="Picture 2"/>
-          <p:cNvPicPr>
-            <a:picLocks noChangeAspect="1" noChangeArrowheads="1"/>
-          </p:cNvPicPr>
-          <p:nvPr/>
-        </p:nvPicPr>
-        <p:blipFill>
-          <a:blip r:embed="rId4">
-            <a:extLst>
-              <a:ext uri="{28A0092B-C50C-407E-A947-70E740481C1C}">
-                <a14:useLocalDpi xmlns:a14="http://schemas.microsoft.com/office/drawing/2010/main" val="0"/>
-              </a:ext>
-            </a:extLst>
-          </a:blip>
-          <a:srcRect/>
-          <a:stretch>
-            <a:fillRect/>
-          </a:stretch>
-        </p:blipFill>
-        <p:spPr bwMode="auto">
-          <a:xfrm>
-            <a:off x="589055" y="2886151"/>
-            <a:ext cx="5962378" cy="3192967"/>
-          </a:xfrm>
-          <a:prstGeom prst="rect">
-            <a:avLst/>
-          </a:prstGeom>
-          <a:noFill/>
-          <a:ln>
-            <a:noFill/>
-          </a:ln>
-          <a:effectLst/>
-          <a:extLst>
-            <a:ext uri="{909E8E84-426E-40DD-AFC4-6F175D3DCCD1}">
-              <a14:hiddenFill xmlns:a14="http://schemas.microsoft.com/office/drawing/2010/main">
-                <a:solidFill>
-                  <a:schemeClr val="accent1"/>
-                </a:solidFill>
-              </a14:hiddenFill>
-            </a:ext>
-            <a:ext uri="{91240B29-F687-4F45-9708-019B960494DF}">
-              <a14:hiddenLine xmlns:a14="http://schemas.microsoft.com/office/drawing/2010/main" w="9525">
-                <a:solidFill>
-                  <a:schemeClr val="tx1"/>
-                </a:solidFill>
-                <a:miter lim="800000"/>
-                <a:headEnd/>
-                <a:tailEnd/>
-              </a14:hiddenLine>
-            </a:ext>
-            <a:ext uri="{AF507438-7753-43E0-B8FC-AC1667EBCBE1}">
-              <a14:hiddenEffects xmlns:a14="http://schemas.microsoft.com/office/drawing/2010/main">
-                <a:effectLst>
-                  <a:outerShdw dist="35921" dir="2700000" algn="ctr" rotWithShape="0">
-                    <a:schemeClr val="bg2"/>
-                  </a:outerShdw>
-                </a:effectLst>
-              </a14:hiddenEffects>
-            </a:ext>
-          </a:extLst>
-        </p:spPr>
-      </p:pic>
       <p:sp>
         <p:nvSpPr>
-          <p:cNvPr id="26" name="액자 25"/>
+          <p:cNvPr id="27" name="액자 26"/>
           <p:cNvSpPr/>
           <p:nvPr/>
         </p:nvSpPr>
         <p:spPr>
           <a:xfrm>
-            <a:off x="562929" y="4230884"/>
+            <a:off x="468339" y="4230884"/>
             <a:ext cx="5962378" cy="1921720"/>
           </a:xfrm>
           <a:prstGeom prst="frame">
@@ -28858,13 +28750,13 @@
       </p:sp>
       <p:sp>
         <p:nvSpPr>
-          <p:cNvPr id="13" name="액자 12"/>
+          <p:cNvPr id="28" name="액자 27"/>
           <p:cNvSpPr/>
           <p:nvPr/>
         </p:nvSpPr>
         <p:spPr>
           <a:xfrm>
-            <a:off x="6577559" y="2950126"/>
+            <a:off x="6482969" y="2950126"/>
             <a:ext cx="5614442" cy="795893"/>
           </a:xfrm>
           <a:prstGeom prst="frame">
@@ -28912,13 +28804,13 @@
       </p:sp>
       <p:sp>
         <p:nvSpPr>
-          <p:cNvPr id="14" name="액자 13"/>
+          <p:cNvPr id="29" name="액자 28"/>
           <p:cNvSpPr/>
           <p:nvPr/>
         </p:nvSpPr>
         <p:spPr>
           <a:xfrm>
-            <a:off x="6577559" y="4202797"/>
+            <a:off x="6482969" y="4202797"/>
             <a:ext cx="5614442" cy="1941130"/>
           </a:xfrm>
           <a:prstGeom prst="frame">
@@ -29271,16 +29163,64 @@
           </a:p>
         </p:txBody>
       </p:sp>
+      <p:pic>
+        <p:nvPicPr>
+          <p:cNvPr id="18" name="그림 17"/>
+          <p:cNvPicPr>
+            <a:picLocks noChangeAspect="1"/>
+          </p:cNvPicPr>
+          <p:nvPr/>
+        </p:nvPicPr>
+        <p:blipFill>
+          <a:blip r:embed="rId2"/>
+          <a:stretch>
+            <a:fillRect/>
+          </a:stretch>
+        </p:blipFill>
+        <p:spPr>
+          <a:xfrm>
+            <a:off x="589053" y="3125005"/>
+            <a:ext cx="3393278" cy="3289402"/>
+          </a:xfrm>
+          <a:prstGeom prst="rect">
+            <a:avLst/>
+          </a:prstGeom>
+        </p:spPr>
+      </p:pic>
+      <p:pic>
+        <p:nvPicPr>
+          <p:cNvPr id="21" name="그림 20"/>
+          <p:cNvPicPr>
+            <a:picLocks noChangeAspect="1"/>
+          </p:cNvPicPr>
+          <p:nvPr/>
+        </p:nvPicPr>
+        <p:blipFill>
+          <a:blip r:embed="rId3"/>
+          <a:stretch>
+            <a:fillRect/>
+          </a:stretch>
+        </p:blipFill>
+        <p:spPr>
+          <a:xfrm>
+            <a:off x="609206" y="1326853"/>
+            <a:ext cx="5958852" cy="1783955"/>
+          </a:xfrm>
+          <a:prstGeom prst="rect">
+            <a:avLst/>
+          </a:prstGeom>
+        </p:spPr>
+      </p:pic>
       <p:graphicFrame>
         <p:nvGraphicFramePr>
-          <p:cNvPr id="25" name="표 24"/>
+          <p:cNvPr id="22" name="표 21"/>
           <p:cNvGraphicFramePr>
             <a:graphicFrameLocks noGrp="1"/>
           </p:cNvGraphicFramePr>
           <p:nvPr>
             <p:extLst>
               <p:ext uri="{D42A27DB-BD31-4B8C-83A1-F6EECF244321}">
-                <p14:modId xmlns:p14="http://schemas.microsoft.com/office/powerpoint/2010/main" val="2945692370"/>
+                <p14:modId xmlns:p14="http://schemas.microsoft.com/office/powerpoint/2010/main" val="1483044852"/>
               </p:ext>
             </p:extLst>
           </p:nvPr>
@@ -29428,7 +29368,7 @@
                       <a:pPr algn="ctr" latinLnBrk="1"/>
                       <a:r>
                         <a:rPr lang="en-US" altLang="ko-KR" sz="1400" dirty="0" smtClean="0"/>
-                        <a:t>2</a:t>
+                        <a:t>3</a:t>
                       </a:r>
                       <a:endParaRPr lang="ko-KR" altLang="en-US" sz="1400" dirty="0"/>
                     </a:p>
@@ -29509,7 +29449,11 @@
                       <a:pPr algn="ctr" latinLnBrk="1"/>
                       <a:r>
                         <a:rPr lang="en-US" altLang="ko-KR" sz="1400" dirty="0" smtClean="0"/>
-                        <a:t>14.28 %</a:t>
+                        <a:t>20 </a:t>
+                      </a:r>
+                      <a:r>
+                        <a:rPr lang="en-US" altLang="ko-KR" sz="1400" dirty="0" smtClean="0"/>
+                        <a:t>%</a:t>
                       </a:r>
                       <a:endParaRPr lang="ko-KR" altLang="en-US" sz="1400" dirty="0"/>
                     </a:p>
@@ -29524,7 +29468,11 @@
                       <a:pPr algn="ctr" latinLnBrk="1"/>
                       <a:r>
                         <a:rPr lang="en-US" altLang="ko-KR" sz="1400" dirty="0" smtClean="0"/>
-                        <a:t>35.71 %</a:t>
+                        <a:t>33.33 </a:t>
+                      </a:r>
+                      <a:r>
+                        <a:rPr lang="en-US" altLang="ko-KR" sz="1400" dirty="0" smtClean="0"/>
+                        <a:t>%</a:t>
                       </a:r>
                       <a:endParaRPr lang="ko-KR" altLang="en-US" sz="1400" dirty="0"/>
                     </a:p>
@@ -29539,7 +29487,11 @@
                       <a:pPr algn="ctr" latinLnBrk="1"/>
                       <a:r>
                         <a:rPr lang="en-US" altLang="ko-KR" sz="1400" dirty="0" smtClean="0"/>
-                        <a:t>50 %</a:t>
+                        <a:t>46.66 </a:t>
+                      </a:r>
+                      <a:r>
+                        <a:rPr lang="en-US" altLang="ko-KR" sz="1400" dirty="0" smtClean="0"/>
+                        <a:t>%</a:t>
                       </a:r>
                     </a:p>
                   </a:txBody>
@@ -29670,7 +29622,7 @@
                       <a:pPr algn="ctr" latinLnBrk="1"/>
                       <a:r>
                         <a:rPr lang="en-US" altLang="ko-KR" sz="1400" dirty="0" smtClean="0"/>
-                        <a:t>66,214</a:t>
+                        <a:t>68,613</a:t>
                       </a:r>
                       <a:endParaRPr lang="ko-KR" altLang="en-US" sz="1400" dirty="0"/>
                     </a:p>
@@ -29751,7 +29703,7 @@
                       <a:pPr algn="ctr" latinLnBrk="1"/>
                       <a:r>
                         <a:rPr lang="en-US" altLang="ko-KR" sz="1400" dirty="0" smtClean="0"/>
-                        <a:t>132,428</a:t>
+                        <a:t>205,839</a:t>
                       </a:r>
                       <a:endParaRPr lang="ko-KR" altLang="en-US" sz="1400" dirty="0"/>
                     </a:p>
@@ -29800,135 +29752,7 @@
       </p:graphicFrame>
       <p:pic>
         <p:nvPicPr>
-          <p:cNvPr id="4098" name="Picture 2"/>
-          <p:cNvPicPr>
-            <a:picLocks noChangeAspect="1" noChangeArrowheads="1"/>
-          </p:cNvPicPr>
-          <p:nvPr/>
-        </p:nvPicPr>
-        <p:blipFill>
-          <a:blip r:embed="rId2">
-            <a:extLst>
-              <a:ext uri="{28A0092B-C50C-407E-A947-70E740481C1C}">
-                <a14:useLocalDpi xmlns:a14="http://schemas.microsoft.com/office/drawing/2010/main" val="0"/>
-              </a:ext>
-            </a:extLst>
-          </a:blip>
-          <a:srcRect/>
-          <a:stretch>
-            <a:fillRect/>
-          </a:stretch>
-        </p:blipFill>
-        <p:spPr bwMode="auto">
-          <a:xfrm>
-            <a:off x="605680" y="1326853"/>
-            <a:ext cx="5962378" cy="1782795"/>
-          </a:xfrm>
-          <a:prstGeom prst="rect">
-            <a:avLst/>
-          </a:prstGeom>
-          <a:noFill/>
-          <a:ln>
-            <a:noFill/>
-          </a:ln>
-          <a:effectLst/>
-          <a:extLst>
-            <a:ext uri="{909E8E84-426E-40DD-AFC4-6F175D3DCCD1}">
-              <a14:hiddenFill xmlns:a14="http://schemas.microsoft.com/office/drawing/2010/main">
-                <a:solidFill>
-                  <a:schemeClr val="accent1"/>
-                </a:solidFill>
-              </a14:hiddenFill>
-            </a:ext>
-            <a:ext uri="{91240B29-F687-4F45-9708-019B960494DF}">
-              <a14:hiddenLine xmlns:a14="http://schemas.microsoft.com/office/drawing/2010/main" w="9525">
-                <a:solidFill>
-                  <a:schemeClr val="tx1"/>
-                </a:solidFill>
-                <a:miter lim="800000"/>
-                <a:headEnd/>
-                <a:tailEnd/>
-              </a14:hiddenLine>
-            </a:ext>
-            <a:ext uri="{AF507438-7753-43E0-B8FC-AC1667EBCBE1}">
-              <a14:hiddenEffects xmlns:a14="http://schemas.microsoft.com/office/drawing/2010/main">
-                <a:effectLst>
-                  <a:outerShdw dist="35921" dir="2700000" algn="ctr" rotWithShape="0">
-                    <a:schemeClr val="bg2"/>
-                  </a:outerShdw>
-                </a:effectLst>
-              </a14:hiddenEffects>
-            </a:ext>
-          </a:extLst>
-        </p:spPr>
-      </p:pic>
-      <p:pic>
-        <p:nvPicPr>
-          <p:cNvPr id="4099" name="Picture 3"/>
-          <p:cNvPicPr>
-            <a:picLocks noChangeAspect="1" noChangeArrowheads="1"/>
-          </p:cNvPicPr>
-          <p:nvPr/>
-        </p:nvPicPr>
-        <p:blipFill>
-          <a:blip r:embed="rId3">
-            <a:extLst>
-              <a:ext uri="{28A0092B-C50C-407E-A947-70E740481C1C}">
-                <a14:useLocalDpi xmlns:a14="http://schemas.microsoft.com/office/drawing/2010/main" val="0"/>
-              </a:ext>
-            </a:extLst>
-          </a:blip>
-          <a:srcRect/>
-          <a:stretch>
-            <a:fillRect/>
-          </a:stretch>
-        </p:blipFill>
-        <p:spPr bwMode="auto">
-          <a:xfrm>
-            <a:off x="589054" y="3109648"/>
-            <a:ext cx="3383771" cy="3291696"/>
-          </a:xfrm>
-          <a:prstGeom prst="rect">
-            <a:avLst/>
-          </a:prstGeom>
-          <a:noFill/>
-          <a:ln>
-            <a:noFill/>
-          </a:ln>
-          <a:effectLst/>
-          <a:extLst>
-            <a:ext uri="{909E8E84-426E-40DD-AFC4-6F175D3DCCD1}">
-              <a14:hiddenFill xmlns:a14="http://schemas.microsoft.com/office/drawing/2010/main">
-                <a:solidFill>
-                  <a:schemeClr val="accent1"/>
-                </a:solidFill>
-              </a14:hiddenFill>
-            </a:ext>
-            <a:ext uri="{91240B29-F687-4F45-9708-019B960494DF}">
-              <a14:hiddenLine xmlns:a14="http://schemas.microsoft.com/office/drawing/2010/main" w="9525">
-                <a:solidFill>
-                  <a:schemeClr val="tx1"/>
-                </a:solidFill>
-                <a:miter lim="800000"/>
-                <a:headEnd/>
-                <a:tailEnd/>
-              </a14:hiddenLine>
-            </a:ext>
-            <a:ext uri="{AF507438-7753-43E0-B8FC-AC1667EBCBE1}">
-              <a14:hiddenEffects xmlns:a14="http://schemas.microsoft.com/office/drawing/2010/main">
-                <a:effectLst>
-                  <a:outerShdw dist="35921" dir="2700000" algn="ctr" rotWithShape="0">
-                    <a:schemeClr val="bg2"/>
-                  </a:outerShdw>
-                </a:effectLst>
-              </a14:hiddenEffects>
-            </a:ext>
-          </a:extLst>
-        </p:spPr>
-      </p:pic>
-      <p:pic>
-        <p:nvPicPr>
-          <p:cNvPr id="4100" name="Picture 4"/>
+          <p:cNvPr id="24" name="Picture 4"/>
           <p:cNvPicPr>
             <a:picLocks noChangeAspect="1" noChangeArrowheads="1"/>
           </p:cNvPicPr>
@@ -29992,7 +29816,7 @@
       </p:pic>
       <p:sp>
         <p:nvSpPr>
-          <p:cNvPr id="23" name="액자 22"/>
+          <p:cNvPr id="26" name="액자 25"/>
           <p:cNvSpPr/>
           <p:nvPr/>
         </p:nvSpPr>
@@ -30046,7 +29870,7 @@
       </p:sp>
       <p:sp>
         <p:nvSpPr>
-          <p:cNvPr id="16" name="액자 15"/>
+          <p:cNvPr id="27" name="액자 26"/>
           <p:cNvSpPr/>
           <p:nvPr/>
         </p:nvSpPr>
@@ -30100,7 +29924,7 @@
       </p:sp>
       <p:sp>
         <p:nvSpPr>
-          <p:cNvPr id="19" name="액자 18"/>
+          <p:cNvPr id="28" name="액자 27"/>
           <p:cNvSpPr/>
           <p:nvPr/>
         </p:nvSpPr>
@@ -30154,7 +29978,7 @@
       </p:sp>
       <p:sp>
         <p:nvSpPr>
-          <p:cNvPr id="14" name="액자 13"/>
+          <p:cNvPr id="29" name="액자 28"/>
           <p:cNvSpPr/>
           <p:nvPr/>
         </p:nvSpPr>
@@ -30208,7 +30032,7 @@
       </p:sp>
       <p:sp>
         <p:nvSpPr>
-          <p:cNvPr id="17" name="액자 16"/>
+          <p:cNvPr id="30" name="액자 29"/>
           <p:cNvSpPr/>
           <p:nvPr/>
         </p:nvSpPr>
